--- a/fuentes/contenidos/grado11/guion01/MapaConceptual_MA_11_01_CO.pptx
+++ b/fuentes/contenidos/grado11/guion01/MapaConceptual_MA_11_01_CO.pptx
@@ -8,7 +8,7 @@
     <p:sldId id="256" r:id="rId2"/>
   </p:sldIdLst>
   <p:sldSz cx="9144000" cy="6858000" type="letter"/>
-  <p:notesSz cx="6794500" cy="9918700"/>
+  <p:notesSz cx="7315200" cy="9601200"/>
   <p:defaultTextStyle>
     <a:defPPr>
       <a:defRPr lang="es-ES"/>
@@ -139,13 +139,6 @@
   <p:clrMapOvr>
     <a:masterClrMapping/>
   </p:clrMapOvr>
-  <p:timing>
-    <p:tnLst>
-      <p:par>
-        <p:cTn id="1" dur="indefinite" restart="never" nodeType="tmRoot"/>
-      </p:par>
-    </p:tnLst>
-  </p:timing>
 </p:sldLayout>
 </file>
 
@@ -176,13 +169,6 @@
   <p:clrMapOvr>
     <a:masterClrMapping/>
   </p:clrMapOvr>
-  <p:timing>
-    <p:tnLst>
-      <p:par>
-        <p:cTn id="1" dur="indefinite" restart="never" nodeType="tmRoot"/>
-      </p:par>
-    </p:tnLst>
-  </p:timing>
 </p:sldLayout>
 </file>
 
@@ -213,13 +199,6 @@
   <p:clrMapOvr>
     <a:masterClrMapping/>
   </p:clrMapOvr>
-  <p:timing>
-    <p:tnLst>
-      <p:par>
-        <p:cTn id="1" dur="indefinite" restart="never" nodeType="tmRoot"/>
-      </p:par>
-    </p:tnLst>
-  </p:timing>
 </p:sldLayout>
 </file>
 
@@ -250,13 +229,6 @@
   <p:clrMapOvr>
     <a:masterClrMapping/>
   </p:clrMapOvr>
-  <p:timing>
-    <p:tnLst>
-      <p:par>
-        <p:cTn id="1" dur="indefinite" restart="never" nodeType="tmRoot"/>
-      </p:par>
-    </p:tnLst>
-  </p:timing>
 </p:sldLayout>
 </file>
 
@@ -287,13 +259,6 @@
   <p:clrMapOvr>
     <a:masterClrMapping/>
   </p:clrMapOvr>
-  <p:timing>
-    <p:tnLst>
-      <p:par>
-        <p:cTn id="1" dur="indefinite" restart="never" nodeType="tmRoot"/>
-      </p:par>
-    </p:tnLst>
-  </p:timing>
 </p:sldLayout>
 </file>
 
@@ -324,13 +289,6 @@
   <p:clrMapOvr>
     <a:masterClrMapping/>
   </p:clrMapOvr>
-  <p:timing>
-    <p:tnLst>
-      <p:par>
-        <p:cTn id="1" dur="indefinite" restart="never" nodeType="tmRoot"/>
-      </p:par>
-    </p:tnLst>
-  </p:timing>
 </p:sldLayout>
 </file>
 
@@ -361,13 +319,6 @@
   <p:clrMapOvr>
     <a:masterClrMapping/>
   </p:clrMapOvr>
-  <p:timing>
-    <p:tnLst>
-      <p:par>
-        <p:cTn id="1" dur="indefinite" restart="never" nodeType="tmRoot"/>
-      </p:par>
-    </p:tnLst>
-  </p:timing>
 </p:sldLayout>
 </file>
 
@@ -398,13 +349,6 @@
   <p:clrMapOvr>
     <a:masterClrMapping/>
   </p:clrMapOvr>
-  <p:timing>
-    <p:tnLst>
-      <p:par>
-        <p:cTn id="1" dur="indefinite" restart="never" nodeType="tmRoot"/>
-      </p:par>
-    </p:tnLst>
-  </p:timing>
 </p:sldLayout>
 </file>
 
@@ -450,7 +394,7 @@
           <a:p>
             <a:fld id="{5001C876-01F7-4317-94B9-1AE222133113}" type="datetimeFigureOut">
               <a:rPr lang="es-ES" smtClean="0"/>
-              <a:t>03/06/2016</a:t>
+              <a:t>04/06/2016</a:t>
             </a:fld>
             <a:endParaRPr lang="es-ES" dirty="0"/>
           </a:p>
@@ -524,13 +468,6 @@
   <p:clrMapOvr>
     <a:masterClrMapping/>
   </p:clrMapOvr>
-  <p:timing>
-    <p:tnLst>
-      <p:par>
-        <p:cTn id="1" dur="indefinite" restart="never" nodeType="tmRoot"/>
-      </p:par>
-    </p:tnLst>
-  </p:timing>
 </p:sldLayout>
 </file>
 
@@ -561,13 +498,6 @@
   <p:clrMapOvr>
     <a:masterClrMapping/>
   </p:clrMapOvr>
-  <p:timing>
-    <p:tnLst>
-      <p:par>
-        <p:cTn id="1" dur="indefinite" restart="never" nodeType="tmRoot"/>
-      </p:par>
-    </p:tnLst>
-  </p:timing>
 </p:sldLayout>
 </file>
 
@@ -598,13 +528,6 @@
   <p:clrMapOvr>
     <a:masterClrMapping/>
   </p:clrMapOvr>
-  <p:timing>
-    <p:tnLst>
-      <p:par>
-        <p:cTn id="1" dur="indefinite" restart="never" nodeType="tmRoot"/>
-      </p:par>
-    </p:tnLst>
-  </p:timing>
 </p:sldLayout>
 </file>
 
@@ -654,16 +577,12 @@
           <a:p>
             <a:pPr algn="ctr"/>
             <a:r>
-              <a:rPr lang="es-ES" sz="1200" dirty="0" smtClean="0">
+              <a:rPr lang="es-ES" sz="1200" dirty="0">
                 <a:latin typeface="Arial" panose="020B0604020202020204" pitchFamily="34" charset="0"/>
                 <a:cs typeface="Arial" panose="020B0604020202020204" pitchFamily="34" charset="0"/>
               </a:rPr>
               <a:t>© Editorial Planeta Colombiana S.A., 2016.</a:t>
             </a:r>
-            <a:endParaRPr lang="es-ES" sz="1200" dirty="0">
-              <a:latin typeface="Arial" panose="020B0604020202020204" pitchFamily="34" charset="0"/>
-              <a:cs typeface="Arial" panose="020B0604020202020204" pitchFamily="34" charset="0"/>
-            </a:endParaRPr>
           </a:p>
         </p:txBody>
       </p:sp>
@@ -718,13 +637,6 @@
     <p:sldLayoutId id="2147483670" r:id="rId10"/>
     <p:sldLayoutId id="2147483671" r:id="rId11"/>
   </p:sldLayoutIdLst>
-  <p:timing>
-    <p:tnLst>
-      <p:par>
-        <p:cTn id="1" dur="indefinite" restart="never" nodeType="tmRoot"/>
-      </p:par>
-    </p:tnLst>
-  </p:timing>
   <p:txStyles>
     <p:titleStyle>
       <a:lvl1pPr algn="l" defTabSz="914400" rtl="0" eaLnBrk="1" latinLnBrk="0" hangingPunct="1">
@@ -1033,7 +945,7 @@
         </p:nvSpPr>
         <p:spPr>
           <a:xfrm>
-            <a:off x="1896983" y="292296"/>
+            <a:off x="2343514" y="292296"/>
             <a:ext cx="5679731" cy="352691"/>
           </a:xfrm>
           <a:prstGeom prst="rect">
@@ -1068,16 +980,12 @@
           <a:p>
             <a:pPr algn="ctr"/>
             <a:r>
-              <a:rPr lang="es-ES" sz="1600" dirty="0" smtClean="0">
+              <a:rPr lang="es-ES" sz="1600" dirty="0">
                 <a:latin typeface="Arial" panose="020B0604020202020204" pitchFamily="34" charset="0"/>
                 <a:cs typeface="Arial" panose="020B0604020202020204" pitchFamily="34" charset="0"/>
               </a:rPr>
               <a:t>Los números reales</a:t>
             </a:r>
-            <a:endParaRPr lang="es-ES" sz="1600" dirty="0">
-              <a:latin typeface="Arial" panose="020B0604020202020204" pitchFamily="34" charset="0"/>
-              <a:cs typeface="Arial" panose="020B0604020202020204" pitchFamily="34" charset="0"/>
-            </a:endParaRPr>
           </a:p>
         </p:txBody>
       </p:sp>
@@ -1089,7 +997,7 @@
         </p:nvSpPr>
         <p:spPr>
           <a:xfrm>
-            <a:off x="1267208" y="1334547"/>
+            <a:off x="1671651" y="1223135"/>
             <a:ext cx="1135377" cy="607543"/>
           </a:xfrm>
           <a:prstGeom prst="rect">
@@ -1131,16 +1039,12 @@
           <a:p>
             <a:pPr algn="ctr"/>
             <a:r>
-              <a:rPr lang="es-ES" sz="1200" b="1" dirty="0" smtClean="0">
+              <a:rPr lang="es-ES" sz="1200" b="1" dirty="0">
                 <a:latin typeface="Arial" panose="020B0604020202020204" pitchFamily="34" charset="0"/>
                 <a:cs typeface="Arial" panose="020B0604020202020204" pitchFamily="34" charset="0"/>
               </a:rPr>
               <a:t>Un campo ordenado y completo</a:t>
             </a:r>
-            <a:endParaRPr lang="es-ES" sz="1200" b="1" dirty="0">
-              <a:latin typeface="Arial" panose="020B0604020202020204" pitchFamily="34" charset="0"/>
-              <a:cs typeface="Arial" panose="020B0604020202020204" pitchFamily="34" charset="0"/>
-            </a:endParaRPr>
           </a:p>
         </p:txBody>
       </p:sp>
@@ -1148,17 +1052,20 @@
         <p:nvCxnSpPr>
           <p:cNvPr id="12" name="Conector angular 11"/>
           <p:cNvCxnSpPr>
+            <a:stCxn id="4" idx="2"/>
             <a:endCxn id="130" idx="0"/>
           </p:cNvCxnSpPr>
           <p:nvPr/>
         </p:nvCxnSpPr>
         <p:spPr>
-          <a:xfrm rot="10800000" flipV="1">
-            <a:off x="1837249" y="768730"/>
-            <a:ext cx="3150905" cy="111255"/>
-          </a:xfrm>
-          <a:prstGeom prst="bentConnector2">
-            <a:avLst/>
+          <a:xfrm rot="5400000">
+            <a:off x="3616373" y="-729694"/>
+            <a:ext cx="192327" cy="2941689"/>
+          </a:xfrm>
+          <a:prstGeom prst="bentConnector3">
+            <a:avLst>
+              <a:gd name="adj1" fmla="val 50000"/>
+            </a:avLst>
           </a:prstGeom>
           <a:ln w="12700">
             <a:solidFill>
@@ -1189,7 +1096,7 @@
         </p:nvSpPr>
         <p:spPr>
           <a:xfrm>
-            <a:off x="1156005" y="2042582"/>
+            <a:off x="1676272" y="1957238"/>
             <a:ext cx="1122431" cy="230832"/>
           </a:xfrm>
           <a:prstGeom prst="rect">
@@ -1205,16 +1112,12 @@
           <a:p>
             <a:pPr algn="ctr"/>
             <a:r>
-              <a:rPr lang="es-ES" sz="900" dirty="0" smtClean="0">
+              <a:rPr lang="es-ES" sz="900" dirty="0">
                 <a:latin typeface="Arial" panose="020B0604020202020204" pitchFamily="34" charset="0"/>
                 <a:cs typeface="Arial" panose="020B0604020202020204" pitchFamily="34" charset="0"/>
               </a:rPr>
               <a:t>se definen</a:t>
             </a:r>
-            <a:endParaRPr lang="es-ES" sz="900" dirty="0">
-              <a:latin typeface="Arial" panose="020B0604020202020204" pitchFamily="34" charset="0"/>
-              <a:cs typeface="Arial" panose="020B0604020202020204" pitchFamily="34" charset="0"/>
-            </a:endParaRPr>
           </a:p>
         </p:txBody>
       </p:sp>
@@ -1226,8 +1129,8 @@
         </p:nvSpPr>
         <p:spPr>
           <a:xfrm>
-            <a:off x="480017" y="2383739"/>
-            <a:ext cx="1124746" cy="357473"/>
+            <a:off x="859141" y="2389835"/>
+            <a:ext cx="1124746" cy="869114"/>
           </a:xfrm>
           <a:prstGeom prst="rect">
             <a:avLst/>
@@ -1263,22 +1166,15 @@
           <a:p>
             <a:pPr algn="ctr"/>
             <a:r>
-              <a:rPr lang="es-ES" sz="1050" dirty="0" smtClean="0">
+              <a:rPr lang="es-ES" sz="1050" dirty="0">
                 <a:solidFill>
                   <a:schemeClr val="bg1"/>
                 </a:solidFill>
                 <a:latin typeface="Arial" panose="020B0604020202020204" pitchFamily="34" charset="0"/>
                 <a:cs typeface="Arial" panose="020B0604020202020204" pitchFamily="34" charset="0"/>
               </a:rPr>
-              <a:t>Las operaciones</a:t>
-            </a:r>
-            <a:endParaRPr lang="es-ES" sz="1050" dirty="0">
-              <a:solidFill>
-                <a:schemeClr val="bg1"/>
-              </a:solidFill>
-              <a:latin typeface="Arial" panose="020B0604020202020204" pitchFamily="34" charset="0"/>
-              <a:cs typeface="Arial" panose="020B0604020202020204" pitchFamily="34" charset="0"/>
-            </a:endParaRPr>
+              <a:t>las operaciones</a:t>
+            </a:r>
           </a:p>
         </p:txBody>
       </p:sp>
@@ -1290,7 +1186,7 @@
         </p:nvSpPr>
         <p:spPr>
           <a:xfrm>
-            <a:off x="529101" y="2942808"/>
+            <a:off x="864009" y="3393940"/>
             <a:ext cx="1117174" cy="230836"/>
           </a:xfrm>
           <a:prstGeom prst="rect">
@@ -1306,29 +1202,28 @@
           <a:p>
             <a:pPr algn="ctr"/>
             <a:r>
-              <a:rPr lang="es-ES" sz="900" dirty="0" smtClean="0">
+              <a:rPr lang="es-ES" sz="900" dirty="0">
                 <a:latin typeface="Arial" panose="020B0604020202020204" pitchFamily="34" charset="0"/>
                 <a:cs typeface="Arial" panose="020B0604020202020204" pitchFamily="34" charset="0"/>
               </a:rPr>
               <a:t>que tienen</a:t>
             </a:r>
-            <a:endParaRPr lang="es-ES" sz="900" dirty="0">
-              <a:latin typeface="Arial" panose="020B0604020202020204" pitchFamily="34" charset="0"/>
-              <a:cs typeface="Arial" panose="020B0604020202020204" pitchFamily="34" charset="0"/>
-            </a:endParaRPr>
           </a:p>
         </p:txBody>
       </p:sp>
       <p:cxnSp>
         <p:nvCxnSpPr>
           <p:cNvPr id="68" name="Conector angular 67"/>
-          <p:cNvCxnSpPr/>
+          <p:cNvCxnSpPr>
+            <a:stCxn id="44" idx="2"/>
+            <a:endCxn id="67" idx="0"/>
+          </p:cNvCxnSpPr>
           <p:nvPr/>
         </p:nvCxnSpPr>
         <p:spPr>
           <a:xfrm rot="16200000" flipH="1">
-            <a:off x="1018390" y="2872102"/>
-            <a:ext cx="250209" cy="2"/>
+            <a:off x="1354560" y="3325903"/>
+            <a:ext cx="134991" cy="1082"/>
           </a:xfrm>
           <a:prstGeom prst="bentConnector3">
             <a:avLst>
@@ -1364,8 +1259,8 @@
         </p:nvSpPr>
         <p:spPr>
           <a:xfrm>
-            <a:off x="465152" y="3338596"/>
-            <a:ext cx="1114170" cy="707918"/>
+            <a:off x="861860" y="3744471"/>
+            <a:ext cx="1114170" cy="633391"/>
           </a:xfrm>
           <a:prstGeom prst="rect">
             <a:avLst/>
@@ -1401,16 +1296,6 @@
           <a:p>
             <a:pPr algn="ctr"/>
             <a:r>
-              <a:rPr lang="es-ES" sz="900" dirty="0" smtClean="0">
-                <a:solidFill>
-                  <a:schemeClr val="tx1"/>
-                </a:solidFill>
-                <a:latin typeface="Arial" panose="020B0604020202020204" pitchFamily="34" charset="0"/>
-                <a:cs typeface="Arial" panose="020B0604020202020204" pitchFamily="34" charset="0"/>
-              </a:rPr>
-              <a:t>una estructura </a:t>
-            </a:r>
-            <a:r>
               <a:rPr lang="es-ES" sz="900" dirty="0">
                 <a:solidFill>
                   <a:schemeClr val="tx1"/>
@@ -1418,28 +1303,8 @@
                 <a:latin typeface="Arial" panose="020B0604020202020204" pitchFamily="34" charset="0"/>
                 <a:cs typeface="Arial" panose="020B0604020202020204" pitchFamily="34" charset="0"/>
               </a:rPr>
-              <a:t>aditiva o una estructura multiplicativa</a:t>
-            </a:r>
-          </a:p>
-          <a:p>
-            <a:pPr algn="ctr"/>
-            <a:r>
-              <a:rPr lang="es-ES" sz="900" dirty="0" smtClean="0">
-                <a:solidFill>
-                  <a:schemeClr val="tx1"/>
-                </a:solidFill>
-                <a:latin typeface="Arial" panose="020B0604020202020204" pitchFamily="34" charset="0"/>
-                <a:cs typeface="Arial" panose="020B0604020202020204" pitchFamily="34" charset="0"/>
-              </a:rPr>
-              <a:t> </a:t>
-            </a:r>
-            <a:endParaRPr lang="es-ES" sz="900" dirty="0">
-              <a:solidFill>
-                <a:schemeClr val="tx1"/>
-              </a:solidFill>
-              <a:latin typeface="Arial" panose="020B0604020202020204" pitchFamily="34" charset="0"/>
-              <a:cs typeface="Arial" panose="020B0604020202020204" pitchFamily="34" charset="0"/>
-            </a:endParaRPr>
+              <a:t>una estructura aditiva o una estructura multiplicativa </a:t>
+            </a:r>
           </a:p>
         </p:txBody>
       </p:sp>
@@ -1451,8 +1316,8 @@
         </p:nvSpPr>
         <p:spPr>
           <a:xfrm>
-            <a:off x="294325" y="4876450"/>
-            <a:ext cx="757442" cy="217385"/>
+            <a:off x="165380" y="4894352"/>
+            <a:ext cx="1219869" cy="217385"/>
           </a:xfrm>
           <a:prstGeom prst="rect">
             <a:avLst/>
@@ -1486,7 +1351,7 @@
           <a:p>
             <a:pPr algn="ctr"/>
             <a:r>
-              <a:rPr lang="es-ES" sz="800" dirty="0" smtClean="0">
+              <a:rPr lang="es-ES" sz="800" dirty="0">
                 <a:solidFill>
                   <a:schemeClr val="tx1"/>
                 </a:solidFill>
@@ -1495,13 +1360,6 @@
               </a:rPr>
               <a:t>propiedades</a:t>
             </a:r>
-            <a:endParaRPr lang="es-ES" sz="800" dirty="0">
-              <a:solidFill>
-                <a:schemeClr val="tx1"/>
-              </a:solidFill>
-              <a:latin typeface="Arial" panose="020B0604020202020204" pitchFamily="34" charset="0"/>
-              <a:cs typeface="Arial" panose="020B0604020202020204" pitchFamily="34" charset="0"/>
-            </a:endParaRPr>
           </a:p>
         </p:txBody>
       </p:sp>
@@ -1513,7 +1371,7 @@
         </p:nvSpPr>
         <p:spPr>
           <a:xfrm>
-            <a:off x="174497" y="5550260"/>
+            <a:off x="184210" y="5563733"/>
             <a:ext cx="1182207" cy="873473"/>
           </a:xfrm>
           <a:prstGeom prst="rect">
@@ -1545,16 +1403,6 @@
         <p:txBody>
           <a:bodyPr rtlCol="0" anchor="ctr"/>
           <a:lstStyle/>
-          <a:p>
-            <a:pPr algn="ctr"/>
-            <a:endParaRPr lang="es-ES" sz="900" dirty="0" smtClean="0">
-              <a:solidFill>
-                <a:schemeClr val="tx1"/>
-              </a:solidFill>
-              <a:latin typeface="Arial" panose="020B0604020202020204" pitchFamily="34" charset="0"/>
-              <a:cs typeface="Arial" panose="020B0604020202020204" pitchFamily="34" charset="0"/>
-            </a:endParaRPr>
-          </a:p>
           <a:p>
             <a:pPr algn="ctr"/>
             <a:endParaRPr lang="es-ES" sz="900" dirty="0">
@@ -1566,87 +1414,6 @@
             </a:endParaRPr>
           </a:p>
           <a:p>
-            <a:pPr marL="171450" indent="-171450">
-              <a:buFont typeface="Arial" panose="020B0604020202020204" pitchFamily="34" charset="0"/>
-              <a:buChar char="•"/>
-            </a:pPr>
-            <a:r>
-              <a:rPr lang="es-ES" sz="900" dirty="0" smtClean="0">
-                <a:solidFill>
-                  <a:schemeClr val="tx1"/>
-                </a:solidFill>
-                <a:latin typeface="Arial" panose="020B0604020202020204" pitchFamily="34" charset="0"/>
-                <a:cs typeface="Arial" panose="020B0604020202020204" pitchFamily="34" charset="0"/>
-              </a:rPr>
-              <a:t>Clausurativa</a:t>
-            </a:r>
-          </a:p>
-          <a:p>
-            <a:pPr marL="171450" indent="-171450">
-              <a:buFont typeface="Arial" panose="020B0604020202020204" pitchFamily="34" charset="0"/>
-              <a:buChar char="•"/>
-            </a:pPr>
-            <a:r>
-              <a:rPr lang="es-ES" sz="900" dirty="0" smtClean="0">
-                <a:solidFill>
-                  <a:schemeClr val="tx1"/>
-                </a:solidFill>
-                <a:latin typeface="Arial" panose="020B0604020202020204" pitchFamily="34" charset="0"/>
-                <a:cs typeface="Arial" panose="020B0604020202020204" pitchFamily="34" charset="0"/>
-              </a:rPr>
-              <a:t>Conmutativa</a:t>
-            </a:r>
-          </a:p>
-          <a:p>
-            <a:pPr marL="171450" indent="-171450">
-              <a:buFont typeface="Arial" panose="020B0604020202020204" pitchFamily="34" charset="0"/>
-              <a:buChar char="•"/>
-            </a:pPr>
-            <a:r>
-              <a:rPr lang="es-ES" sz="900" dirty="0" smtClean="0">
-                <a:solidFill>
-                  <a:schemeClr val="tx1"/>
-                </a:solidFill>
-                <a:latin typeface="Arial" panose="020B0604020202020204" pitchFamily="34" charset="0"/>
-                <a:cs typeface="Arial" panose="020B0604020202020204" pitchFamily="34" charset="0"/>
-              </a:rPr>
-              <a:t>Asociativa</a:t>
-            </a:r>
-          </a:p>
-          <a:p>
-            <a:pPr marL="171450" indent="-171450">
-              <a:buFont typeface="Arial" panose="020B0604020202020204" pitchFamily="34" charset="0"/>
-              <a:buChar char="•"/>
-            </a:pPr>
-            <a:r>
-              <a:rPr lang="es-ES" sz="900" dirty="0" smtClean="0">
-                <a:solidFill>
-                  <a:schemeClr val="tx1"/>
-                </a:solidFill>
-                <a:latin typeface="Arial" panose="020B0604020202020204" pitchFamily="34" charset="0"/>
-                <a:cs typeface="Arial" panose="020B0604020202020204" pitchFamily="34" charset="0"/>
-              </a:rPr>
-              <a:t>Distributiva de la multiplicación</a:t>
-            </a:r>
-            <a:endParaRPr lang="es-ES" sz="900" dirty="0" smtClean="0">
-              <a:solidFill>
-                <a:schemeClr val="tx1"/>
-              </a:solidFill>
-              <a:latin typeface="Arial" panose="020B0604020202020204" pitchFamily="34" charset="0"/>
-              <a:cs typeface="Arial" panose="020B0604020202020204" pitchFamily="34" charset="0"/>
-            </a:endParaRPr>
-          </a:p>
-          <a:p>
-            <a:pPr algn="ctr"/>
-            <a:endParaRPr lang="es-ES" sz="900" dirty="0" smtClean="0">
-              <a:solidFill>
-                <a:schemeClr val="tx1"/>
-              </a:solidFill>
-              <a:latin typeface="Arial" panose="020B0604020202020204" pitchFamily="34" charset="0"/>
-              <a:cs typeface="Arial" panose="020B0604020202020204" pitchFamily="34" charset="0"/>
-            </a:endParaRPr>
-          </a:p>
-          <a:p>
             <a:pPr algn="ctr"/>
             <a:endParaRPr lang="es-ES" sz="900" dirty="0">
               <a:solidFill>
@@ -1656,486 +1423,20 @@
               <a:cs typeface="Arial" panose="020B0604020202020204" pitchFamily="34" charset="0"/>
             </a:endParaRPr>
           </a:p>
-        </p:txBody>
-      </p:sp>
-      <p:sp>
-        <p:nvSpPr>
-          <p:cNvPr id="75" name="CuadroTexto 74" descr="Conector entre nodos" title="conector"/>
-          <p:cNvSpPr txBox="1"/>
-          <p:nvPr/>
-        </p:nvSpPr>
-        <p:spPr>
-          <a:xfrm>
-            <a:off x="207152" y="4493889"/>
-            <a:ext cx="891184" cy="215444"/>
-          </a:xfrm>
-          <a:prstGeom prst="rect">
-            <a:avLst/>
-          </a:prstGeom>
-          <a:noFill/>
-        </p:spPr>
-        <p:txBody>
-          <a:bodyPr wrap="square" rtlCol="0">
-            <a:spAutoFit/>
-          </a:bodyPr>
-          <a:lstStyle/>
-          <a:p>
-            <a:pPr algn="ctr"/>
-            <a:r>
-              <a:rPr lang="es-ES" sz="800" dirty="0" smtClean="0">
-                <a:latin typeface="Arial" panose="020B0604020202020204" pitchFamily="34" charset="0"/>
-                <a:cs typeface="Arial" panose="020B0604020202020204" pitchFamily="34" charset="0"/>
-              </a:rPr>
-              <a:t>que cumple</a:t>
-            </a:r>
-            <a:endParaRPr lang="es-ES" sz="800" dirty="0">
-              <a:latin typeface="Arial" panose="020B0604020202020204" pitchFamily="34" charset="0"/>
-              <a:cs typeface="Arial" panose="020B0604020202020204" pitchFamily="34" charset="0"/>
-            </a:endParaRPr>
-          </a:p>
-        </p:txBody>
-      </p:sp>
-      <p:cxnSp>
-        <p:nvCxnSpPr>
-          <p:cNvPr id="79" name="Conector angular 78"/>
-          <p:cNvCxnSpPr/>
-          <p:nvPr/>
-        </p:nvCxnSpPr>
-        <p:spPr>
-          <a:xfrm rot="5400000">
-            <a:off x="951216" y="4157518"/>
-            <a:ext cx="207448" cy="2505"/>
-          </a:xfrm>
-          <a:prstGeom prst="bentConnector3">
-            <a:avLst>
-              <a:gd name="adj1" fmla="val -1306"/>
-            </a:avLst>
-          </a:prstGeom>
-          <a:ln w="12700">
-            <a:solidFill>
-              <a:schemeClr val="tx1"/>
-            </a:solidFill>
-          </a:ln>
-        </p:spPr>
-        <p:style>
-          <a:lnRef idx="1">
-            <a:schemeClr val="accent1"/>
-          </a:lnRef>
-          <a:fillRef idx="0">
-            <a:schemeClr val="accent1"/>
-          </a:fillRef>
-          <a:effectRef idx="0">
-            <a:schemeClr val="accent1"/>
-          </a:effectRef>
-          <a:fontRef idx="minor">
-            <a:schemeClr val="tx1"/>
-          </a:fontRef>
-        </p:style>
-      </p:cxnSp>
-      <p:cxnSp>
-        <p:nvCxnSpPr>
-          <p:cNvPr id="82" name="Conector angular 81"/>
-          <p:cNvCxnSpPr/>
-          <p:nvPr/>
-        </p:nvCxnSpPr>
-        <p:spPr>
-          <a:xfrm rot="5400000">
-            <a:off x="542912" y="4793606"/>
-            <a:ext cx="159094" cy="1457"/>
-          </a:xfrm>
-          <a:prstGeom prst="bentConnector3">
-            <a:avLst>
-              <a:gd name="adj1" fmla="val 95617"/>
-            </a:avLst>
-          </a:prstGeom>
-          <a:ln w="12700">
-            <a:solidFill>
-              <a:schemeClr val="tx1"/>
-            </a:solidFill>
-          </a:ln>
-        </p:spPr>
-        <p:style>
-          <a:lnRef idx="1">
-            <a:schemeClr val="accent1"/>
-          </a:lnRef>
-          <a:fillRef idx="0">
-            <a:schemeClr val="accent1"/>
-          </a:fillRef>
-          <a:effectRef idx="0">
-            <a:schemeClr val="accent1"/>
-          </a:effectRef>
-          <a:fontRef idx="minor">
-            <a:schemeClr val="tx1"/>
-          </a:fontRef>
-        </p:style>
-      </p:cxnSp>
-      <p:sp>
-        <p:nvSpPr>
-          <p:cNvPr id="133" name="CuadroTexto 132" descr="Conector entre nodos" title="conector"/>
-          <p:cNvSpPr txBox="1"/>
-          <p:nvPr/>
-        </p:nvSpPr>
-        <p:spPr>
-          <a:xfrm>
-            <a:off x="329400" y="5209269"/>
-            <a:ext cx="547875" cy="215444"/>
-          </a:xfrm>
-          <a:prstGeom prst="rect">
-            <a:avLst/>
-          </a:prstGeom>
-          <a:noFill/>
-        </p:spPr>
-        <p:txBody>
-          <a:bodyPr wrap="square" rtlCol="0">
-            <a:spAutoFit/>
-          </a:bodyPr>
-          <a:lstStyle/>
-          <a:p>
-            <a:pPr algn="ctr"/>
-            <a:r>
-              <a:rPr lang="es-ES" sz="800" dirty="0" smtClean="0">
-                <a:latin typeface="Arial" panose="020B0604020202020204" pitchFamily="34" charset="0"/>
-                <a:cs typeface="Arial" panose="020B0604020202020204" pitchFamily="34" charset="0"/>
-              </a:rPr>
-              <a:t>como</a:t>
-            </a:r>
-            <a:endParaRPr lang="es-ES" sz="800" dirty="0">
-              <a:latin typeface="Arial" panose="020B0604020202020204" pitchFamily="34" charset="0"/>
-              <a:cs typeface="Arial" panose="020B0604020202020204" pitchFamily="34" charset="0"/>
-            </a:endParaRPr>
-          </a:p>
-        </p:txBody>
-      </p:sp>
-      <p:sp>
-        <p:nvSpPr>
-          <p:cNvPr id="130" name="CuadroTexto 129" descr="Conector entre nodos" title="conector"/>
-          <p:cNvSpPr txBox="1"/>
-          <p:nvPr/>
-        </p:nvSpPr>
-        <p:spPr>
-          <a:xfrm>
-            <a:off x="1276032" y="879986"/>
-            <a:ext cx="1122431" cy="230832"/>
-          </a:xfrm>
-          <a:prstGeom prst="rect">
-            <a:avLst/>
-          </a:prstGeom>
-          <a:noFill/>
-        </p:spPr>
-        <p:txBody>
-          <a:bodyPr wrap="square" rtlCol="0">
-            <a:spAutoFit/>
-          </a:bodyPr>
-          <a:lstStyle/>
-          <a:p>
-            <a:pPr algn="ctr"/>
-            <a:r>
-              <a:rPr lang="es-ES" sz="900" dirty="0" smtClean="0">
-                <a:latin typeface="Arial" panose="020B0604020202020204" pitchFamily="34" charset="0"/>
-                <a:cs typeface="Arial" panose="020B0604020202020204" pitchFamily="34" charset="0"/>
-              </a:rPr>
-              <a:t>constituyen </a:t>
-            </a:r>
-            <a:endParaRPr lang="es-ES" sz="900" dirty="0">
-              <a:latin typeface="Arial" panose="020B0604020202020204" pitchFamily="34" charset="0"/>
-              <a:cs typeface="Arial" panose="020B0604020202020204" pitchFamily="34" charset="0"/>
-            </a:endParaRPr>
-          </a:p>
-        </p:txBody>
-      </p:sp>
-      <p:sp>
-        <p:nvSpPr>
-          <p:cNvPr id="216" name="Rectángulo 215" descr="Nodo de primer nivel" title="Nodo01"/>
-          <p:cNvSpPr/>
-          <p:nvPr/>
-        </p:nvSpPr>
-        <p:spPr>
-          <a:xfrm>
-            <a:off x="3305389" y="1338085"/>
-            <a:ext cx="1124746" cy="439782"/>
-          </a:xfrm>
-          <a:prstGeom prst="rect">
-            <a:avLst/>
-          </a:prstGeom>
-          <a:solidFill>
-            <a:schemeClr val="bg1"/>
-          </a:solidFill>
-          <a:ln>
-            <a:solidFill>
-              <a:schemeClr val="tx1"/>
-            </a:solidFill>
-          </a:ln>
-          <a:effectLst>
-            <a:outerShdw blurRad="50800" dist="38100" dir="2700000" algn="tl" rotWithShape="0">
-              <a:prstClr val="black">
-                <a:alpha val="40000"/>
-              </a:prstClr>
-            </a:outerShdw>
-          </a:effectLst>
-        </p:spPr>
-        <p:style>
-          <a:lnRef idx="2">
-            <a:schemeClr val="accent6"/>
-          </a:lnRef>
-          <a:fillRef idx="1">
-            <a:schemeClr val="lt1"/>
-          </a:fillRef>
-          <a:effectRef idx="0">
-            <a:schemeClr val="accent6"/>
-          </a:effectRef>
-          <a:fontRef idx="minor">
-            <a:schemeClr val="dk1"/>
-          </a:fontRef>
-        </p:style>
-        <p:txBody>
-          <a:bodyPr rtlCol="0" anchor="ctr"/>
-          <a:lstStyle/>
-          <a:p>
-            <a:pPr algn="ctr"/>
-            <a:r>
-              <a:rPr lang="es-ES" sz="1200" b="1" dirty="0" smtClean="0">
-                <a:latin typeface="Arial" panose="020B0604020202020204" pitchFamily="34" charset="0"/>
-                <a:cs typeface="Arial" panose="020B0604020202020204" pitchFamily="34" charset="0"/>
-              </a:rPr>
-              <a:t>En la recta numérica</a:t>
-            </a:r>
-            <a:endParaRPr lang="es-ES" sz="1200" b="1" dirty="0">
-              <a:latin typeface="Arial" panose="020B0604020202020204" pitchFamily="34" charset="0"/>
-              <a:cs typeface="Arial" panose="020B0604020202020204" pitchFamily="34" charset="0"/>
-            </a:endParaRPr>
-          </a:p>
-        </p:txBody>
-      </p:sp>
-      <p:sp>
-        <p:nvSpPr>
-          <p:cNvPr id="218" name="CuadroTexto 217" descr="Conector entre nodos" title="conector"/>
-          <p:cNvSpPr txBox="1"/>
-          <p:nvPr/>
-        </p:nvSpPr>
-        <p:spPr>
-          <a:xfrm>
-            <a:off x="3507365" y="2013513"/>
-            <a:ext cx="708045" cy="230832"/>
-          </a:xfrm>
-          <a:prstGeom prst="rect">
-            <a:avLst/>
-          </a:prstGeom>
-          <a:noFill/>
-        </p:spPr>
-        <p:txBody>
-          <a:bodyPr wrap="square" rtlCol="0">
-            <a:spAutoFit/>
-          </a:bodyPr>
-          <a:lstStyle/>
-          <a:p>
-            <a:pPr algn="ctr"/>
-            <a:r>
-              <a:rPr lang="es-ES" sz="900" dirty="0" smtClean="0">
-                <a:latin typeface="Arial" panose="020B0604020202020204" pitchFamily="34" charset="0"/>
-                <a:cs typeface="Arial" panose="020B0604020202020204" pitchFamily="34" charset="0"/>
-              </a:rPr>
-              <a:t>en la cual</a:t>
-            </a:r>
-            <a:endParaRPr lang="es-ES" sz="900" dirty="0">
-              <a:latin typeface="Arial" panose="020B0604020202020204" pitchFamily="34" charset="0"/>
-              <a:cs typeface="Arial" panose="020B0604020202020204" pitchFamily="34" charset="0"/>
-            </a:endParaRPr>
-          </a:p>
-        </p:txBody>
-      </p:sp>
-      <p:cxnSp>
-        <p:nvCxnSpPr>
-          <p:cNvPr id="219" name="Conector angular 218"/>
-          <p:cNvCxnSpPr/>
-          <p:nvPr/>
-        </p:nvCxnSpPr>
-        <p:spPr>
-          <a:xfrm rot="5400000">
-            <a:off x="3764694" y="1899982"/>
-            <a:ext cx="234349" cy="1158"/>
-          </a:xfrm>
-          <a:prstGeom prst="bentConnector3">
-            <a:avLst>
-              <a:gd name="adj1" fmla="val 50000"/>
-            </a:avLst>
-          </a:prstGeom>
-          <a:ln w="12700">
-            <a:solidFill>
-              <a:schemeClr val="tx1"/>
-            </a:solidFill>
-          </a:ln>
-        </p:spPr>
-        <p:style>
-          <a:lnRef idx="1">
-            <a:schemeClr val="accent1"/>
-          </a:lnRef>
-          <a:fillRef idx="0">
-            <a:schemeClr val="accent1"/>
-          </a:fillRef>
-          <a:effectRef idx="0">
-            <a:schemeClr val="accent1"/>
-          </a:effectRef>
-          <a:fontRef idx="minor">
-            <a:schemeClr val="tx1"/>
-          </a:fontRef>
-        </p:style>
-      </p:cxnSp>
-      <p:sp>
-        <p:nvSpPr>
-          <p:cNvPr id="220" name="Rectángulo 219" descr="Nodo de segundo nivel" title="Nodo02"/>
-          <p:cNvSpPr/>
-          <p:nvPr/>
-        </p:nvSpPr>
-        <p:spPr>
-          <a:xfrm>
-            <a:off x="3277470" y="2411236"/>
-            <a:ext cx="1221772" cy="847713"/>
-          </a:xfrm>
-          <a:prstGeom prst="rect">
-            <a:avLst/>
-          </a:prstGeom>
-          <a:solidFill>
-            <a:schemeClr val="bg2">
-              <a:lumMod val="50000"/>
-            </a:schemeClr>
-          </a:solidFill>
-          <a:ln>
-            <a:solidFill>
-              <a:schemeClr val="tx1"/>
-            </a:solidFill>
-          </a:ln>
-        </p:spPr>
-        <p:style>
-          <a:lnRef idx="2">
-            <a:schemeClr val="accent6"/>
-          </a:lnRef>
-          <a:fillRef idx="1">
-            <a:schemeClr val="lt1"/>
-          </a:fillRef>
-          <a:effectRef idx="0">
-            <a:schemeClr val="accent6"/>
-          </a:effectRef>
-          <a:fontRef idx="minor">
-            <a:schemeClr val="dk1"/>
-          </a:fontRef>
-        </p:style>
-        <p:txBody>
-          <a:bodyPr rtlCol="0" anchor="ctr"/>
-          <a:lstStyle/>
-          <a:p>
-            <a:pPr algn="ctr"/>
-            <a:r>
-              <a:rPr lang="es-ES" sz="1050" dirty="0" smtClean="0">
-                <a:solidFill>
-                  <a:schemeClr val="bg1"/>
-                </a:solidFill>
-                <a:latin typeface="Arial" panose="020B0604020202020204" pitchFamily="34" charset="0"/>
-                <a:cs typeface="Arial" panose="020B0604020202020204" pitchFamily="34" charset="0"/>
-              </a:rPr>
-              <a:t>a cada número real le corresponde un punto en la recta y viceversa</a:t>
-            </a:r>
-            <a:endParaRPr lang="es-ES" sz="1050" dirty="0">
-              <a:solidFill>
-                <a:schemeClr val="bg1"/>
-              </a:solidFill>
-              <a:latin typeface="Arial" panose="020B0604020202020204" pitchFamily="34" charset="0"/>
-              <a:cs typeface="Arial" panose="020B0604020202020204" pitchFamily="34" charset="0"/>
-            </a:endParaRPr>
-          </a:p>
-        </p:txBody>
-      </p:sp>
-      <p:cxnSp>
-        <p:nvCxnSpPr>
-          <p:cNvPr id="221" name="Conector angular 220"/>
-          <p:cNvCxnSpPr>
-            <a:stCxn id="218" idx="2"/>
-          </p:cNvCxnSpPr>
-          <p:nvPr/>
-        </p:nvCxnSpPr>
-        <p:spPr>
-          <a:xfrm rot="5400000">
-            <a:off x="3774743" y="2330990"/>
-            <a:ext cx="173290" cy="1"/>
-          </a:xfrm>
-          <a:prstGeom prst="bentConnector3">
-            <a:avLst>
-              <a:gd name="adj1" fmla="val 50000"/>
-            </a:avLst>
-          </a:prstGeom>
-          <a:ln w="12700">
-            <a:solidFill>
-              <a:schemeClr val="tx1"/>
-            </a:solidFill>
-          </a:ln>
-        </p:spPr>
-        <p:style>
-          <a:lnRef idx="1">
-            <a:schemeClr val="accent1"/>
-          </a:lnRef>
-          <a:fillRef idx="0">
-            <a:schemeClr val="accent1"/>
-          </a:fillRef>
-          <a:effectRef idx="0">
-            <a:schemeClr val="accent1"/>
-          </a:effectRef>
-          <a:fontRef idx="minor">
-            <a:schemeClr val="tx1"/>
-          </a:fontRef>
-        </p:style>
-      </p:cxnSp>
-      <p:sp>
-        <p:nvSpPr>
-          <p:cNvPr id="257" name="Rectángulo 256" descr="Nodo de cuarto nivel&#10;" title="Nodo04"/>
-          <p:cNvSpPr/>
-          <p:nvPr/>
-        </p:nvSpPr>
-        <p:spPr>
-          <a:xfrm>
-            <a:off x="3488993" y="3901924"/>
-            <a:ext cx="744788" cy="235930"/>
-          </a:xfrm>
-          <a:prstGeom prst="rect">
-            <a:avLst/>
-          </a:prstGeom>
-          <a:solidFill>
-            <a:schemeClr val="bg2">
-              <a:lumMod val="90000"/>
-            </a:schemeClr>
-          </a:solidFill>
-          <a:ln>
-            <a:solidFill>
-              <a:schemeClr val="tx1"/>
-            </a:solidFill>
-          </a:ln>
-        </p:spPr>
-        <p:style>
-          <a:lnRef idx="2">
-            <a:schemeClr val="accent6"/>
-          </a:lnRef>
-          <a:fillRef idx="1">
-            <a:schemeClr val="lt1"/>
-          </a:fillRef>
-          <a:effectRef idx="0">
-            <a:schemeClr val="accent6"/>
-          </a:effectRef>
-          <a:fontRef idx="minor">
-            <a:schemeClr val="dk1"/>
-          </a:fontRef>
-        </p:style>
-        <p:txBody>
-          <a:bodyPr rtlCol="0" anchor="ctr"/>
-          <a:lstStyle/>
-          <a:p>
-            <a:pPr algn="ctr"/>
-            <a:r>
-              <a:rPr lang="es-ES" sz="900" dirty="0" smtClean="0">
+          <a:p>
+            <a:pPr marL="171450" indent="-171450">
+              <a:buFont typeface="Arial" panose="020B0604020202020204" pitchFamily="34" charset="0"/>
+              <a:buChar char="•"/>
+            </a:pPr>
+            <a:r>
+              <a:rPr lang="es-ES" sz="900" dirty="0" err="1">
                 <a:solidFill>
                   <a:schemeClr val="tx1"/>
                 </a:solidFill>
                 <a:latin typeface="Arial" panose="020B0604020202020204" pitchFamily="34" charset="0"/>
                 <a:cs typeface="Arial" panose="020B0604020202020204" pitchFamily="34" charset="0"/>
               </a:rPr>
-              <a:t>intervalos</a:t>
+              <a:t>clausurativa</a:t>
             </a:r>
             <a:endParaRPr lang="es-ES" sz="900" dirty="0">
               <a:solidFill>
@@ -2145,102 +1446,20 @@
               <a:cs typeface="Arial" panose="020B0604020202020204" pitchFamily="34" charset="0"/>
             </a:endParaRPr>
           </a:p>
-        </p:txBody>
-      </p:sp>
-      <p:sp>
-        <p:nvSpPr>
-          <p:cNvPr id="258" name="Rectángulo 257" descr="Nodo de quinto nivel" title="Nodo05"/>
-          <p:cNvSpPr/>
-          <p:nvPr/>
-        </p:nvSpPr>
-        <p:spPr>
-          <a:xfrm>
-            <a:off x="3027491" y="4869312"/>
-            <a:ext cx="1680542" cy="948593"/>
-          </a:xfrm>
-          <a:prstGeom prst="rect">
-            <a:avLst/>
-          </a:prstGeom>
-          <a:solidFill>
-            <a:schemeClr val="bg1"/>
-          </a:solidFill>
-          <a:ln>
-            <a:solidFill>
-              <a:schemeClr val="tx1"/>
-            </a:solidFill>
-          </a:ln>
-        </p:spPr>
-        <p:style>
-          <a:lnRef idx="2">
-            <a:schemeClr val="accent6"/>
-          </a:lnRef>
-          <a:fillRef idx="1">
-            <a:schemeClr val="lt1"/>
-          </a:fillRef>
-          <a:effectRef idx="0">
-            <a:schemeClr val="accent6"/>
-          </a:effectRef>
-          <a:fontRef idx="minor">
-            <a:schemeClr val="dk1"/>
-          </a:fontRef>
-        </p:style>
-        <p:txBody>
-          <a:bodyPr rtlCol="0" anchor="ctr"/>
-          <a:lstStyle/>
           <a:p>
             <a:pPr marL="171450" indent="-171450">
               <a:buFont typeface="Arial" panose="020B0604020202020204" pitchFamily="34" charset="0"/>
               <a:buChar char="•"/>
             </a:pPr>
             <a:r>
-              <a:rPr lang="es-ES" sz="900" dirty="0" smtClean="0">
+              <a:rPr lang="es-ES" sz="900" dirty="0">
                 <a:solidFill>
                   <a:schemeClr val="tx1"/>
                 </a:solidFill>
                 <a:latin typeface="Arial" panose="020B0604020202020204" pitchFamily="34" charset="0"/>
                 <a:cs typeface="Arial" panose="020B0604020202020204" pitchFamily="34" charset="0"/>
               </a:rPr>
-              <a:t>Abiertos (</a:t>
-            </a:r>
-            <a:r>
-              <a:rPr lang="es-ES" sz="900" i="1" dirty="0" smtClean="0">
-                <a:solidFill>
-                  <a:schemeClr val="tx1"/>
-                </a:solidFill>
-                <a:latin typeface="Arial" panose="020B0604020202020204" pitchFamily="34" charset="0"/>
-                <a:cs typeface="Arial" panose="020B0604020202020204" pitchFamily="34" charset="0"/>
-              </a:rPr>
-              <a:t>a</a:t>
-            </a:r>
-            <a:r>
-              <a:rPr lang="es-ES" sz="900" dirty="0" smtClean="0">
-                <a:solidFill>
-                  <a:schemeClr val="tx1"/>
-                </a:solidFill>
-                <a:latin typeface="Arial" panose="020B0604020202020204" pitchFamily="34" charset="0"/>
-                <a:cs typeface="Arial" panose="020B0604020202020204" pitchFamily="34" charset="0"/>
-              </a:rPr>
-              <a:t>, </a:t>
-            </a:r>
-            <a:r>
-              <a:rPr lang="es-ES" sz="900" i="1" dirty="0" smtClean="0">
-                <a:solidFill>
-                  <a:schemeClr val="tx1"/>
-                </a:solidFill>
-                <a:latin typeface="Arial" panose="020B0604020202020204" pitchFamily="34" charset="0"/>
-                <a:cs typeface="Arial" panose="020B0604020202020204" pitchFamily="34" charset="0"/>
-              </a:rPr>
-              <a:t>b</a:t>
-            </a:r>
-            <a:r>
-              <a:rPr lang="es-ES" sz="900" dirty="0" smtClean="0">
-                <a:solidFill>
-                  <a:schemeClr val="tx1"/>
-                </a:solidFill>
-                <a:latin typeface="Arial" panose="020B0604020202020204" pitchFamily="34" charset="0"/>
-                <a:cs typeface="Arial" panose="020B0604020202020204" pitchFamily="34" charset="0"/>
-              </a:rPr>
-              <a:t>)</a:t>
+              <a:t>conmutativa</a:t>
             </a:r>
           </a:p>
           <a:p>
@@ -2249,54 +1468,14 @@
               <a:buChar char="•"/>
             </a:pPr>
             <a:r>
-              <a:rPr lang="es-ES" sz="900" dirty="0" smtClean="0">
+              <a:rPr lang="es-ES" sz="900" dirty="0">
                 <a:solidFill>
                   <a:schemeClr val="tx1"/>
                 </a:solidFill>
                 <a:latin typeface="Arial" panose="020B0604020202020204" pitchFamily="34" charset="0"/>
                 <a:cs typeface="Arial" panose="020B0604020202020204" pitchFamily="34" charset="0"/>
               </a:rPr>
-              <a:t>Cerrados [</a:t>
-            </a:r>
-            <a:r>
-              <a:rPr lang="es-ES" sz="900" i="1" dirty="0" smtClean="0">
-                <a:solidFill>
-                  <a:schemeClr val="tx1"/>
-                </a:solidFill>
-                <a:latin typeface="Arial" panose="020B0604020202020204" pitchFamily="34" charset="0"/>
-                <a:cs typeface="Arial" panose="020B0604020202020204" pitchFamily="34" charset="0"/>
-              </a:rPr>
-              <a:t>a</a:t>
-            </a:r>
-            <a:r>
-              <a:rPr lang="es-ES" sz="900" dirty="0" smtClean="0">
-                <a:solidFill>
-                  <a:schemeClr val="tx1"/>
-                </a:solidFill>
-                <a:latin typeface="Arial" panose="020B0604020202020204" pitchFamily="34" charset="0"/>
-                <a:cs typeface="Arial" panose="020B0604020202020204" pitchFamily="34" charset="0"/>
-              </a:rPr>
-              <a:t>, </a:t>
-            </a:r>
-            <a:r>
-              <a:rPr lang="es-ES" sz="900" i="1" dirty="0" smtClean="0">
-                <a:solidFill>
-                  <a:schemeClr val="tx1"/>
-                </a:solidFill>
-                <a:latin typeface="Arial" panose="020B0604020202020204" pitchFamily="34" charset="0"/>
-                <a:cs typeface="Arial" panose="020B0604020202020204" pitchFamily="34" charset="0"/>
-              </a:rPr>
-              <a:t>b</a:t>
-            </a:r>
-            <a:r>
-              <a:rPr lang="es-ES" sz="900" dirty="0" smtClean="0">
-                <a:solidFill>
-                  <a:schemeClr val="tx1"/>
-                </a:solidFill>
-                <a:latin typeface="Arial" panose="020B0604020202020204" pitchFamily="34" charset="0"/>
-                <a:cs typeface="Arial" panose="020B0604020202020204" pitchFamily="34" charset="0"/>
-              </a:rPr>
-              <a:t>]</a:t>
+              <a:t>asociativa</a:t>
             </a:r>
           </a:p>
           <a:p>
@@ -2305,811 +1484,15 @@
               <a:buChar char="•"/>
             </a:pPr>
             <a:r>
-              <a:rPr lang="es-ES" sz="900" dirty="0" smtClean="0">
+              <a:rPr lang="es-ES" sz="900" dirty="0">
                 <a:solidFill>
                   <a:schemeClr val="tx1"/>
                 </a:solidFill>
                 <a:latin typeface="Arial" panose="020B0604020202020204" pitchFamily="34" charset="0"/>
                 <a:cs typeface="Arial" panose="020B0604020202020204" pitchFamily="34" charset="0"/>
               </a:rPr>
-              <a:t>Semiabiertos o s</a:t>
-            </a:r>
-            <a:r>
-              <a:rPr lang="es-ES" sz="900" dirty="0" smtClean="0">
-                <a:solidFill>
-                  <a:schemeClr val="tx1"/>
-                </a:solidFill>
-                <a:latin typeface="Arial" panose="020B0604020202020204" pitchFamily="34" charset="0"/>
-                <a:cs typeface="Arial" panose="020B0604020202020204" pitchFamily="34" charset="0"/>
-              </a:rPr>
-              <a:t>emicerrados (</a:t>
-            </a:r>
-            <a:r>
-              <a:rPr lang="es-ES" sz="900" i="1" dirty="0" smtClean="0">
-                <a:solidFill>
-                  <a:schemeClr val="tx1"/>
-                </a:solidFill>
-                <a:latin typeface="Arial" panose="020B0604020202020204" pitchFamily="34" charset="0"/>
-                <a:cs typeface="Arial" panose="020B0604020202020204" pitchFamily="34" charset="0"/>
-              </a:rPr>
-              <a:t>a</a:t>
-            </a:r>
-            <a:r>
-              <a:rPr lang="es-ES" sz="900" dirty="0" smtClean="0">
-                <a:solidFill>
-                  <a:schemeClr val="tx1"/>
-                </a:solidFill>
-                <a:latin typeface="Arial" panose="020B0604020202020204" pitchFamily="34" charset="0"/>
-                <a:cs typeface="Arial" panose="020B0604020202020204" pitchFamily="34" charset="0"/>
-              </a:rPr>
-              <a:t>, </a:t>
-            </a:r>
-            <a:r>
-              <a:rPr lang="es-ES" sz="900" i="1" dirty="0" smtClean="0">
-                <a:solidFill>
-                  <a:schemeClr val="tx1"/>
-                </a:solidFill>
-                <a:latin typeface="Arial" panose="020B0604020202020204" pitchFamily="34" charset="0"/>
-                <a:cs typeface="Arial" panose="020B0604020202020204" pitchFamily="34" charset="0"/>
-              </a:rPr>
-              <a:t>b</a:t>
-            </a:r>
-            <a:r>
-              <a:rPr lang="es-ES" sz="900" dirty="0" smtClean="0">
-                <a:solidFill>
-                  <a:schemeClr val="tx1"/>
-                </a:solidFill>
-                <a:latin typeface="Arial" panose="020B0604020202020204" pitchFamily="34" charset="0"/>
-                <a:cs typeface="Arial" panose="020B0604020202020204" pitchFamily="34" charset="0"/>
-              </a:rPr>
-              <a:t>], [</a:t>
-            </a:r>
-            <a:r>
-              <a:rPr lang="es-ES" sz="900" i="1" dirty="0" smtClean="0">
-                <a:solidFill>
-                  <a:schemeClr val="tx1"/>
-                </a:solidFill>
-                <a:latin typeface="Arial" panose="020B0604020202020204" pitchFamily="34" charset="0"/>
-                <a:cs typeface="Arial" panose="020B0604020202020204" pitchFamily="34" charset="0"/>
-              </a:rPr>
-              <a:t>a</a:t>
-            </a:r>
-            <a:r>
-              <a:rPr lang="es-ES" sz="900" dirty="0" smtClean="0">
-                <a:solidFill>
-                  <a:schemeClr val="tx1"/>
-                </a:solidFill>
-                <a:latin typeface="Arial" panose="020B0604020202020204" pitchFamily="34" charset="0"/>
-                <a:cs typeface="Arial" panose="020B0604020202020204" pitchFamily="34" charset="0"/>
-              </a:rPr>
-              <a:t>, </a:t>
-            </a:r>
-            <a:r>
-              <a:rPr lang="es-ES" sz="900" i="1" dirty="0" smtClean="0">
-                <a:solidFill>
-                  <a:schemeClr val="tx1"/>
-                </a:solidFill>
-                <a:latin typeface="Arial" panose="020B0604020202020204" pitchFamily="34" charset="0"/>
-                <a:cs typeface="Arial" panose="020B0604020202020204" pitchFamily="34" charset="0"/>
-              </a:rPr>
-              <a:t>b</a:t>
-            </a:r>
-            <a:r>
-              <a:rPr lang="es-ES" sz="900" dirty="0" smtClean="0">
-                <a:solidFill>
-                  <a:schemeClr val="tx1"/>
-                </a:solidFill>
-                <a:latin typeface="Arial" panose="020B0604020202020204" pitchFamily="34" charset="0"/>
-                <a:cs typeface="Arial" panose="020B0604020202020204" pitchFamily="34" charset="0"/>
-              </a:rPr>
-              <a:t>)</a:t>
-            </a:r>
-          </a:p>
-          <a:p>
-            <a:pPr marL="171450" indent="-171450">
-              <a:buFont typeface="Arial" panose="020B0604020202020204" pitchFamily="34" charset="0"/>
-              <a:buChar char="•"/>
-            </a:pPr>
-            <a:r>
-              <a:rPr lang="es-ES" sz="900" dirty="0" smtClean="0">
-                <a:solidFill>
-                  <a:schemeClr val="tx1"/>
-                </a:solidFill>
-                <a:latin typeface="Arial" panose="020B0604020202020204" pitchFamily="34" charset="0"/>
-                <a:cs typeface="Arial" panose="020B0604020202020204" pitchFamily="34" charset="0"/>
-              </a:rPr>
-              <a:t>Acotados </a:t>
-            </a:r>
-            <a:endParaRPr lang="es-ES" sz="900" dirty="0">
-              <a:solidFill>
-                <a:schemeClr val="tx1"/>
-              </a:solidFill>
-              <a:latin typeface="Arial" panose="020B0604020202020204" pitchFamily="34" charset="0"/>
-              <a:cs typeface="Arial" panose="020B0604020202020204" pitchFamily="34" charset="0"/>
-            </a:endParaRPr>
-          </a:p>
-        </p:txBody>
-      </p:sp>
-      <p:sp>
-        <p:nvSpPr>
-          <p:cNvPr id="263" name="CuadroTexto 262" descr="Conector entre nodos" title="conector"/>
-          <p:cNvSpPr txBox="1"/>
-          <p:nvPr/>
-        </p:nvSpPr>
-        <p:spPr>
-          <a:xfrm>
-            <a:off x="3302798" y="4333372"/>
-            <a:ext cx="1117174" cy="215444"/>
-          </a:xfrm>
-          <a:prstGeom prst="rect">
-            <a:avLst/>
-          </a:prstGeom>
-          <a:noFill/>
-        </p:spPr>
-        <p:txBody>
-          <a:bodyPr wrap="square" rtlCol="0">
-            <a:spAutoFit/>
-          </a:bodyPr>
-          <a:lstStyle/>
-          <a:p>
-            <a:pPr algn="ctr"/>
-            <a:r>
-              <a:rPr lang="es-ES" sz="800" dirty="0" smtClean="0">
-                <a:latin typeface="Arial" panose="020B0604020202020204" pitchFamily="34" charset="0"/>
-                <a:cs typeface="Arial" panose="020B0604020202020204" pitchFamily="34" charset="0"/>
-              </a:rPr>
-              <a:t>que pueden ser</a:t>
-            </a:r>
-            <a:endParaRPr lang="es-ES" sz="800" dirty="0">
-              <a:latin typeface="Arial" panose="020B0604020202020204" pitchFamily="34" charset="0"/>
-              <a:cs typeface="Arial" panose="020B0604020202020204" pitchFamily="34" charset="0"/>
-            </a:endParaRPr>
-          </a:p>
-        </p:txBody>
-      </p:sp>
-      <p:cxnSp>
-        <p:nvCxnSpPr>
-          <p:cNvPr id="265" name="Conector angular 264"/>
-          <p:cNvCxnSpPr/>
-          <p:nvPr/>
-        </p:nvCxnSpPr>
-        <p:spPr>
-          <a:xfrm rot="16200000" flipV="1">
-            <a:off x="3684769" y="4686695"/>
-            <a:ext cx="336717" cy="3195"/>
-          </a:xfrm>
-          <a:prstGeom prst="bentConnector3">
-            <a:avLst>
-              <a:gd name="adj1" fmla="val -1951"/>
-            </a:avLst>
-          </a:prstGeom>
-          <a:ln w="12700">
-            <a:solidFill>
-              <a:schemeClr val="tx1"/>
-            </a:solidFill>
-          </a:ln>
-        </p:spPr>
-        <p:style>
-          <a:lnRef idx="1">
-            <a:schemeClr val="accent1"/>
-          </a:lnRef>
-          <a:fillRef idx="0">
-            <a:schemeClr val="accent1"/>
-          </a:fillRef>
-          <a:effectRef idx="0">
-            <a:schemeClr val="accent1"/>
-          </a:effectRef>
-          <a:fontRef idx="minor">
-            <a:schemeClr val="tx1"/>
-          </a:fontRef>
-        </p:style>
-      </p:cxnSp>
-      <p:sp>
-        <p:nvSpPr>
-          <p:cNvPr id="274" name="CuadroTexto 273" descr="Conector entre nodos" title="conector"/>
-          <p:cNvSpPr txBox="1"/>
-          <p:nvPr/>
-        </p:nvSpPr>
-        <p:spPr>
-          <a:xfrm>
-            <a:off x="4376132" y="842218"/>
-            <a:ext cx="1122431" cy="230832"/>
-          </a:xfrm>
-          <a:prstGeom prst="rect">
-            <a:avLst/>
-          </a:prstGeom>
-          <a:noFill/>
-        </p:spPr>
-        <p:txBody>
-          <a:bodyPr wrap="square" rtlCol="0">
-            <a:spAutoFit/>
-          </a:bodyPr>
-          <a:lstStyle/>
-          <a:p>
-            <a:pPr algn="ctr"/>
-            <a:r>
-              <a:rPr lang="es-ES" sz="900" dirty="0" smtClean="0">
-                <a:latin typeface="Arial" panose="020B0604020202020204" pitchFamily="34" charset="0"/>
-                <a:cs typeface="Arial" panose="020B0604020202020204" pitchFamily="34" charset="0"/>
-              </a:rPr>
-              <a:t>se representan</a:t>
-            </a:r>
-            <a:endParaRPr lang="es-ES" sz="900" dirty="0">
-              <a:latin typeface="Arial" panose="020B0604020202020204" pitchFamily="34" charset="0"/>
-              <a:cs typeface="Arial" panose="020B0604020202020204" pitchFamily="34" charset="0"/>
-            </a:endParaRPr>
-          </a:p>
-        </p:txBody>
-      </p:sp>
-      <p:cxnSp>
-        <p:nvCxnSpPr>
-          <p:cNvPr id="275" name="Conector angular 274"/>
-          <p:cNvCxnSpPr>
-            <a:endCxn id="116" idx="0"/>
-          </p:cNvCxnSpPr>
-          <p:nvPr/>
-        </p:nvCxnSpPr>
-        <p:spPr>
-          <a:xfrm rot="16200000" flipH="1">
-            <a:off x="5889666" y="1245351"/>
-            <a:ext cx="172105" cy="13361"/>
-          </a:xfrm>
-          <a:prstGeom prst="bentConnector3">
-            <a:avLst>
-              <a:gd name="adj1" fmla="val 103131"/>
-            </a:avLst>
-          </a:prstGeom>
-          <a:ln w="12700">
-            <a:solidFill>
-              <a:schemeClr val="tx1"/>
-            </a:solidFill>
-          </a:ln>
-        </p:spPr>
-        <p:style>
-          <a:lnRef idx="1">
-            <a:schemeClr val="accent1"/>
-          </a:lnRef>
-          <a:fillRef idx="0">
-            <a:schemeClr val="accent1"/>
-          </a:fillRef>
-          <a:effectRef idx="0">
-            <a:schemeClr val="accent1"/>
-          </a:effectRef>
-          <a:fontRef idx="minor">
-            <a:schemeClr val="tx1"/>
-          </a:fontRef>
-        </p:style>
-      </p:cxnSp>
-      <p:sp>
-        <p:nvSpPr>
-          <p:cNvPr id="335" name="Rectángulo 334" descr="Nodo de primer nivel" title="Nodo01"/>
-          <p:cNvSpPr/>
-          <p:nvPr/>
-        </p:nvSpPr>
-        <p:spPr>
-          <a:xfrm>
-            <a:off x="7534663" y="1263260"/>
-            <a:ext cx="1269425" cy="456224"/>
-          </a:xfrm>
-          <a:prstGeom prst="rect">
-            <a:avLst/>
-          </a:prstGeom>
-          <a:solidFill>
-            <a:schemeClr val="bg1"/>
-          </a:solidFill>
-          <a:ln>
-            <a:solidFill>
-              <a:schemeClr val="tx1"/>
-            </a:solidFill>
-          </a:ln>
-          <a:effectLst>
-            <a:outerShdw blurRad="50800" dist="38100" dir="2700000" algn="tl" rotWithShape="0">
-              <a:prstClr val="black">
-                <a:alpha val="40000"/>
-              </a:prstClr>
-            </a:outerShdw>
-          </a:effectLst>
-        </p:spPr>
-        <p:style>
-          <a:lnRef idx="2">
-            <a:schemeClr val="accent6"/>
-          </a:lnRef>
-          <a:fillRef idx="1">
-            <a:schemeClr val="lt1"/>
-          </a:fillRef>
-          <a:effectRef idx="0">
-            <a:schemeClr val="accent6"/>
-          </a:effectRef>
-          <a:fontRef idx="minor">
-            <a:schemeClr val="dk1"/>
-          </a:fontRef>
-        </p:style>
-        <p:txBody>
-          <a:bodyPr rtlCol="0" anchor="ctr"/>
-          <a:lstStyle/>
-          <a:p>
-            <a:pPr algn="ctr"/>
-            <a:r>
-              <a:rPr lang="es-ES" sz="1200" b="1" dirty="0" smtClean="0">
-                <a:latin typeface="Arial" panose="020B0604020202020204" pitchFamily="34" charset="0"/>
-                <a:cs typeface="Arial" panose="020B0604020202020204" pitchFamily="34" charset="0"/>
-              </a:rPr>
-              <a:t>Ecuaciones e Ine</a:t>
-            </a:r>
-            <a:r>
-              <a:rPr lang="es-ES" sz="1200" b="1" dirty="0" smtClean="0">
-                <a:latin typeface="Arial" panose="020B0604020202020204" pitchFamily="34" charset="0"/>
-                <a:cs typeface="Arial" panose="020B0604020202020204" pitchFamily="34" charset="0"/>
-              </a:rPr>
-              <a:t>cuaciones</a:t>
-            </a:r>
-            <a:endParaRPr lang="es-ES" sz="1200" b="1" dirty="0">
-              <a:latin typeface="Arial" panose="020B0604020202020204" pitchFamily="34" charset="0"/>
-              <a:cs typeface="Arial" panose="020B0604020202020204" pitchFamily="34" charset="0"/>
-            </a:endParaRPr>
-          </a:p>
-        </p:txBody>
-      </p:sp>
-      <p:cxnSp>
-        <p:nvCxnSpPr>
-          <p:cNvPr id="336" name="Conector angular 335"/>
-          <p:cNvCxnSpPr>
-            <a:endCxn id="361" idx="0"/>
-          </p:cNvCxnSpPr>
-          <p:nvPr/>
-        </p:nvCxnSpPr>
-        <p:spPr>
-          <a:xfrm>
-            <a:off x="4988154" y="775504"/>
-            <a:ext cx="3280734" cy="126286"/>
-          </a:xfrm>
-          <a:prstGeom prst="bentConnector2">
-            <a:avLst/>
-          </a:prstGeom>
-          <a:ln w="12700">
-            <a:solidFill>
-              <a:schemeClr val="tx1"/>
-            </a:solidFill>
-          </a:ln>
-        </p:spPr>
-        <p:style>
-          <a:lnRef idx="1">
-            <a:schemeClr val="accent1"/>
-          </a:lnRef>
-          <a:fillRef idx="0">
-            <a:schemeClr val="accent1"/>
-          </a:fillRef>
-          <a:effectRef idx="0">
-            <a:schemeClr val="accent1"/>
-          </a:effectRef>
-          <a:fontRef idx="minor">
-            <a:schemeClr val="tx1"/>
-          </a:fontRef>
-        </p:style>
-      </p:cxnSp>
-      <p:sp>
-        <p:nvSpPr>
-          <p:cNvPr id="337" name="CuadroTexto 336" descr="Conector entre nodos" title="conector"/>
-          <p:cNvSpPr txBox="1"/>
-          <p:nvPr/>
-        </p:nvSpPr>
-        <p:spPr>
-          <a:xfrm>
-            <a:off x="7722665" y="1945750"/>
-            <a:ext cx="875417" cy="230832"/>
-          </a:xfrm>
-          <a:prstGeom prst="rect">
-            <a:avLst/>
-          </a:prstGeom>
-          <a:noFill/>
-        </p:spPr>
-        <p:txBody>
-          <a:bodyPr wrap="square" rtlCol="0">
-            <a:spAutoFit/>
-          </a:bodyPr>
-          <a:lstStyle/>
-          <a:p>
-            <a:pPr algn="ctr"/>
-            <a:r>
-              <a:rPr lang="es-ES" sz="900" dirty="0" smtClean="0">
-                <a:latin typeface="Arial" panose="020B0604020202020204" pitchFamily="34" charset="0"/>
-                <a:cs typeface="Arial" panose="020B0604020202020204" pitchFamily="34" charset="0"/>
-              </a:rPr>
-              <a:t>que pueden</a:t>
-            </a:r>
-            <a:endParaRPr lang="es-ES" sz="900" dirty="0">
-              <a:latin typeface="Arial" panose="020B0604020202020204" pitchFamily="34" charset="0"/>
-              <a:cs typeface="Arial" panose="020B0604020202020204" pitchFamily="34" charset="0"/>
-            </a:endParaRPr>
-          </a:p>
-        </p:txBody>
-      </p:sp>
-      <p:cxnSp>
-        <p:nvCxnSpPr>
-          <p:cNvPr id="338" name="Conector angular 337"/>
-          <p:cNvCxnSpPr/>
-          <p:nvPr/>
-        </p:nvCxnSpPr>
-        <p:spPr>
-          <a:xfrm rot="5400000">
-            <a:off x="8137641" y="1845518"/>
-            <a:ext cx="253965" cy="1"/>
-          </a:xfrm>
-          <a:prstGeom prst="bentConnector3">
-            <a:avLst>
-              <a:gd name="adj1" fmla="val 50000"/>
-            </a:avLst>
-          </a:prstGeom>
-          <a:ln w="12700">
-            <a:solidFill>
-              <a:schemeClr val="tx1"/>
-            </a:solidFill>
-          </a:ln>
-        </p:spPr>
-        <p:style>
-          <a:lnRef idx="1">
-            <a:schemeClr val="accent1"/>
-          </a:lnRef>
-          <a:fillRef idx="0">
-            <a:schemeClr val="accent1"/>
-          </a:fillRef>
-          <a:effectRef idx="0">
-            <a:schemeClr val="accent1"/>
-          </a:effectRef>
-          <a:fontRef idx="minor">
-            <a:schemeClr val="tx1"/>
-          </a:fontRef>
-        </p:style>
-      </p:cxnSp>
-      <p:sp>
-        <p:nvSpPr>
-          <p:cNvPr id="339" name="Rectángulo 338" descr="Nodo de segundo nivel" title="Nodo02"/>
-          <p:cNvSpPr/>
-          <p:nvPr/>
-        </p:nvSpPr>
-        <p:spPr>
-          <a:xfrm>
-            <a:off x="7644047" y="2382829"/>
-            <a:ext cx="1059363" cy="818512"/>
-          </a:xfrm>
-          <a:prstGeom prst="rect">
-            <a:avLst/>
-          </a:prstGeom>
-          <a:solidFill>
-            <a:schemeClr val="bg2">
-              <a:lumMod val="50000"/>
-            </a:schemeClr>
-          </a:solidFill>
-          <a:ln>
-            <a:solidFill>
-              <a:schemeClr val="tx1"/>
-            </a:solidFill>
-          </a:ln>
-        </p:spPr>
-        <p:style>
-          <a:lnRef idx="2">
-            <a:schemeClr val="accent6"/>
-          </a:lnRef>
-          <a:fillRef idx="1">
-            <a:schemeClr val="lt1"/>
-          </a:fillRef>
-          <a:effectRef idx="0">
-            <a:schemeClr val="accent6"/>
-          </a:effectRef>
-          <a:fontRef idx="minor">
-            <a:schemeClr val="dk1"/>
-          </a:fontRef>
-        </p:style>
-        <p:txBody>
-          <a:bodyPr rtlCol="0" anchor="ctr"/>
-          <a:lstStyle/>
-          <a:p>
-            <a:pPr algn="ctr"/>
-            <a:r>
-              <a:rPr lang="es-ES" sz="1050" dirty="0" smtClean="0">
-                <a:solidFill>
-                  <a:schemeClr val="bg1"/>
-                </a:solidFill>
-                <a:latin typeface="Arial" panose="020B0604020202020204" pitchFamily="34" charset="0"/>
-                <a:cs typeface="Arial" panose="020B0604020202020204" pitchFamily="34" charset="0"/>
-              </a:rPr>
-              <a:t>contener expresiones con valor absoluto</a:t>
-            </a:r>
-            <a:endParaRPr lang="es-ES" sz="1050" dirty="0">
-              <a:solidFill>
-                <a:schemeClr val="bg1"/>
-              </a:solidFill>
-              <a:latin typeface="Arial" panose="020B0604020202020204" pitchFamily="34" charset="0"/>
-              <a:cs typeface="Arial" panose="020B0604020202020204" pitchFamily="34" charset="0"/>
-            </a:endParaRPr>
-          </a:p>
-        </p:txBody>
-      </p:sp>
-      <p:sp>
-        <p:nvSpPr>
-          <p:cNvPr id="361" name="CuadroTexto 360" descr="Conector entre nodos" title="conector"/>
-          <p:cNvSpPr txBox="1"/>
-          <p:nvPr/>
-        </p:nvSpPr>
-        <p:spPr>
-          <a:xfrm>
-            <a:off x="7707672" y="901790"/>
-            <a:ext cx="1122431" cy="230832"/>
-          </a:xfrm>
-          <a:prstGeom prst="rect">
-            <a:avLst/>
-          </a:prstGeom>
-          <a:noFill/>
-        </p:spPr>
-        <p:txBody>
-          <a:bodyPr wrap="square" rtlCol="0">
-            <a:spAutoFit/>
-          </a:bodyPr>
-          <a:lstStyle/>
-          <a:p>
-            <a:pPr algn="ctr"/>
-            <a:r>
-              <a:rPr lang="es-ES" sz="900" dirty="0" smtClean="0">
-                <a:latin typeface="Arial" panose="020B0604020202020204" pitchFamily="34" charset="0"/>
-                <a:cs typeface="Arial" panose="020B0604020202020204" pitchFamily="34" charset="0"/>
-              </a:rPr>
-              <a:t>son solución de</a:t>
-            </a:r>
-            <a:endParaRPr lang="es-ES" sz="900" dirty="0">
-              <a:latin typeface="Arial" panose="020B0604020202020204" pitchFamily="34" charset="0"/>
-              <a:cs typeface="Arial" panose="020B0604020202020204" pitchFamily="34" charset="0"/>
-            </a:endParaRPr>
-          </a:p>
-        </p:txBody>
-      </p:sp>
-      <p:sp>
-        <p:nvSpPr>
-          <p:cNvPr id="116" name="Rectángulo 115" descr="Nodo de primer nivel" title="Nodo01"/>
-          <p:cNvSpPr/>
-          <p:nvPr/>
-        </p:nvSpPr>
-        <p:spPr>
-          <a:xfrm>
-            <a:off x="5253522" y="1338085"/>
-            <a:ext cx="1457754" cy="439782"/>
-          </a:xfrm>
-          <a:prstGeom prst="rect">
-            <a:avLst/>
-          </a:prstGeom>
-          <a:solidFill>
-            <a:schemeClr val="bg1"/>
-          </a:solidFill>
-          <a:ln>
-            <a:solidFill>
-              <a:schemeClr val="tx1"/>
-            </a:solidFill>
-          </a:ln>
-          <a:effectLst>
-            <a:outerShdw blurRad="50800" dist="38100" dir="2700000" algn="tl" rotWithShape="0">
-              <a:prstClr val="black">
-                <a:alpha val="40000"/>
-              </a:prstClr>
-            </a:outerShdw>
-          </a:effectLst>
-        </p:spPr>
-        <p:style>
-          <a:lnRef idx="2">
-            <a:schemeClr val="accent6"/>
-          </a:lnRef>
-          <a:fillRef idx="1">
-            <a:schemeClr val="lt1"/>
-          </a:fillRef>
-          <a:effectRef idx="0">
-            <a:schemeClr val="accent6"/>
-          </a:effectRef>
-          <a:fontRef idx="minor">
-            <a:schemeClr val="dk1"/>
-          </a:fontRef>
-        </p:style>
-        <p:txBody>
-          <a:bodyPr rtlCol="0" anchor="ctr"/>
-          <a:lstStyle/>
-          <a:p>
-            <a:pPr algn="ctr"/>
-            <a:r>
-              <a:rPr lang="es-ES" sz="1200" b="1" dirty="0" smtClean="0">
-                <a:latin typeface="Arial" panose="020B0604020202020204" pitchFamily="34" charset="0"/>
-                <a:cs typeface="Arial" panose="020B0604020202020204" pitchFamily="34" charset="0"/>
-              </a:rPr>
-              <a:t>Con expansiones decimales</a:t>
-            </a:r>
-            <a:endParaRPr lang="es-ES" sz="1200" b="1" dirty="0">
-              <a:latin typeface="Arial" panose="020B0604020202020204" pitchFamily="34" charset="0"/>
-              <a:cs typeface="Arial" panose="020B0604020202020204" pitchFamily="34" charset="0"/>
-            </a:endParaRPr>
-          </a:p>
-        </p:txBody>
-      </p:sp>
-      <p:sp>
-        <p:nvSpPr>
-          <p:cNvPr id="126" name="Rectángulo 125" descr="Nodo de segundo nivel" title="Nodo02"/>
-          <p:cNvSpPr/>
-          <p:nvPr/>
-        </p:nvSpPr>
-        <p:spPr>
-          <a:xfrm>
-            <a:off x="2144245" y="2396767"/>
-            <a:ext cx="977571" cy="541390"/>
-          </a:xfrm>
-          <a:prstGeom prst="rect">
-            <a:avLst/>
-          </a:prstGeom>
-          <a:solidFill>
-            <a:schemeClr val="bg2">
-              <a:lumMod val="50000"/>
-            </a:schemeClr>
-          </a:solidFill>
-          <a:ln>
-            <a:solidFill>
-              <a:schemeClr val="tx1"/>
-            </a:solidFill>
-          </a:ln>
-        </p:spPr>
-        <p:style>
-          <a:lnRef idx="2">
-            <a:schemeClr val="accent6"/>
-          </a:lnRef>
-          <a:fillRef idx="1">
-            <a:schemeClr val="lt1"/>
-          </a:fillRef>
-          <a:effectRef idx="0">
-            <a:schemeClr val="accent6"/>
-          </a:effectRef>
-          <a:fontRef idx="minor">
-            <a:schemeClr val="dk1"/>
-          </a:fontRef>
-        </p:style>
-        <p:txBody>
-          <a:bodyPr rtlCol="0" anchor="ctr"/>
-          <a:lstStyle/>
-          <a:p>
-            <a:pPr algn="ctr"/>
-            <a:r>
-              <a:rPr lang="es-ES" sz="1050" dirty="0" smtClean="0">
-                <a:solidFill>
-                  <a:schemeClr val="bg1"/>
-                </a:solidFill>
-                <a:latin typeface="Arial" panose="020B0604020202020204" pitchFamily="34" charset="0"/>
-                <a:cs typeface="Arial" panose="020B0604020202020204" pitchFamily="34" charset="0"/>
-              </a:rPr>
-              <a:t>Las relaciones de orden</a:t>
-            </a:r>
-            <a:endParaRPr lang="es-ES" sz="1050" dirty="0">
-              <a:solidFill>
-                <a:schemeClr val="bg1"/>
-              </a:solidFill>
-              <a:latin typeface="Arial" panose="020B0604020202020204" pitchFamily="34" charset="0"/>
-              <a:cs typeface="Arial" panose="020B0604020202020204" pitchFamily="34" charset="0"/>
-            </a:endParaRPr>
-          </a:p>
-        </p:txBody>
-      </p:sp>
-      <p:cxnSp>
-        <p:nvCxnSpPr>
-          <p:cNvPr id="127" name="Conector angular 126"/>
-          <p:cNvCxnSpPr/>
-          <p:nvPr/>
-        </p:nvCxnSpPr>
-        <p:spPr>
-          <a:xfrm>
-            <a:off x="1806157" y="2306029"/>
-            <a:ext cx="811607" cy="80661"/>
-          </a:xfrm>
-          <a:prstGeom prst="bentConnector2">
-            <a:avLst/>
-          </a:prstGeom>
-          <a:ln w="12700">
-            <a:solidFill>
-              <a:schemeClr val="tx1"/>
-            </a:solidFill>
-          </a:ln>
-        </p:spPr>
-        <p:style>
-          <a:lnRef idx="1">
-            <a:schemeClr val="accent1"/>
-          </a:lnRef>
-          <a:fillRef idx="0">
-            <a:schemeClr val="accent1"/>
-          </a:fillRef>
-          <a:effectRef idx="0">
-            <a:schemeClr val="accent1"/>
-          </a:effectRef>
-          <a:fontRef idx="minor">
-            <a:schemeClr val="tx1"/>
-          </a:fontRef>
-        </p:style>
-      </p:cxnSp>
-      <p:cxnSp>
-        <p:nvCxnSpPr>
-          <p:cNvPr id="128" name="Conector angular 127"/>
-          <p:cNvCxnSpPr/>
-          <p:nvPr/>
-        </p:nvCxnSpPr>
-        <p:spPr>
-          <a:xfrm rot="5400000">
-            <a:off x="1475527" y="1995802"/>
-            <a:ext cx="143030" cy="621793"/>
-          </a:xfrm>
-          <a:prstGeom prst="bentConnector3">
-            <a:avLst>
-              <a:gd name="adj1" fmla="val 50000"/>
-            </a:avLst>
-          </a:prstGeom>
-          <a:ln w="12700">
-            <a:solidFill>
-              <a:schemeClr val="tx1"/>
-            </a:solidFill>
-          </a:ln>
-        </p:spPr>
-        <p:style>
-          <a:lnRef idx="1">
-            <a:schemeClr val="accent1"/>
-          </a:lnRef>
-          <a:fillRef idx="0">
-            <a:schemeClr val="accent1"/>
-          </a:fillRef>
-          <a:effectRef idx="0">
-            <a:schemeClr val="accent1"/>
-          </a:effectRef>
-          <a:fontRef idx="minor">
-            <a:schemeClr val="tx1"/>
-          </a:fontRef>
-        </p:style>
-      </p:cxnSp>
-      <p:sp>
-        <p:nvSpPr>
-          <p:cNvPr id="150" name="Rectángulo 149" descr="Nodo de quinto nivel" title="Nodo05"/>
-          <p:cNvSpPr/>
-          <p:nvPr/>
-        </p:nvSpPr>
-        <p:spPr>
-          <a:xfrm>
-            <a:off x="1418189" y="5125203"/>
-            <a:ext cx="1019894" cy="901283"/>
-          </a:xfrm>
-          <a:prstGeom prst="rect">
-            <a:avLst/>
-          </a:prstGeom>
-          <a:solidFill>
-            <a:schemeClr val="bg1"/>
-          </a:solidFill>
-          <a:ln>
-            <a:solidFill>
-              <a:schemeClr val="tx1"/>
-            </a:solidFill>
-          </a:ln>
-        </p:spPr>
-        <p:style>
-          <a:lnRef idx="2">
-            <a:schemeClr val="accent6"/>
-          </a:lnRef>
-          <a:fillRef idx="1">
-            <a:schemeClr val="lt1"/>
-          </a:fillRef>
-          <a:effectRef idx="0">
-            <a:schemeClr val="accent6"/>
-          </a:effectRef>
-          <a:fontRef idx="minor">
-            <a:schemeClr val="dk1"/>
-          </a:fontRef>
-        </p:style>
-        <p:txBody>
-          <a:bodyPr rtlCol="0" anchor="ctr"/>
-          <a:lstStyle/>
-          <a:p>
-            <a:pPr algn="ctr"/>
-            <a:endParaRPr lang="es-ES" sz="900" dirty="0" smtClean="0">
-              <a:solidFill>
-                <a:schemeClr val="tx1"/>
-              </a:solidFill>
-              <a:latin typeface="Arial" panose="020B0604020202020204" pitchFamily="34" charset="0"/>
-              <a:cs typeface="Arial" panose="020B0604020202020204" pitchFamily="34" charset="0"/>
-            </a:endParaRPr>
+              <a:t>distributiva de la multiplicación</a:t>
+            </a:r>
           </a:p>
           <a:p>
             <a:pPr algn="ctr"/>
@@ -3122,71 +1505,6 @@
             </a:endParaRPr>
           </a:p>
           <a:p>
-            <a:pPr marL="171450" indent="-171450">
-              <a:buFont typeface="Arial" panose="020B0604020202020204" pitchFamily="34" charset="0"/>
-              <a:buChar char="•"/>
-            </a:pPr>
-            <a:r>
-              <a:rPr lang="es-ES" sz="900" dirty="0" smtClean="0">
-                <a:solidFill>
-                  <a:schemeClr val="tx1"/>
-                </a:solidFill>
-                <a:latin typeface="Arial" panose="020B0604020202020204" pitchFamily="34" charset="0"/>
-                <a:cs typeface="Arial" panose="020B0604020202020204" pitchFamily="34" charset="0"/>
-              </a:rPr>
-              <a:t>Elemento neutro</a:t>
-            </a:r>
-          </a:p>
-          <a:p>
-            <a:pPr marL="171450" indent="-171450">
-              <a:buFont typeface="Arial" panose="020B0604020202020204" pitchFamily="34" charset="0"/>
-              <a:buChar char="•"/>
-            </a:pPr>
-            <a:r>
-              <a:rPr lang="es-ES" sz="900" dirty="0" smtClean="0">
-                <a:solidFill>
-                  <a:schemeClr val="tx1"/>
-                </a:solidFill>
-                <a:latin typeface="Arial" panose="020B0604020202020204" pitchFamily="34" charset="0"/>
-                <a:cs typeface="Arial" panose="020B0604020202020204" pitchFamily="34" charset="0"/>
-              </a:rPr>
-              <a:t>Opuesto aditivo</a:t>
-            </a:r>
-          </a:p>
-          <a:p>
-            <a:pPr marL="171450" indent="-171450">
-              <a:buFont typeface="Arial" panose="020B0604020202020204" pitchFamily="34" charset="0"/>
-              <a:buChar char="•"/>
-            </a:pPr>
-            <a:r>
-              <a:rPr lang="es-ES" sz="900" dirty="0" smtClean="0">
-                <a:solidFill>
-                  <a:schemeClr val="tx1"/>
-                </a:solidFill>
-                <a:latin typeface="Arial" panose="020B0604020202020204" pitchFamily="34" charset="0"/>
-                <a:cs typeface="Arial" panose="020B0604020202020204" pitchFamily="34" charset="0"/>
-              </a:rPr>
-              <a:t>Inverso multiplicativo</a:t>
-            </a:r>
-            <a:endParaRPr lang="es-ES" sz="900" dirty="0" smtClean="0">
-              <a:solidFill>
-                <a:schemeClr val="tx1"/>
-              </a:solidFill>
-              <a:latin typeface="Arial" panose="020B0604020202020204" pitchFamily="34" charset="0"/>
-              <a:cs typeface="Arial" panose="020B0604020202020204" pitchFamily="34" charset="0"/>
-            </a:endParaRPr>
-          </a:p>
-          <a:p>
-            <a:pPr algn="ctr"/>
-            <a:endParaRPr lang="es-ES" sz="900" dirty="0" smtClean="0">
-              <a:solidFill>
-                <a:schemeClr val="tx1"/>
-              </a:solidFill>
-              <a:latin typeface="Arial" panose="020B0604020202020204" pitchFamily="34" charset="0"/>
-              <a:cs typeface="Arial" panose="020B0604020202020204" pitchFamily="34" charset="0"/>
-            </a:endParaRPr>
-          </a:p>
-          <a:p>
             <a:pPr algn="ctr"/>
             <a:endParaRPr lang="es-ES" sz="900" dirty="0">
               <a:solidFill>
@@ -3200,14 +1518,14 @@
       </p:sp>
       <p:sp>
         <p:nvSpPr>
-          <p:cNvPr id="157" name="CuadroTexto 156" descr="Conector entre nodos" title="conector"/>
+          <p:cNvPr id="75" name="CuadroTexto 74" descr="Conector entre nodos" title="conector"/>
           <p:cNvSpPr txBox="1"/>
           <p:nvPr/>
         </p:nvSpPr>
         <p:spPr>
           <a:xfrm>
-            <a:off x="1454135" y="4487991"/>
-            <a:ext cx="522149" cy="215444"/>
+            <a:off x="398265" y="4573678"/>
+            <a:ext cx="736515" cy="215444"/>
           </a:xfrm>
           <a:prstGeom prst="rect">
             <a:avLst/>
@@ -3222,31 +1540,28 @@
           <a:p>
             <a:pPr algn="ctr"/>
             <a:r>
-              <a:rPr lang="es-ES" sz="800" dirty="0" smtClean="0">
-                <a:latin typeface="Arial" panose="020B0604020202020204" pitchFamily="34" charset="0"/>
-                <a:cs typeface="Arial" panose="020B0604020202020204" pitchFamily="34" charset="0"/>
-              </a:rPr>
-              <a:t>existe</a:t>
-            </a:r>
-            <a:endParaRPr lang="es-ES" sz="800" dirty="0">
-              <a:latin typeface="Arial" panose="020B0604020202020204" pitchFamily="34" charset="0"/>
-              <a:cs typeface="Arial" panose="020B0604020202020204" pitchFamily="34" charset="0"/>
-            </a:endParaRPr>
+              <a:rPr lang="es-ES" sz="800" dirty="0">
+                <a:latin typeface="Arial" panose="020B0604020202020204" pitchFamily="34" charset="0"/>
+                <a:cs typeface="Arial" panose="020B0604020202020204" pitchFamily="34" charset="0"/>
+              </a:rPr>
+              <a:t>que cumple</a:t>
+            </a:r>
           </a:p>
         </p:txBody>
       </p:sp>
       <p:cxnSp>
         <p:nvCxnSpPr>
-          <p:cNvPr id="164" name="Conector angular 163"/>
+          <p:cNvPr id="82" name="Conector angular 81"/>
           <p:cNvCxnSpPr>
-            <a:stCxn id="130" idx="2"/>
+            <a:stCxn id="75" idx="2"/>
+            <a:endCxn id="73" idx="0"/>
           </p:cNvCxnSpPr>
           <p:nvPr/>
         </p:nvCxnSpPr>
         <p:spPr>
-          <a:xfrm rot="5400000">
-            <a:off x="1730309" y="1215405"/>
-            <a:ext cx="211526" cy="2352"/>
+          <a:xfrm rot="16200000" flipH="1">
+            <a:off x="718304" y="4837341"/>
+            <a:ext cx="105230" cy="8792"/>
           </a:xfrm>
           <a:prstGeom prst="bentConnector3">
             <a:avLst>
@@ -3274,236 +1589,16 @@
           </a:fontRef>
         </p:style>
       </p:cxnSp>
-      <p:cxnSp>
-        <p:nvCxnSpPr>
-          <p:cNvPr id="169" name="Conector angular 168"/>
-          <p:cNvCxnSpPr/>
-          <p:nvPr/>
-        </p:nvCxnSpPr>
-        <p:spPr>
-          <a:xfrm rot="5400000">
-            <a:off x="1803659" y="2017297"/>
-            <a:ext cx="136675" cy="876"/>
-          </a:xfrm>
-          <a:prstGeom prst="bentConnector3">
-            <a:avLst>
-              <a:gd name="adj1" fmla="val 50000"/>
-            </a:avLst>
-          </a:prstGeom>
-          <a:ln w="12700">
-            <a:solidFill>
-              <a:schemeClr val="tx1"/>
-            </a:solidFill>
-          </a:ln>
-        </p:spPr>
-        <p:style>
-          <a:lnRef idx="1">
-            <a:schemeClr val="accent1"/>
-          </a:lnRef>
-          <a:fillRef idx="0">
-            <a:schemeClr val="accent1"/>
-          </a:fillRef>
-          <a:effectRef idx="0">
-            <a:schemeClr val="accent1"/>
-          </a:effectRef>
-          <a:fontRef idx="minor">
-            <a:schemeClr val="tx1"/>
-          </a:fontRef>
-        </p:style>
-      </p:cxnSp>
-      <p:cxnSp>
-        <p:nvCxnSpPr>
-          <p:cNvPr id="205" name="Conector angular 204"/>
-          <p:cNvCxnSpPr/>
-          <p:nvPr/>
-        </p:nvCxnSpPr>
-        <p:spPr>
-          <a:xfrm rot="16200000" flipH="1">
-            <a:off x="1081451" y="3196027"/>
-            <a:ext cx="124966" cy="877"/>
-          </a:xfrm>
-          <a:prstGeom prst="bentConnector3">
-            <a:avLst>
-              <a:gd name="adj1" fmla="val 159530"/>
-            </a:avLst>
-          </a:prstGeom>
-          <a:ln w="12700">
-            <a:solidFill>
-              <a:schemeClr val="tx1"/>
-            </a:solidFill>
-          </a:ln>
-        </p:spPr>
-        <p:style>
-          <a:lnRef idx="1">
-            <a:schemeClr val="accent1"/>
-          </a:lnRef>
-          <a:fillRef idx="0">
-            <a:schemeClr val="accent1"/>
-          </a:fillRef>
-          <a:effectRef idx="0">
-            <a:schemeClr val="accent1"/>
-          </a:effectRef>
-          <a:fontRef idx="minor">
-            <a:schemeClr val="tx1"/>
-          </a:fontRef>
-        </p:style>
-      </p:cxnSp>
-      <p:cxnSp>
-        <p:nvCxnSpPr>
-          <p:cNvPr id="294" name="Conector angular 293"/>
-          <p:cNvCxnSpPr/>
-          <p:nvPr/>
-        </p:nvCxnSpPr>
-        <p:spPr>
-          <a:xfrm rot="5400000">
-            <a:off x="537485" y="5182128"/>
-            <a:ext cx="159094" cy="1457"/>
-          </a:xfrm>
-          <a:prstGeom prst="bentConnector3">
-            <a:avLst>
-              <a:gd name="adj1" fmla="val 95617"/>
-            </a:avLst>
-          </a:prstGeom>
-          <a:ln w="12700">
-            <a:solidFill>
-              <a:schemeClr val="tx1"/>
-            </a:solidFill>
-          </a:ln>
-        </p:spPr>
-        <p:style>
-          <a:lnRef idx="1">
-            <a:schemeClr val="accent1"/>
-          </a:lnRef>
-          <a:fillRef idx="0">
-            <a:schemeClr val="accent1"/>
-          </a:fillRef>
-          <a:effectRef idx="0">
-            <a:schemeClr val="accent1"/>
-          </a:effectRef>
-          <a:fontRef idx="minor">
-            <a:schemeClr val="tx1"/>
-          </a:fontRef>
-        </p:style>
-      </p:cxnSp>
-      <p:cxnSp>
-        <p:nvCxnSpPr>
-          <p:cNvPr id="295" name="Conector angular 294"/>
-          <p:cNvCxnSpPr/>
-          <p:nvPr/>
-        </p:nvCxnSpPr>
-        <p:spPr>
-          <a:xfrm rot="5400000">
-            <a:off x="534660" y="5469985"/>
-            <a:ext cx="159094" cy="1457"/>
-          </a:xfrm>
-          <a:prstGeom prst="bentConnector3">
-            <a:avLst>
-              <a:gd name="adj1" fmla="val 95617"/>
-            </a:avLst>
-          </a:prstGeom>
-          <a:ln w="12700">
-            <a:solidFill>
-              <a:schemeClr val="tx1"/>
-            </a:solidFill>
-          </a:ln>
-        </p:spPr>
-        <p:style>
-          <a:lnRef idx="1">
-            <a:schemeClr val="accent1"/>
-          </a:lnRef>
-          <a:fillRef idx="0">
-            <a:schemeClr val="accent1"/>
-          </a:fillRef>
-          <a:effectRef idx="0">
-            <a:schemeClr val="accent1"/>
-          </a:effectRef>
-          <a:fontRef idx="minor">
-            <a:schemeClr val="tx1"/>
-          </a:fontRef>
-        </p:style>
-      </p:cxnSp>
-      <p:cxnSp>
-        <p:nvCxnSpPr>
-          <p:cNvPr id="298" name="Conector angular 297"/>
-          <p:cNvCxnSpPr/>
-          <p:nvPr/>
-        </p:nvCxnSpPr>
-        <p:spPr>
-          <a:xfrm>
-            <a:off x="1054889" y="4264166"/>
-            <a:ext cx="663332" cy="209708"/>
-          </a:xfrm>
-          <a:prstGeom prst="bentConnector2">
-            <a:avLst/>
-          </a:prstGeom>
-          <a:ln w="12700">
-            <a:solidFill>
-              <a:schemeClr val="tx1"/>
-            </a:solidFill>
-          </a:ln>
-        </p:spPr>
-        <p:style>
-          <a:lnRef idx="1">
-            <a:schemeClr val="accent1"/>
-          </a:lnRef>
-          <a:fillRef idx="0">
-            <a:schemeClr val="accent1"/>
-          </a:fillRef>
-          <a:effectRef idx="0">
-            <a:schemeClr val="accent1"/>
-          </a:effectRef>
-          <a:fontRef idx="minor">
-            <a:schemeClr val="tx1"/>
-          </a:fontRef>
-        </p:style>
-      </p:cxnSp>
-      <p:cxnSp>
-        <p:nvCxnSpPr>
-          <p:cNvPr id="299" name="Conector angular 298"/>
-          <p:cNvCxnSpPr>
-            <a:endCxn id="75" idx="0"/>
-          </p:cNvCxnSpPr>
-          <p:nvPr/>
-        </p:nvCxnSpPr>
-        <p:spPr>
-          <a:xfrm rot="10800000" flipV="1">
-            <a:off x="652744" y="4260805"/>
-            <a:ext cx="400944" cy="233083"/>
-          </a:xfrm>
-          <a:prstGeom prst="bentConnector2">
-            <a:avLst/>
-          </a:prstGeom>
-          <a:ln w="12700">
-            <a:solidFill>
-              <a:schemeClr val="tx1"/>
-            </a:solidFill>
-          </a:ln>
-        </p:spPr>
-        <p:style>
-          <a:lnRef idx="1">
-            <a:schemeClr val="accent1"/>
-          </a:lnRef>
-          <a:fillRef idx="0">
-            <a:schemeClr val="accent1"/>
-          </a:fillRef>
-          <a:effectRef idx="0">
-            <a:schemeClr val="accent1"/>
-          </a:effectRef>
-          <a:fontRef idx="minor">
-            <a:schemeClr val="tx1"/>
-          </a:fontRef>
-        </p:style>
-      </p:cxnSp>
       <p:sp>
         <p:nvSpPr>
-          <p:cNvPr id="363" name="CuadroTexto 362" descr="Conector entre nodos" title="conector"/>
+          <p:cNvPr id="133" name="CuadroTexto 132" descr="Conector entre nodos" title="conector"/>
           <p:cNvSpPr txBox="1"/>
           <p:nvPr/>
         </p:nvSpPr>
         <p:spPr>
           <a:xfrm>
-            <a:off x="2196565" y="3051325"/>
-            <a:ext cx="801606" cy="230836"/>
+            <a:off x="501122" y="5203251"/>
+            <a:ext cx="547875" cy="215444"/>
           </a:xfrm>
           <a:prstGeom prst="rect">
             <a:avLst/>
@@ -3518,29 +1613,287 @@
           <a:p>
             <a:pPr algn="ctr"/>
             <a:r>
-              <a:rPr lang="es-ES" sz="900" dirty="0" smtClean="0">
-                <a:latin typeface="Arial" panose="020B0604020202020204" pitchFamily="34" charset="0"/>
-                <a:cs typeface="Arial" panose="020B0604020202020204" pitchFamily="34" charset="0"/>
-              </a:rPr>
-              <a:t>se definen</a:t>
-            </a:r>
-            <a:endParaRPr lang="es-ES" sz="900" dirty="0">
-              <a:latin typeface="Arial" panose="020B0604020202020204" pitchFamily="34" charset="0"/>
-              <a:cs typeface="Arial" panose="020B0604020202020204" pitchFamily="34" charset="0"/>
-            </a:endParaRPr>
+              <a:rPr lang="es-ES" sz="800" dirty="0">
+                <a:latin typeface="Arial" panose="020B0604020202020204" pitchFamily="34" charset="0"/>
+                <a:cs typeface="Arial" panose="020B0604020202020204" pitchFamily="34" charset="0"/>
+              </a:rPr>
+              <a:t>como</a:t>
+            </a:r>
           </a:p>
         </p:txBody>
       </p:sp>
       <p:sp>
         <p:nvSpPr>
-          <p:cNvPr id="368" name="Rectángulo 367" descr="Nodo de tercer nivel" title="Nodo03"/>
+          <p:cNvPr id="130" name="CuadroTexto 129" descr="Conector entre nodos" title="conector"/>
+          <p:cNvSpPr txBox="1"/>
+          <p:nvPr/>
+        </p:nvSpPr>
+        <p:spPr>
+          <a:xfrm>
+            <a:off x="1680475" y="837314"/>
+            <a:ext cx="1122431" cy="230832"/>
+          </a:xfrm>
+          <a:prstGeom prst="rect">
+            <a:avLst/>
+          </a:prstGeom>
+          <a:noFill/>
+        </p:spPr>
+        <p:txBody>
+          <a:bodyPr wrap="square" rtlCol="0">
+            <a:spAutoFit/>
+          </a:bodyPr>
+          <a:lstStyle/>
+          <a:p>
+            <a:pPr algn="ctr"/>
+            <a:r>
+              <a:rPr lang="es-ES" sz="900" dirty="0">
+                <a:latin typeface="Arial" panose="020B0604020202020204" pitchFamily="34" charset="0"/>
+                <a:cs typeface="Arial" panose="020B0604020202020204" pitchFamily="34" charset="0"/>
+              </a:rPr>
+              <a:t>constituyen </a:t>
+            </a:r>
+          </a:p>
+        </p:txBody>
+      </p:sp>
+      <p:sp>
+        <p:nvSpPr>
+          <p:cNvPr id="216" name="Rectángulo 215" descr="Nodo de primer nivel" title="Nodo01"/>
           <p:cNvSpPr/>
           <p:nvPr/>
         </p:nvSpPr>
         <p:spPr>
           <a:xfrm>
-            <a:off x="2196565" y="3435766"/>
-            <a:ext cx="913388" cy="343441"/>
+            <a:off x="3745000" y="1258837"/>
+            <a:ext cx="1124746" cy="570444"/>
+          </a:xfrm>
+          <a:prstGeom prst="rect">
+            <a:avLst/>
+          </a:prstGeom>
+          <a:solidFill>
+            <a:schemeClr val="bg1"/>
+          </a:solidFill>
+          <a:ln>
+            <a:solidFill>
+              <a:schemeClr val="tx1"/>
+            </a:solidFill>
+          </a:ln>
+          <a:effectLst>
+            <a:outerShdw blurRad="50800" dist="38100" dir="2700000" algn="tl" rotWithShape="0">
+              <a:prstClr val="black">
+                <a:alpha val="40000"/>
+              </a:prstClr>
+            </a:outerShdw>
+          </a:effectLst>
+        </p:spPr>
+        <p:style>
+          <a:lnRef idx="2">
+            <a:schemeClr val="accent6"/>
+          </a:lnRef>
+          <a:fillRef idx="1">
+            <a:schemeClr val="lt1"/>
+          </a:fillRef>
+          <a:effectRef idx="0">
+            <a:schemeClr val="accent6"/>
+          </a:effectRef>
+          <a:fontRef idx="minor">
+            <a:schemeClr val="dk1"/>
+          </a:fontRef>
+        </p:style>
+        <p:txBody>
+          <a:bodyPr rtlCol="0" anchor="ctr"/>
+          <a:lstStyle/>
+          <a:p>
+            <a:pPr algn="ctr"/>
+            <a:r>
+              <a:rPr lang="es-ES" sz="1200" b="1" dirty="0">
+                <a:latin typeface="Arial" panose="020B0604020202020204" pitchFamily="34" charset="0"/>
+                <a:cs typeface="Arial" panose="020B0604020202020204" pitchFamily="34" charset="0"/>
+              </a:rPr>
+              <a:t>En la recta numérica</a:t>
+            </a:r>
+          </a:p>
+        </p:txBody>
+      </p:sp>
+      <p:sp>
+        <p:nvSpPr>
+          <p:cNvPr id="218" name="CuadroTexto 217" descr="Conector entre nodos" title="conector"/>
+          <p:cNvSpPr txBox="1"/>
+          <p:nvPr/>
+        </p:nvSpPr>
+        <p:spPr>
+          <a:xfrm>
+            <a:off x="3953072" y="2013513"/>
+            <a:ext cx="708045" cy="230832"/>
+          </a:xfrm>
+          <a:prstGeom prst="rect">
+            <a:avLst/>
+          </a:prstGeom>
+          <a:noFill/>
+        </p:spPr>
+        <p:txBody>
+          <a:bodyPr wrap="square" rtlCol="0">
+            <a:spAutoFit/>
+          </a:bodyPr>
+          <a:lstStyle/>
+          <a:p>
+            <a:pPr algn="ctr"/>
+            <a:r>
+              <a:rPr lang="es-ES" sz="900" dirty="0">
+                <a:latin typeface="Arial" panose="020B0604020202020204" pitchFamily="34" charset="0"/>
+                <a:cs typeface="Arial" panose="020B0604020202020204" pitchFamily="34" charset="0"/>
+              </a:rPr>
+              <a:t>en la cual</a:t>
+            </a:r>
+          </a:p>
+        </p:txBody>
+      </p:sp>
+      <p:cxnSp>
+        <p:nvCxnSpPr>
+          <p:cNvPr id="219" name="Conector angular 218"/>
+          <p:cNvCxnSpPr>
+            <a:stCxn id="216" idx="2"/>
+            <a:endCxn id="218" idx="0"/>
+          </p:cNvCxnSpPr>
+          <p:nvPr/>
+        </p:nvCxnSpPr>
+        <p:spPr>
+          <a:xfrm rot="5400000">
+            <a:off x="4215118" y="1921258"/>
+            <a:ext cx="184232" cy="278"/>
+          </a:xfrm>
+          <a:prstGeom prst="bentConnector3">
+            <a:avLst>
+              <a:gd name="adj1" fmla="val 50000"/>
+            </a:avLst>
+          </a:prstGeom>
+          <a:ln w="12700">
+            <a:solidFill>
+              <a:schemeClr val="tx1"/>
+            </a:solidFill>
+          </a:ln>
+        </p:spPr>
+        <p:style>
+          <a:lnRef idx="1">
+            <a:schemeClr val="accent1"/>
+          </a:lnRef>
+          <a:fillRef idx="0">
+            <a:schemeClr val="accent1"/>
+          </a:fillRef>
+          <a:effectRef idx="0">
+            <a:schemeClr val="accent1"/>
+          </a:effectRef>
+          <a:fontRef idx="minor">
+            <a:schemeClr val="tx1"/>
+          </a:fontRef>
+        </p:style>
+      </p:cxnSp>
+      <p:sp>
+        <p:nvSpPr>
+          <p:cNvPr id="220" name="Rectángulo 219" descr="Nodo de segundo nivel" title="Nodo02"/>
+          <p:cNvSpPr/>
+          <p:nvPr/>
+        </p:nvSpPr>
+        <p:spPr>
+          <a:xfrm>
+            <a:off x="3698793" y="2411236"/>
+            <a:ext cx="1221772" cy="847713"/>
+          </a:xfrm>
+          <a:prstGeom prst="rect">
+            <a:avLst/>
+          </a:prstGeom>
+          <a:solidFill>
+            <a:schemeClr val="bg2">
+              <a:lumMod val="50000"/>
+            </a:schemeClr>
+          </a:solidFill>
+          <a:ln>
+            <a:solidFill>
+              <a:schemeClr val="tx1"/>
+            </a:solidFill>
+          </a:ln>
+        </p:spPr>
+        <p:style>
+          <a:lnRef idx="2">
+            <a:schemeClr val="accent6"/>
+          </a:lnRef>
+          <a:fillRef idx="1">
+            <a:schemeClr val="lt1"/>
+          </a:fillRef>
+          <a:effectRef idx="0">
+            <a:schemeClr val="accent6"/>
+          </a:effectRef>
+          <a:fontRef idx="minor">
+            <a:schemeClr val="dk1"/>
+          </a:fontRef>
+        </p:style>
+        <p:txBody>
+          <a:bodyPr rtlCol="0" anchor="ctr"/>
+          <a:lstStyle/>
+          <a:p>
+            <a:pPr algn="ctr"/>
+            <a:r>
+              <a:rPr lang="es-ES" sz="1050" dirty="0">
+                <a:solidFill>
+                  <a:schemeClr val="bg1"/>
+                </a:solidFill>
+                <a:latin typeface="Arial" panose="020B0604020202020204" pitchFamily="34" charset="0"/>
+                <a:cs typeface="Arial" panose="020B0604020202020204" pitchFamily="34" charset="0"/>
+              </a:rPr>
+              <a:t>a cada número real le corresponde un punto en la recta y viceversa</a:t>
+            </a:r>
+          </a:p>
+        </p:txBody>
+      </p:sp>
+      <p:cxnSp>
+        <p:nvCxnSpPr>
+          <p:cNvPr id="221" name="Conector angular 220"/>
+          <p:cNvCxnSpPr>
+            <a:stCxn id="218" idx="2"/>
+            <a:endCxn id="220" idx="0"/>
+          </p:cNvCxnSpPr>
+          <p:nvPr/>
+        </p:nvCxnSpPr>
+        <p:spPr>
+          <a:xfrm rot="16200000" flipH="1">
+            <a:off x="4224942" y="2326498"/>
+            <a:ext cx="166891" cy="2584"/>
+          </a:xfrm>
+          <a:prstGeom prst="bentConnector3">
+            <a:avLst>
+              <a:gd name="adj1" fmla="val 50000"/>
+            </a:avLst>
+          </a:prstGeom>
+          <a:ln w="12700">
+            <a:solidFill>
+              <a:schemeClr val="tx1"/>
+            </a:solidFill>
+          </a:ln>
+        </p:spPr>
+        <p:style>
+          <a:lnRef idx="1">
+            <a:schemeClr val="accent1"/>
+          </a:lnRef>
+          <a:fillRef idx="0">
+            <a:schemeClr val="accent1"/>
+          </a:fillRef>
+          <a:effectRef idx="0">
+            <a:schemeClr val="accent1"/>
+          </a:effectRef>
+          <a:fontRef idx="minor">
+            <a:schemeClr val="tx1"/>
+          </a:fontRef>
+        </p:style>
+      </p:cxnSp>
+      <p:sp>
+        <p:nvSpPr>
+          <p:cNvPr id="257" name="Rectángulo 256" descr="Nodo de cuarto nivel&#10;" title="Nodo04"/>
+          <p:cNvSpPr/>
+          <p:nvPr/>
+        </p:nvSpPr>
+        <p:spPr>
+          <a:xfrm>
+            <a:off x="3938581" y="3747891"/>
+            <a:ext cx="744788" cy="637169"/>
           </a:xfrm>
           <a:prstGeom prst="rect">
             <a:avLst/>
@@ -3576,35 +1929,324 @@
           <a:p>
             <a:pPr algn="ctr"/>
             <a:r>
-              <a:rPr lang="es-ES" sz="900" dirty="0" smtClean="0">
+              <a:rPr lang="es-ES" sz="900" dirty="0">
                 <a:solidFill>
                   <a:schemeClr val="tx1"/>
                 </a:solidFill>
                 <a:latin typeface="Arial" panose="020B0604020202020204" pitchFamily="34" charset="0"/>
                 <a:cs typeface="Arial" panose="020B0604020202020204" pitchFamily="34" charset="0"/>
               </a:rPr>
-              <a:t>propiedades</a:t>
-            </a:r>
-            <a:endParaRPr lang="es-ES" sz="900" dirty="0">
-              <a:solidFill>
-                <a:schemeClr val="tx1"/>
-              </a:solidFill>
-              <a:latin typeface="Arial" panose="020B0604020202020204" pitchFamily="34" charset="0"/>
-              <a:cs typeface="Arial" panose="020B0604020202020204" pitchFamily="34" charset="0"/>
-            </a:endParaRPr>
+              <a:t>intervalos</a:t>
+            </a:r>
           </a:p>
         </p:txBody>
       </p:sp>
       <p:sp>
         <p:nvSpPr>
-          <p:cNvPr id="369" name="CuadroTexto 368" descr="Conector entre nodos" title="conector"/>
+          <p:cNvPr id="258" name="Rectángulo 257" descr="Nodo de quinto nivel" title="Nodo05"/>
+          <p:cNvSpPr/>
+          <p:nvPr/>
+        </p:nvSpPr>
+        <p:spPr>
+          <a:xfrm>
+            <a:off x="3739553" y="4903733"/>
+            <a:ext cx="1147832" cy="948593"/>
+          </a:xfrm>
+          <a:prstGeom prst="rect">
+            <a:avLst/>
+          </a:prstGeom>
+          <a:solidFill>
+            <a:schemeClr val="bg1"/>
+          </a:solidFill>
+          <a:ln>
+            <a:solidFill>
+              <a:schemeClr val="tx1"/>
+            </a:solidFill>
+          </a:ln>
+        </p:spPr>
+        <p:style>
+          <a:lnRef idx="2">
+            <a:schemeClr val="accent6"/>
+          </a:lnRef>
+          <a:fillRef idx="1">
+            <a:schemeClr val="lt1"/>
+          </a:fillRef>
+          <a:effectRef idx="0">
+            <a:schemeClr val="accent6"/>
+          </a:effectRef>
+          <a:fontRef idx="minor">
+            <a:schemeClr val="dk1"/>
+          </a:fontRef>
+        </p:style>
+        <p:txBody>
+          <a:bodyPr rtlCol="0" anchor="ctr"/>
+          <a:lstStyle/>
+          <a:p>
+            <a:pPr marL="171450" indent="-171450">
+              <a:buFont typeface="Arial" panose="020B0604020202020204" pitchFamily="34" charset="0"/>
+              <a:buChar char="•"/>
+            </a:pPr>
+            <a:r>
+              <a:rPr lang="es-ES" sz="900" dirty="0">
+                <a:solidFill>
+                  <a:schemeClr val="tx1"/>
+                </a:solidFill>
+                <a:latin typeface="Arial" panose="020B0604020202020204" pitchFamily="34" charset="0"/>
+                <a:cs typeface="Arial" panose="020B0604020202020204" pitchFamily="34" charset="0"/>
+              </a:rPr>
+              <a:t>abiertos (</a:t>
+            </a:r>
+            <a:r>
+              <a:rPr lang="es-ES" sz="900" i="1" dirty="0">
+                <a:solidFill>
+                  <a:schemeClr val="tx1"/>
+                </a:solidFill>
+                <a:latin typeface="Arial" panose="020B0604020202020204" pitchFamily="34" charset="0"/>
+                <a:cs typeface="Arial" panose="020B0604020202020204" pitchFamily="34" charset="0"/>
+              </a:rPr>
+              <a:t>a</a:t>
+            </a:r>
+            <a:r>
+              <a:rPr lang="es-ES" sz="900" dirty="0">
+                <a:solidFill>
+                  <a:schemeClr val="tx1"/>
+                </a:solidFill>
+                <a:latin typeface="Arial" panose="020B0604020202020204" pitchFamily="34" charset="0"/>
+                <a:cs typeface="Arial" panose="020B0604020202020204" pitchFamily="34" charset="0"/>
+              </a:rPr>
+              <a:t>, </a:t>
+            </a:r>
+            <a:r>
+              <a:rPr lang="es-ES" sz="900" i="1" dirty="0">
+                <a:solidFill>
+                  <a:schemeClr val="tx1"/>
+                </a:solidFill>
+                <a:latin typeface="Arial" panose="020B0604020202020204" pitchFamily="34" charset="0"/>
+                <a:cs typeface="Arial" panose="020B0604020202020204" pitchFamily="34" charset="0"/>
+              </a:rPr>
+              <a:t>b</a:t>
+            </a:r>
+            <a:r>
+              <a:rPr lang="es-ES" sz="900" dirty="0">
+                <a:solidFill>
+                  <a:schemeClr val="tx1"/>
+                </a:solidFill>
+                <a:latin typeface="Arial" panose="020B0604020202020204" pitchFamily="34" charset="0"/>
+                <a:cs typeface="Arial" panose="020B0604020202020204" pitchFamily="34" charset="0"/>
+              </a:rPr>
+              <a:t>)</a:t>
+            </a:r>
+          </a:p>
+          <a:p>
+            <a:pPr marL="171450" indent="-171450">
+              <a:buFont typeface="Arial" panose="020B0604020202020204" pitchFamily="34" charset="0"/>
+              <a:buChar char="•"/>
+            </a:pPr>
+            <a:r>
+              <a:rPr lang="es-ES" sz="900" dirty="0">
+                <a:solidFill>
+                  <a:schemeClr val="tx1"/>
+                </a:solidFill>
+                <a:latin typeface="Arial" panose="020B0604020202020204" pitchFamily="34" charset="0"/>
+                <a:cs typeface="Arial" panose="020B0604020202020204" pitchFamily="34" charset="0"/>
+              </a:rPr>
+              <a:t>cerrados [</a:t>
+            </a:r>
+            <a:r>
+              <a:rPr lang="es-ES" sz="900" i="1" dirty="0">
+                <a:solidFill>
+                  <a:schemeClr val="tx1"/>
+                </a:solidFill>
+                <a:latin typeface="Arial" panose="020B0604020202020204" pitchFamily="34" charset="0"/>
+                <a:cs typeface="Arial" panose="020B0604020202020204" pitchFamily="34" charset="0"/>
+              </a:rPr>
+              <a:t>a</a:t>
+            </a:r>
+            <a:r>
+              <a:rPr lang="es-ES" sz="900" dirty="0">
+                <a:solidFill>
+                  <a:schemeClr val="tx1"/>
+                </a:solidFill>
+                <a:latin typeface="Arial" panose="020B0604020202020204" pitchFamily="34" charset="0"/>
+                <a:cs typeface="Arial" panose="020B0604020202020204" pitchFamily="34" charset="0"/>
+              </a:rPr>
+              <a:t>, </a:t>
+            </a:r>
+            <a:r>
+              <a:rPr lang="es-ES" sz="900" i="1" dirty="0">
+                <a:solidFill>
+                  <a:schemeClr val="tx1"/>
+                </a:solidFill>
+                <a:latin typeface="Arial" panose="020B0604020202020204" pitchFamily="34" charset="0"/>
+                <a:cs typeface="Arial" panose="020B0604020202020204" pitchFamily="34" charset="0"/>
+              </a:rPr>
+              <a:t>b</a:t>
+            </a:r>
+            <a:r>
+              <a:rPr lang="es-ES" sz="900" dirty="0">
+                <a:solidFill>
+                  <a:schemeClr val="tx1"/>
+                </a:solidFill>
+                <a:latin typeface="Arial" panose="020B0604020202020204" pitchFamily="34" charset="0"/>
+                <a:cs typeface="Arial" panose="020B0604020202020204" pitchFamily="34" charset="0"/>
+              </a:rPr>
+              <a:t>]</a:t>
+            </a:r>
+          </a:p>
+          <a:p>
+            <a:pPr marL="171450" indent="-171450">
+              <a:buFont typeface="Arial" panose="020B0604020202020204" pitchFamily="34" charset="0"/>
+              <a:buChar char="•"/>
+            </a:pPr>
+            <a:r>
+              <a:rPr lang="es-ES" sz="900" dirty="0" err="1">
+                <a:solidFill>
+                  <a:schemeClr val="tx1"/>
+                </a:solidFill>
+                <a:latin typeface="Arial" panose="020B0604020202020204" pitchFamily="34" charset="0"/>
+                <a:cs typeface="Arial" panose="020B0604020202020204" pitchFamily="34" charset="0"/>
+              </a:rPr>
+              <a:t>semiabiertos</a:t>
+            </a:r>
+            <a:r>
+              <a:rPr lang="es-ES" sz="900" dirty="0">
+                <a:solidFill>
+                  <a:schemeClr val="tx1"/>
+                </a:solidFill>
+                <a:latin typeface="Arial" panose="020B0604020202020204" pitchFamily="34" charset="0"/>
+                <a:cs typeface="Arial" panose="020B0604020202020204" pitchFamily="34" charset="0"/>
+              </a:rPr>
+              <a:t> o </a:t>
+            </a:r>
+            <a:r>
+              <a:rPr lang="es-ES" sz="900" dirty="0" err="1">
+                <a:solidFill>
+                  <a:schemeClr val="tx1"/>
+                </a:solidFill>
+                <a:latin typeface="Arial" panose="020B0604020202020204" pitchFamily="34" charset="0"/>
+                <a:cs typeface="Arial" panose="020B0604020202020204" pitchFamily="34" charset="0"/>
+              </a:rPr>
+              <a:t>semicerrados</a:t>
+            </a:r>
+            <a:r>
+              <a:rPr lang="es-ES" sz="900" dirty="0">
+                <a:solidFill>
+                  <a:schemeClr val="tx1"/>
+                </a:solidFill>
+                <a:latin typeface="Arial" panose="020B0604020202020204" pitchFamily="34" charset="0"/>
+                <a:cs typeface="Arial" panose="020B0604020202020204" pitchFamily="34" charset="0"/>
+              </a:rPr>
+              <a:t> (</a:t>
+            </a:r>
+            <a:r>
+              <a:rPr lang="es-ES" sz="900" i="1" dirty="0">
+                <a:solidFill>
+                  <a:schemeClr val="tx1"/>
+                </a:solidFill>
+                <a:latin typeface="Arial" panose="020B0604020202020204" pitchFamily="34" charset="0"/>
+                <a:cs typeface="Arial" panose="020B0604020202020204" pitchFamily="34" charset="0"/>
+              </a:rPr>
+              <a:t>a</a:t>
+            </a:r>
+            <a:r>
+              <a:rPr lang="es-ES" sz="900" dirty="0">
+                <a:solidFill>
+                  <a:schemeClr val="tx1"/>
+                </a:solidFill>
+                <a:latin typeface="Arial" panose="020B0604020202020204" pitchFamily="34" charset="0"/>
+                <a:cs typeface="Arial" panose="020B0604020202020204" pitchFamily="34" charset="0"/>
+              </a:rPr>
+              <a:t>, </a:t>
+            </a:r>
+            <a:r>
+              <a:rPr lang="es-ES" sz="900" i="1" dirty="0">
+                <a:solidFill>
+                  <a:schemeClr val="tx1"/>
+                </a:solidFill>
+                <a:latin typeface="Arial" panose="020B0604020202020204" pitchFamily="34" charset="0"/>
+                <a:cs typeface="Arial" panose="020B0604020202020204" pitchFamily="34" charset="0"/>
+              </a:rPr>
+              <a:t>b</a:t>
+            </a:r>
+            <a:r>
+              <a:rPr lang="es-ES" sz="900" dirty="0">
+                <a:solidFill>
+                  <a:schemeClr val="tx1"/>
+                </a:solidFill>
+                <a:latin typeface="Arial" panose="020B0604020202020204" pitchFamily="34" charset="0"/>
+                <a:cs typeface="Arial" panose="020B0604020202020204" pitchFamily="34" charset="0"/>
+              </a:rPr>
+              <a:t>], [</a:t>
+            </a:r>
+            <a:r>
+              <a:rPr lang="es-ES" sz="900" i="1" dirty="0">
+                <a:solidFill>
+                  <a:schemeClr val="tx1"/>
+                </a:solidFill>
+                <a:latin typeface="Arial" panose="020B0604020202020204" pitchFamily="34" charset="0"/>
+                <a:cs typeface="Arial" panose="020B0604020202020204" pitchFamily="34" charset="0"/>
+              </a:rPr>
+              <a:t>a</a:t>
+            </a:r>
+            <a:r>
+              <a:rPr lang="es-ES" sz="900" dirty="0">
+                <a:solidFill>
+                  <a:schemeClr val="tx1"/>
+                </a:solidFill>
+                <a:latin typeface="Arial" panose="020B0604020202020204" pitchFamily="34" charset="0"/>
+                <a:cs typeface="Arial" panose="020B0604020202020204" pitchFamily="34" charset="0"/>
+              </a:rPr>
+              <a:t>, </a:t>
+            </a:r>
+            <a:r>
+              <a:rPr lang="es-ES" sz="900" i="1" dirty="0">
+                <a:solidFill>
+                  <a:schemeClr val="tx1"/>
+                </a:solidFill>
+                <a:latin typeface="Arial" panose="020B0604020202020204" pitchFamily="34" charset="0"/>
+                <a:cs typeface="Arial" panose="020B0604020202020204" pitchFamily="34" charset="0"/>
+              </a:rPr>
+              <a:t>b</a:t>
+            </a:r>
+            <a:r>
+              <a:rPr lang="es-ES" sz="900" dirty="0">
+                <a:solidFill>
+                  <a:schemeClr val="tx1"/>
+                </a:solidFill>
+                <a:latin typeface="Arial" panose="020B0604020202020204" pitchFamily="34" charset="0"/>
+                <a:cs typeface="Arial" panose="020B0604020202020204" pitchFamily="34" charset="0"/>
+              </a:rPr>
+              <a:t>)</a:t>
+            </a:r>
+          </a:p>
+          <a:p>
+            <a:pPr marL="171450" indent="-171450">
+              <a:buFont typeface="Arial" panose="020B0604020202020204" pitchFamily="34" charset="0"/>
+              <a:buChar char="•"/>
+            </a:pPr>
+            <a:r>
+              <a:rPr lang="es-ES" sz="900" dirty="0">
+                <a:solidFill>
+                  <a:schemeClr val="tx1"/>
+                </a:solidFill>
+                <a:latin typeface="Arial" panose="020B0604020202020204" pitchFamily="34" charset="0"/>
+                <a:cs typeface="Arial" panose="020B0604020202020204" pitchFamily="34" charset="0"/>
+              </a:rPr>
+              <a:t>acotados </a:t>
+            </a:r>
+          </a:p>
+        </p:txBody>
+      </p:sp>
+      <p:sp>
+        <p:nvSpPr>
+          <p:cNvPr id="263" name="CuadroTexto 262" descr="Conector entre nodos" title="conector"/>
           <p:cNvSpPr txBox="1"/>
           <p:nvPr/>
         </p:nvSpPr>
         <p:spPr>
           <a:xfrm>
-            <a:off x="2279255" y="3899688"/>
-            <a:ext cx="604065" cy="215444"/>
+            <a:off x="3851546" y="4577212"/>
+            <a:ext cx="923285" cy="215444"/>
           </a:xfrm>
           <a:prstGeom prst="rect">
             <a:avLst/>
@@ -3619,29 +2261,400 @@
           <a:p>
             <a:pPr algn="ctr"/>
             <a:r>
-              <a:rPr lang="es-ES" sz="800" dirty="0" smtClean="0">
-                <a:latin typeface="Arial" panose="020B0604020202020204" pitchFamily="34" charset="0"/>
-                <a:cs typeface="Arial" panose="020B0604020202020204" pitchFamily="34" charset="0"/>
-              </a:rPr>
-              <a:t>como</a:t>
-            </a:r>
-            <a:endParaRPr lang="es-ES" sz="800" dirty="0">
-              <a:latin typeface="Arial" panose="020B0604020202020204" pitchFamily="34" charset="0"/>
-              <a:cs typeface="Arial" panose="020B0604020202020204" pitchFamily="34" charset="0"/>
-            </a:endParaRPr>
+              <a:rPr lang="es-ES" sz="800" dirty="0">
+                <a:latin typeface="Arial" panose="020B0604020202020204" pitchFamily="34" charset="0"/>
+                <a:cs typeface="Arial" panose="020B0604020202020204" pitchFamily="34" charset="0"/>
+              </a:rPr>
+              <a:t>que pueden ser</a:t>
+            </a:r>
+          </a:p>
+        </p:txBody>
+      </p:sp>
+      <p:cxnSp>
+        <p:nvCxnSpPr>
+          <p:cNvPr id="265" name="Conector angular 264"/>
+          <p:cNvCxnSpPr>
+            <a:stCxn id="258" idx="0"/>
+            <a:endCxn id="263" idx="2"/>
+          </p:cNvCxnSpPr>
+          <p:nvPr/>
+        </p:nvCxnSpPr>
+        <p:spPr>
+          <a:xfrm rot="16200000" flipV="1">
+            <a:off x="4257791" y="4848055"/>
+            <a:ext cx="111077" cy="280"/>
+          </a:xfrm>
+          <a:prstGeom prst="bentConnector3">
+            <a:avLst>
+              <a:gd name="adj1" fmla="val 50000"/>
+            </a:avLst>
+          </a:prstGeom>
+          <a:ln w="12700">
+            <a:solidFill>
+              <a:schemeClr val="tx1"/>
+            </a:solidFill>
+          </a:ln>
+        </p:spPr>
+        <p:style>
+          <a:lnRef idx="1">
+            <a:schemeClr val="accent1"/>
+          </a:lnRef>
+          <a:fillRef idx="0">
+            <a:schemeClr val="accent1"/>
+          </a:fillRef>
+          <a:effectRef idx="0">
+            <a:schemeClr val="accent1"/>
+          </a:effectRef>
+          <a:fontRef idx="minor">
+            <a:schemeClr val="tx1"/>
+          </a:fontRef>
+        </p:style>
+      </p:cxnSp>
+      <p:sp>
+        <p:nvSpPr>
+          <p:cNvPr id="274" name="CuadroTexto 273" descr="Conector entre nodos" title="conector"/>
+          <p:cNvSpPr txBox="1"/>
+          <p:nvPr/>
+        </p:nvSpPr>
+        <p:spPr>
+          <a:xfrm>
+            <a:off x="4621495" y="842218"/>
+            <a:ext cx="1122431" cy="230832"/>
+          </a:xfrm>
+          <a:prstGeom prst="rect">
+            <a:avLst/>
+          </a:prstGeom>
+          <a:noFill/>
+        </p:spPr>
+        <p:txBody>
+          <a:bodyPr wrap="square" rtlCol="0">
+            <a:spAutoFit/>
+          </a:bodyPr>
+          <a:lstStyle/>
+          <a:p>
+            <a:pPr algn="ctr"/>
+            <a:r>
+              <a:rPr lang="es-ES" sz="900" dirty="0">
+                <a:latin typeface="Arial" panose="020B0604020202020204" pitchFamily="34" charset="0"/>
+                <a:cs typeface="Arial" panose="020B0604020202020204" pitchFamily="34" charset="0"/>
+              </a:rPr>
+              <a:t>se representan</a:t>
+            </a:r>
+          </a:p>
+        </p:txBody>
+      </p:sp>
+      <p:cxnSp>
+        <p:nvCxnSpPr>
+          <p:cNvPr id="275" name="Conector angular 274"/>
+          <p:cNvCxnSpPr>
+            <a:stCxn id="274" idx="2"/>
+            <a:endCxn id="116" idx="0"/>
+          </p:cNvCxnSpPr>
+          <p:nvPr/>
+        </p:nvCxnSpPr>
+        <p:spPr>
+          <a:xfrm rot="16200000" flipH="1">
+            <a:off x="5643642" y="612119"/>
+            <a:ext cx="185787" cy="1107648"/>
+          </a:xfrm>
+          <a:prstGeom prst="bentConnector3">
+            <a:avLst>
+              <a:gd name="adj1" fmla="val 50000"/>
+            </a:avLst>
+          </a:prstGeom>
+          <a:ln w="12700">
+            <a:solidFill>
+              <a:schemeClr val="tx1"/>
+            </a:solidFill>
+          </a:ln>
+        </p:spPr>
+        <p:style>
+          <a:lnRef idx="1">
+            <a:schemeClr val="accent1"/>
+          </a:lnRef>
+          <a:fillRef idx="0">
+            <a:schemeClr val="accent1"/>
+          </a:fillRef>
+          <a:effectRef idx="0">
+            <a:schemeClr val="accent1"/>
+          </a:effectRef>
+          <a:fontRef idx="minor">
+            <a:schemeClr val="tx1"/>
+          </a:fontRef>
+        </p:style>
+      </p:cxnSp>
+      <p:sp>
+        <p:nvSpPr>
+          <p:cNvPr id="335" name="Rectángulo 334" descr="Nodo de primer nivel" title="Nodo01"/>
+          <p:cNvSpPr/>
+          <p:nvPr/>
+        </p:nvSpPr>
+        <p:spPr>
+          <a:xfrm>
+            <a:off x="7638295" y="1263259"/>
+            <a:ext cx="1269425" cy="566021"/>
+          </a:xfrm>
+          <a:prstGeom prst="rect">
+            <a:avLst/>
+          </a:prstGeom>
+          <a:solidFill>
+            <a:schemeClr val="bg1"/>
+          </a:solidFill>
+          <a:ln>
+            <a:solidFill>
+              <a:schemeClr val="tx1"/>
+            </a:solidFill>
+          </a:ln>
+          <a:effectLst>
+            <a:outerShdw blurRad="50800" dist="38100" dir="2700000" algn="tl" rotWithShape="0">
+              <a:prstClr val="black">
+                <a:alpha val="40000"/>
+              </a:prstClr>
+            </a:outerShdw>
+          </a:effectLst>
+        </p:spPr>
+        <p:style>
+          <a:lnRef idx="2">
+            <a:schemeClr val="accent6"/>
+          </a:lnRef>
+          <a:fillRef idx="1">
+            <a:schemeClr val="lt1"/>
+          </a:fillRef>
+          <a:effectRef idx="0">
+            <a:schemeClr val="accent6"/>
+          </a:effectRef>
+          <a:fontRef idx="minor">
+            <a:schemeClr val="dk1"/>
+          </a:fontRef>
+        </p:style>
+        <p:txBody>
+          <a:bodyPr rtlCol="0" anchor="ctr"/>
+          <a:lstStyle/>
+          <a:p>
+            <a:pPr algn="ctr"/>
+            <a:r>
+              <a:rPr lang="es-ES" sz="1200" b="1" dirty="0">
+                <a:latin typeface="Arial" panose="020B0604020202020204" pitchFamily="34" charset="0"/>
+                <a:cs typeface="Arial" panose="020B0604020202020204" pitchFamily="34" charset="0"/>
+              </a:rPr>
+              <a:t>Ecuaciones e Inecuaciones</a:t>
+            </a:r>
+          </a:p>
+        </p:txBody>
+      </p:sp>
+      <p:cxnSp>
+        <p:nvCxnSpPr>
+          <p:cNvPr id="336" name="Conector angular 335"/>
+          <p:cNvCxnSpPr>
+            <a:stCxn id="4" idx="2"/>
+            <a:endCxn id="361" idx="0"/>
+          </p:cNvCxnSpPr>
+          <p:nvPr/>
+        </p:nvCxnSpPr>
+        <p:spPr>
+          <a:xfrm rot="16200000" flipH="1">
+            <a:off x="6628213" y="-799846"/>
+            <a:ext cx="195843" cy="3085508"/>
+          </a:xfrm>
+          <a:prstGeom prst="bentConnector3">
+            <a:avLst>
+              <a:gd name="adj1" fmla="val 50000"/>
+            </a:avLst>
+          </a:prstGeom>
+          <a:ln w="12700">
+            <a:solidFill>
+              <a:schemeClr val="tx1"/>
+            </a:solidFill>
+          </a:ln>
+        </p:spPr>
+        <p:style>
+          <a:lnRef idx="1">
+            <a:schemeClr val="accent1"/>
+          </a:lnRef>
+          <a:fillRef idx="0">
+            <a:schemeClr val="accent1"/>
+          </a:fillRef>
+          <a:effectRef idx="0">
+            <a:schemeClr val="accent1"/>
+          </a:effectRef>
+          <a:fontRef idx="minor">
+            <a:schemeClr val="tx1"/>
+          </a:fontRef>
+        </p:style>
+      </p:cxnSp>
+      <p:sp>
+        <p:nvSpPr>
+          <p:cNvPr id="337" name="CuadroTexto 336" descr="Conector entre nodos" title="conector"/>
+          <p:cNvSpPr txBox="1"/>
+          <p:nvPr/>
+        </p:nvSpPr>
+        <p:spPr>
+          <a:xfrm>
+            <a:off x="7838489" y="1945750"/>
+            <a:ext cx="875417" cy="230832"/>
+          </a:xfrm>
+          <a:prstGeom prst="rect">
+            <a:avLst/>
+          </a:prstGeom>
+          <a:noFill/>
+        </p:spPr>
+        <p:txBody>
+          <a:bodyPr wrap="square" rtlCol="0">
+            <a:spAutoFit/>
+          </a:bodyPr>
+          <a:lstStyle/>
+          <a:p>
+            <a:pPr algn="ctr"/>
+            <a:r>
+              <a:rPr lang="es-ES" sz="900" dirty="0">
+                <a:latin typeface="Arial" panose="020B0604020202020204" pitchFamily="34" charset="0"/>
+                <a:cs typeface="Arial" panose="020B0604020202020204" pitchFamily="34" charset="0"/>
+              </a:rPr>
+              <a:t>que pueden</a:t>
+            </a:r>
+          </a:p>
+        </p:txBody>
+      </p:sp>
+      <p:cxnSp>
+        <p:nvCxnSpPr>
+          <p:cNvPr id="338" name="Conector angular 337"/>
+          <p:cNvCxnSpPr>
+            <a:stCxn id="335" idx="2"/>
+            <a:endCxn id="337" idx="0"/>
+          </p:cNvCxnSpPr>
+          <p:nvPr/>
+        </p:nvCxnSpPr>
+        <p:spPr>
+          <a:xfrm rot="16200000" flipH="1">
+            <a:off x="8216368" y="1885920"/>
+            <a:ext cx="116470" cy="3190"/>
+          </a:xfrm>
+          <a:prstGeom prst="bentConnector3">
+            <a:avLst>
+              <a:gd name="adj1" fmla="val 50000"/>
+            </a:avLst>
+          </a:prstGeom>
+          <a:ln w="12700">
+            <a:solidFill>
+              <a:schemeClr val="tx1"/>
+            </a:solidFill>
+          </a:ln>
+        </p:spPr>
+        <p:style>
+          <a:lnRef idx="1">
+            <a:schemeClr val="accent1"/>
+          </a:lnRef>
+          <a:fillRef idx="0">
+            <a:schemeClr val="accent1"/>
+          </a:fillRef>
+          <a:effectRef idx="0">
+            <a:schemeClr val="accent1"/>
+          </a:effectRef>
+          <a:fontRef idx="minor">
+            <a:schemeClr val="tx1"/>
+          </a:fontRef>
+        </p:style>
+      </p:cxnSp>
+      <p:sp>
+        <p:nvSpPr>
+          <p:cNvPr id="339" name="Rectángulo 338" descr="Nodo de segundo nivel" title="Nodo02"/>
+          <p:cNvSpPr/>
+          <p:nvPr/>
+        </p:nvSpPr>
+        <p:spPr>
+          <a:xfrm>
+            <a:off x="7747679" y="2418871"/>
+            <a:ext cx="1059363" cy="840076"/>
+          </a:xfrm>
+          <a:prstGeom prst="rect">
+            <a:avLst/>
+          </a:prstGeom>
+          <a:solidFill>
+            <a:schemeClr val="bg2">
+              <a:lumMod val="50000"/>
+            </a:schemeClr>
+          </a:solidFill>
+          <a:ln>
+            <a:solidFill>
+              <a:schemeClr val="tx1"/>
+            </a:solidFill>
+          </a:ln>
+        </p:spPr>
+        <p:style>
+          <a:lnRef idx="2">
+            <a:schemeClr val="accent6"/>
+          </a:lnRef>
+          <a:fillRef idx="1">
+            <a:schemeClr val="lt1"/>
+          </a:fillRef>
+          <a:effectRef idx="0">
+            <a:schemeClr val="accent6"/>
+          </a:effectRef>
+          <a:fontRef idx="minor">
+            <a:schemeClr val="dk1"/>
+          </a:fontRef>
+        </p:style>
+        <p:txBody>
+          <a:bodyPr rtlCol="0" anchor="ctr"/>
+          <a:lstStyle/>
+          <a:p>
+            <a:pPr algn="ctr"/>
+            <a:r>
+              <a:rPr lang="es-ES" sz="1050" dirty="0">
+                <a:solidFill>
+                  <a:schemeClr val="bg1"/>
+                </a:solidFill>
+                <a:latin typeface="Arial" panose="020B0604020202020204" pitchFamily="34" charset="0"/>
+                <a:cs typeface="Arial" panose="020B0604020202020204" pitchFamily="34" charset="0"/>
+              </a:rPr>
+              <a:t>contener expresiones con valor absoluto</a:t>
+            </a:r>
           </a:p>
         </p:txBody>
       </p:sp>
       <p:sp>
         <p:nvSpPr>
-          <p:cNvPr id="370" name="Rectángulo 369" descr="Nodo de quinto nivel" title="Nodo05"/>
+          <p:cNvPr id="361" name="CuadroTexto 360" descr="Conector entre nodos" title="conector"/>
+          <p:cNvSpPr txBox="1"/>
+          <p:nvPr/>
+        </p:nvSpPr>
+        <p:spPr>
+          <a:xfrm>
+            <a:off x="7707672" y="840830"/>
+            <a:ext cx="1122431" cy="230832"/>
+          </a:xfrm>
+          <a:prstGeom prst="rect">
+            <a:avLst/>
+          </a:prstGeom>
+          <a:noFill/>
+        </p:spPr>
+        <p:txBody>
+          <a:bodyPr wrap="square" rtlCol="0">
+            <a:spAutoFit/>
+          </a:bodyPr>
+          <a:lstStyle/>
+          <a:p>
+            <a:pPr algn="ctr"/>
+            <a:r>
+              <a:rPr lang="es-ES" sz="900" dirty="0">
+                <a:latin typeface="Arial" panose="020B0604020202020204" pitchFamily="34" charset="0"/>
+                <a:cs typeface="Arial" panose="020B0604020202020204" pitchFamily="34" charset="0"/>
+              </a:rPr>
+              <a:t>son solución de</a:t>
+            </a:r>
+          </a:p>
+        </p:txBody>
+      </p:sp>
+      <p:sp>
+        <p:nvSpPr>
+          <p:cNvPr id="116" name="Rectángulo 115" descr="Nodo de primer nivel" title="Nodo01"/>
           <p:cNvSpPr/>
           <p:nvPr/>
         </p:nvSpPr>
         <p:spPr>
           <a:xfrm>
-            <a:off x="2132344" y="4248036"/>
-            <a:ext cx="1085734" cy="561420"/>
+            <a:off x="5561482" y="1258837"/>
+            <a:ext cx="1457754" cy="570444"/>
           </a:xfrm>
           <a:prstGeom prst="rect">
             <a:avLst/>
@@ -3654,6 +2667,13 @@
               <a:schemeClr val="tx1"/>
             </a:solidFill>
           </a:ln>
+          <a:effectLst>
+            <a:outerShdw blurRad="50800" dist="38100" dir="2700000" algn="tl" rotWithShape="0">
+              <a:prstClr val="black">
+                <a:alpha val="40000"/>
+              </a:prstClr>
+            </a:outerShdw>
+          </a:effectLst>
         </p:spPr>
         <p:style>
           <a:lnRef idx="2">
@@ -3674,14 +2694,193 @@
           <a:lstStyle/>
           <a:p>
             <a:pPr algn="ctr"/>
-            <a:endParaRPr lang="es-ES" sz="900" dirty="0" smtClean="0">
-              <a:solidFill>
-                <a:schemeClr val="tx1"/>
-              </a:solidFill>
-              <a:latin typeface="Arial" panose="020B0604020202020204" pitchFamily="34" charset="0"/>
-              <a:cs typeface="Arial" panose="020B0604020202020204" pitchFamily="34" charset="0"/>
-            </a:endParaRPr>
-          </a:p>
+            <a:r>
+              <a:rPr lang="es-ES" sz="1200" b="1" dirty="0">
+                <a:latin typeface="Arial" panose="020B0604020202020204" pitchFamily="34" charset="0"/>
+                <a:cs typeface="Arial" panose="020B0604020202020204" pitchFamily="34" charset="0"/>
+              </a:rPr>
+              <a:t>Con expansiones decimales</a:t>
+            </a:r>
+          </a:p>
+        </p:txBody>
+      </p:sp>
+      <p:sp>
+        <p:nvSpPr>
+          <p:cNvPr id="126" name="Rectángulo 125" descr="Nodo de segundo nivel" title="Nodo02"/>
+          <p:cNvSpPr/>
+          <p:nvPr/>
+        </p:nvSpPr>
+        <p:spPr>
+          <a:xfrm>
+            <a:off x="2544117" y="2396767"/>
+            <a:ext cx="1073833" cy="862182"/>
+          </a:xfrm>
+          <a:prstGeom prst="rect">
+            <a:avLst/>
+          </a:prstGeom>
+          <a:solidFill>
+            <a:schemeClr val="bg2">
+              <a:lumMod val="50000"/>
+            </a:schemeClr>
+          </a:solidFill>
+          <a:ln>
+            <a:solidFill>
+              <a:schemeClr val="tx1"/>
+            </a:solidFill>
+          </a:ln>
+        </p:spPr>
+        <p:style>
+          <a:lnRef idx="2">
+            <a:schemeClr val="accent6"/>
+          </a:lnRef>
+          <a:fillRef idx="1">
+            <a:schemeClr val="lt1"/>
+          </a:fillRef>
+          <a:effectRef idx="0">
+            <a:schemeClr val="accent6"/>
+          </a:effectRef>
+          <a:fontRef idx="minor">
+            <a:schemeClr val="dk1"/>
+          </a:fontRef>
+        </p:style>
+        <p:txBody>
+          <a:bodyPr rtlCol="0" anchor="ctr"/>
+          <a:lstStyle/>
+          <a:p>
+            <a:pPr algn="ctr"/>
+            <a:r>
+              <a:rPr lang="es-ES" sz="1050" dirty="0">
+                <a:solidFill>
+                  <a:schemeClr val="bg1"/>
+                </a:solidFill>
+                <a:latin typeface="Arial" panose="020B0604020202020204" pitchFamily="34" charset="0"/>
+                <a:cs typeface="Arial" panose="020B0604020202020204" pitchFamily="34" charset="0"/>
+              </a:rPr>
+              <a:t>las relaciones de orden</a:t>
+            </a:r>
+          </a:p>
+        </p:txBody>
+      </p:sp>
+      <p:cxnSp>
+        <p:nvCxnSpPr>
+          <p:cNvPr id="127" name="Conector angular 126"/>
+          <p:cNvCxnSpPr>
+            <a:stCxn id="19" idx="2"/>
+            <a:endCxn id="126" idx="0"/>
+          </p:cNvCxnSpPr>
+          <p:nvPr/>
+        </p:nvCxnSpPr>
+        <p:spPr>
+          <a:xfrm rot="16200000" flipH="1">
+            <a:off x="2554913" y="1870645"/>
+            <a:ext cx="208697" cy="843546"/>
+          </a:xfrm>
+          <a:prstGeom prst="bentConnector3">
+            <a:avLst>
+              <a:gd name="adj1" fmla="val 50000"/>
+            </a:avLst>
+          </a:prstGeom>
+          <a:ln w="12700">
+            <a:solidFill>
+              <a:schemeClr val="tx1"/>
+            </a:solidFill>
+          </a:ln>
+        </p:spPr>
+        <p:style>
+          <a:lnRef idx="1">
+            <a:schemeClr val="accent1"/>
+          </a:lnRef>
+          <a:fillRef idx="0">
+            <a:schemeClr val="accent1"/>
+          </a:fillRef>
+          <a:effectRef idx="0">
+            <a:schemeClr val="accent1"/>
+          </a:effectRef>
+          <a:fontRef idx="minor">
+            <a:schemeClr val="tx1"/>
+          </a:fontRef>
+        </p:style>
+      </p:cxnSp>
+      <p:cxnSp>
+        <p:nvCxnSpPr>
+          <p:cNvPr id="128" name="Conector angular 127"/>
+          <p:cNvCxnSpPr>
+            <a:stCxn id="19" idx="2"/>
+            <a:endCxn id="44" idx="0"/>
+          </p:cNvCxnSpPr>
+          <p:nvPr/>
+        </p:nvCxnSpPr>
+        <p:spPr>
+          <a:xfrm rot="5400000">
+            <a:off x="1728619" y="1880965"/>
+            <a:ext cx="201765" cy="815974"/>
+          </a:xfrm>
+          <a:prstGeom prst="bentConnector3">
+            <a:avLst>
+              <a:gd name="adj1" fmla="val 50000"/>
+            </a:avLst>
+          </a:prstGeom>
+          <a:ln w="12700">
+            <a:solidFill>
+              <a:schemeClr val="tx1"/>
+            </a:solidFill>
+          </a:ln>
+        </p:spPr>
+        <p:style>
+          <a:lnRef idx="1">
+            <a:schemeClr val="accent1"/>
+          </a:lnRef>
+          <a:fillRef idx="0">
+            <a:schemeClr val="accent1"/>
+          </a:fillRef>
+          <a:effectRef idx="0">
+            <a:schemeClr val="accent1"/>
+          </a:effectRef>
+          <a:fontRef idx="minor">
+            <a:schemeClr val="tx1"/>
+          </a:fontRef>
+        </p:style>
+      </p:cxnSp>
+      <p:sp>
+        <p:nvSpPr>
+          <p:cNvPr id="150" name="Rectángulo 149" descr="Nodo de quinto nivel" title="Nodo05"/>
+          <p:cNvSpPr/>
+          <p:nvPr/>
+        </p:nvSpPr>
+        <p:spPr>
+          <a:xfrm>
+            <a:off x="1448041" y="4894098"/>
+            <a:ext cx="1019894" cy="958228"/>
+          </a:xfrm>
+          <a:prstGeom prst="rect">
+            <a:avLst/>
+          </a:prstGeom>
+          <a:solidFill>
+            <a:schemeClr val="bg1"/>
+          </a:solidFill>
+          <a:ln>
+            <a:solidFill>
+              <a:schemeClr val="tx1"/>
+            </a:solidFill>
+          </a:ln>
+        </p:spPr>
+        <p:style>
+          <a:lnRef idx="2">
+            <a:schemeClr val="accent6"/>
+          </a:lnRef>
+          <a:fillRef idx="1">
+            <a:schemeClr val="lt1"/>
+          </a:fillRef>
+          <a:effectRef idx="0">
+            <a:schemeClr val="accent6"/>
+          </a:effectRef>
+          <a:fontRef idx="minor">
+            <a:schemeClr val="dk1"/>
+          </a:fontRef>
+        </p:style>
+        <p:txBody>
+          <a:bodyPr rtlCol="0" anchor="ctr"/>
+          <a:lstStyle/>
           <a:p>
             <a:pPr algn="ctr"/>
             <a:endParaRPr lang="es-ES" sz="900" dirty="0">
@@ -3693,63 +2892,6 @@
             </a:endParaRPr>
           </a:p>
           <a:p>
-            <a:pPr marL="171450" indent="-171450">
-              <a:buFont typeface="Arial" panose="020B0604020202020204" pitchFamily="34" charset="0"/>
-              <a:buChar char="•"/>
-            </a:pPr>
-            <a:r>
-              <a:rPr lang="es-ES" sz="900" dirty="0" smtClean="0">
-                <a:solidFill>
-                  <a:schemeClr val="tx1"/>
-                </a:solidFill>
-                <a:latin typeface="Arial" panose="020B0604020202020204" pitchFamily="34" charset="0"/>
-                <a:cs typeface="Arial" panose="020B0604020202020204" pitchFamily="34" charset="0"/>
-              </a:rPr>
-              <a:t>Monotonía</a:t>
-            </a:r>
-          </a:p>
-          <a:p>
-            <a:pPr marL="171450" indent="-171450">
-              <a:buFont typeface="Arial" panose="020B0604020202020204" pitchFamily="34" charset="0"/>
-              <a:buChar char="•"/>
-            </a:pPr>
-            <a:r>
-              <a:rPr lang="es-ES" sz="900" dirty="0" smtClean="0">
-                <a:solidFill>
-                  <a:schemeClr val="tx1"/>
-                </a:solidFill>
-                <a:latin typeface="Arial" panose="020B0604020202020204" pitchFamily="34" charset="0"/>
-                <a:cs typeface="Arial" panose="020B0604020202020204" pitchFamily="34" charset="0"/>
-              </a:rPr>
-              <a:t>Arquimediana</a:t>
-            </a:r>
-          </a:p>
-          <a:p>
-            <a:pPr marL="171450" indent="-171450">
-              <a:buFont typeface="Arial" panose="020B0604020202020204" pitchFamily="34" charset="0"/>
-              <a:buChar char="•"/>
-            </a:pPr>
-            <a:r>
-              <a:rPr lang="es-ES" sz="900" dirty="0" smtClean="0">
-                <a:solidFill>
-                  <a:schemeClr val="tx1"/>
-                </a:solidFill>
-                <a:latin typeface="Arial" panose="020B0604020202020204" pitchFamily="34" charset="0"/>
-                <a:cs typeface="Arial" panose="020B0604020202020204" pitchFamily="34" charset="0"/>
-              </a:rPr>
-              <a:t>Tricotomía</a:t>
-            </a:r>
-          </a:p>
-          <a:p>
-            <a:endParaRPr lang="es-ES" sz="900" dirty="0" smtClean="0">
-              <a:solidFill>
-                <a:schemeClr val="tx1"/>
-              </a:solidFill>
-              <a:latin typeface="Arial" panose="020B0604020202020204" pitchFamily="34" charset="0"/>
-              <a:cs typeface="Arial" panose="020B0604020202020204" pitchFamily="34" charset="0"/>
-            </a:endParaRPr>
-          </a:p>
-          <a:p>
             <a:pPr algn="ctr"/>
             <a:endParaRPr lang="es-ES" sz="900" dirty="0">
               <a:solidFill>
@@ -3759,6 +2901,646 @@
               <a:cs typeface="Arial" panose="020B0604020202020204" pitchFamily="34" charset="0"/>
             </a:endParaRPr>
           </a:p>
+          <a:p>
+            <a:pPr marL="171450" indent="-171450">
+              <a:buFont typeface="Arial" panose="020B0604020202020204" pitchFamily="34" charset="0"/>
+              <a:buChar char="•"/>
+            </a:pPr>
+            <a:r>
+              <a:rPr lang="es-ES" sz="900" dirty="0">
+                <a:solidFill>
+                  <a:schemeClr val="tx1"/>
+                </a:solidFill>
+                <a:latin typeface="Arial" panose="020B0604020202020204" pitchFamily="34" charset="0"/>
+                <a:cs typeface="Arial" panose="020B0604020202020204" pitchFamily="34" charset="0"/>
+              </a:rPr>
+              <a:t>elemento neutro</a:t>
+            </a:r>
+          </a:p>
+          <a:p>
+            <a:pPr marL="171450" indent="-171450">
+              <a:buFont typeface="Arial" panose="020B0604020202020204" pitchFamily="34" charset="0"/>
+              <a:buChar char="•"/>
+            </a:pPr>
+            <a:r>
+              <a:rPr lang="es-ES" sz="900" dirty="0">
+                <a:solidFill>
+                  <a:schemeClr val="tx1"/>
+                </a:solidFill>
+                <a:latin typeface="Arial" panose="020B0604020202020204" pitchFamily="34" charset="0"/>
+                <a:cs typeface="Arial" panose="020B0604020202020204" pitchFamily="34" charset="0"/>
+              </a:rPr>
+              <a:t>opuesto aditivo</a:t>
+            </a:r>
+          </a:p>
+          <a:p>
+            <a:pPr marL="171450" indent="-171450">
+              <a:buFont typeface="Arial" panose="020B0604020202020204" pitchFamily="34" charset="0"/>
+              <a:buChar char="•"/>
+            </a:pPr>
+            <a:r>
+              <a:rPr lang="es-ES" sz="900" dirty="0">
+                <a:solidFill>
+                  <a:schemeClr val="tx1"/>
+                </a:solidFill>
+                <a:latin typeface="Arial" panose="020B0604020202020204" pitchFamily="34" charset="0"/>
+                <a:cs typeface="Arial" panose="020B0604020202020204" pitchFamily="34" charset="0"/>
+              </a:rPr>
+              <a:t>inverso multiplicativo</a:t>
+            </a:r>
+          </a:p>
+          <a:p>
+            <a:pPr algn="ctr"/>
+            <a:endParaRPr lang="es-ES" sz="900" dirty="0">
+              <a:solidFill>
+                <a:schemeClr val="tx1"/>
+              </a:solidFill>
+              <a:latin typeface="Arial" panose="020B0604020202020204" pitchFamily="34" charset="0"/>
+              <a:cs typeface="Arial" panose="020B0604020202020204" pitchFamily="34" charset="0"/>
+            </a:endParaRPr>
+          </a:p>
+          <a:p>
+            <a:pPr algn="ctr"/>
+            <a:endParaRPr lang="es-ES" sz="900" dirty="0">
+              <a:solidFill>
+                <a:schemeClr val="tx1"/>
+              </a:solidFill>
+              <a:latin typeface="Arial" panose="020B0604020202020204" pitchFamily="34" charset="0"/>
+              <a:cs typeface="Arial" panose="020B0604020202020204" pitchFamily="34" charset="0"/>
+            </a:endParaRPr>
+          </a:p>
+        </p:txBody>
+      </p:sp>
+      <p:sp>
+        <p:nvSpPr>
+          <p:cNvPr id="157" name="CuadroTexto 156" descr="Conector entre nodos" title="conector"/>
+          <p:cNvSpPr txBox="1"/>
+          <p:nvPr/>
+        </p:nvSpPr>
+        <p:spPr>
+          <a:xfrm>
+            <a:off x="1696979" y="4574199"/>
+            <a:ext cx="522149" cy="215444"/>
+          </a:xfrm>
+          <a:prstGeom prst="rect">
+            <a:avLst/>
+          </a:prstGeom>
+          <a:noFill/>
+        </p:spPr>
+        <p:txBody>
+          <a:bodyPr wrap="square" rtlCol="0">
+            <a:spAutoFit/>
+          </a:bodyPr>
+          <a:lstStyle/>
+          <a:p>
+            <a:pPr algn="ctr"/>
+            <a:r>
+              <a:rPr lang="es-ES" sz="800" dirty="0">
+                <a:latin typeface="Arial" panose="020B0604020202020204" pitchFamily="34" charset="0"/>
+                <a:cs typeface="Arial" panose="020B0604020202020204" pitchFamily="34" charset="0"/>
+              </a:rPr>
+              <a:t>existe</a:t>
+            </a:r>
+          </a:p>
+        </p:txBody>
+      </p:sp>
+      <p:cxnSp>
+        <p:nvCxnSpPr>
+          <p:cNvPr id="164" name="Conector angular 163"/>
+          <p:cNvCxnSpPr>
+            <a:stCxn id="130" idx="2"/>
+            <a:endCxn id="5" idx="0"/>
+          </p:cNvCxnSpPr>
+          <p:nvPr/>
+        </p:nvCxnSpPr>
+        <p:spPr>
+          <a:xfrm rot="5400000">
+            <a:off x="2163022" y="1144465"/>
+            <a:ext cx="154989" cy="2351"/>
+          </a:xfrm>
+          <a:prstGeom prst="bentConnector3">
+            <a:avLst>
+              <a:gd name="adj1" fmla="val 50000"/>
+            </a:avLst>
+          </a:prstGeom>
+          <a:ln w="12700">
+            <a:solidFill>
+              <a:schemeClr val="tx1"/>
+            </a:solidFill>
+          </a:ln>
+        </p:spPr>
+        <p:style>
+          <a:lnRef idx="1">
+            <a:schemeClr val="accent1"/>
+          </a:lnRef>
+          <a:fillRef idx="0">
+            <a:schemeClr val="accent1"/>
+          </a:fillRef>
+          <a:effectRef idx="0">
+            <a:schemeClr val="accent1"/>
+          </a:effectRef>
+          <a:fontRef idx="minor">
+            <a:schemeClr val="tx1"/>
+          </a:fontRef>
+        </p:style>
+      </p:cxnSp>
+      <p:cxnSp>
+        <p:nvCxnSpPr>
+          <p:cNvPr id="169" name="Conector angular 168"/>
+          <p:cNvCxnSpPr>
+            <a:stCxn id="5" idx="2"/>
+            <a:endCxn id="19" idx="0"/>
+          </p:cNvCxnSpPr>
+          <p:nvPr/>
+        </p:nvCxnSpPr>
+        <p:spPr>
+          <a:xfrm rot="5400000">
+            <a:off x="2175134" y="1893032"/>
+            <a:ext cx="126560" cy="1852"/>
+          </a:xfrm>
+          <a:prstGeom prst="bentConnector3">
+            <a:avLst>
+              <a:gd name="adj1" fmla="val 50000"/>
+            </a:avLst>
+          </a:prstGeom>
+          <a:ln w="12700">
+            <a:solidFill>
+              <a:schemeClr val="tx1"/>
+            </a:solidFill>
+          </a:ln>
+        </p:spPr>
+        <p:style>
+          <a:lnRef idx="1">
+            <a:schemeClr val="accent1"/>
+          </a:lnRef>
+          <a:fillRef idx="0">
+            <a:schemeClr val="accent1"/>
+          </a:fillRef>
+          <a:effectRef idx="0">
+            <a:schemeClr val="accent1"/>
+          </a:effectRef>
+          <a:fontRef idx="minor">
+            <a:schemeClr val="tx1"/>
+          </a:fontRef>
+        </p:style>
+      </p:cxnSp>
+      <p:cxnSp>
+        <p:nvCxnSpPr>
+          <p:cNvPr id="205" name="Conector angular 204"/>
+          <p:cNvCxnSpPr>
+            <a:stCxn id="67" idx="2"/>
+            <a:endCxn id="72" idx="0"/>
+          </p:cNvCxnSpPr>
+          <p:nvPr/>
+        </p:nvCxnSpPr>
+        <p:spPr>
+          <a:xfrm rot="5400000">
+            <a:off x="1360924" y="3682798"/>
+            <a:ext cx="119695" cy="3651"/>
+          </a:xfrm>
+          <a:prstGeom prst="bentConnector3">
+            <a:avLst>
+              <a:gd name="adj1" fmla="val 50000"/>
+            </a:avLst>
+          </a:prstGeom>
+          <a:ln w="12700">
+            <a:solidFill>
+              <a:schemeClr val="tx1"/>
+            </a:solidFill>
+          </a:ln>
+        </p:spPr>
+        <p:style>
+          <a:lnRef idx="1">
+            <a:schemeClr val="accent1"/>
+          </a:lnRef>
+          <a:fillRef idx="0">
+            <a:schemeClr val="accent1"/>
+          </a:fillRef>
+          <a:effectRef idx="0">
+            <a:schemeClr val="accent1"/>
+          </a:effectRef>
+          <a:fontRef idx="minor">
+            <a:schemeClr val="tx1"/>
+          </a:fontRef>
+        </p:style>
+      </p:cxnSp>
+      <p:cxnSp>
+        <p:nvCxnSpPr>
+          <p:cNvPr id="294" name="Conector angular 293"/>
+          <p:cNvCxnSpPr>
+            <a:stCxn id="73" idx="2"/>
+            <a:endCxn id="133" idx="0"/>
+          </p:cNvCxnSpPr>
+          <p:nvPr/>
+        </p:nvCxnSpPr>
+        <p:spPr>
+          <a:xfrm rot="5400000">
+            <a:off x="729431" y="5157367"/>
+            <a:ext cx="91514" cy="255"/>
+          </a:xfrm>
+          <a:prstGeom prst="bentConnector3">
+            <a:avLst>
+              <a:gd name="adj1" fmla="val 50000"/>
+            </a:avLst>
+          </a:prstGeom>
+          <a:ln w="12700">
+            <a:solidFill>
+              <a:schemeClr val="tx1"/>
+            </a:solidFill>
+          </a:ln>
+        </p:spPr>
+        <p:style>
+          <a:lnRef idx="1">
+            <a:schemeClr val="accent1"/>
+          </a:lnRef>
+          <a:fillRef idx="0">
+            <a:schemeClr val="accent1"/>
+          </a:fillRef>
+          <a:effectRef idx="0">
+            <a:schemeClr val="accent1"/>
+          </a:effectRef>
+          <a:fontRef idx="minor">
+            <a:schemeClr val="tx1"/>
+          </a:fontRef>
+        </p:style>
+      </p:cxnSp>
+      <p:cxnSp>
+        <p:nvCxnSpPr>
+          <p:cNvPr id="295" name="Conector angular 294"/>
+          <p:cNvCxnSpPr>
+            <a:stCxn id="133" idx="2"/>
+            <a:endCxn id="74" idx="0"/>
+          </p:cNvCxnSpPr>
+          <p:nvPr/>
+        </p:nvCxnSpPr>
+        <p:spPr>
+          <a:xfrm rot="16200000" flipH="1">
+            <a:off x="702668" y="5491087"/>
+            <a:ext cx="145038" cy="254"/>
+          </a:xfrm>
+          <a:prstGeom prst="bentConnector3">
+            <a:avLst>
+              <a:gd name="adj1" fmla="val 50000"/>
+            </a:avLst>
+          </a:prstGeom>
+          <a:ln w="12700">
+            <a:solidFill>
+              <a:schemeClr val="tx1"/>
+            </a:solidFill>
+          </a:ln>
+        </p:spPr>
+        <p:style>
+          <a:lnRef idx="1">
+            <a:schemeClr val="accent1"/>
+          </a:lnRef>
+          <a:fillRef idx="0">
+            <a:schemeClr val="accent1"/>
+          </a:fillRef>
+          <a:effectRef idx="0">
+            <a:schemeClr val="accent1"/>
+          </a:effectRef>
+          <a:fontRef idx="minor">
+            <a:schemeClr val="tx1"/>
+          </a:fontRef>
+        </p:style>
+      </p:cxnSp>
+      <p:cxnSp>
+        <p:nvCxnSpPr>
+          <p:cNvPr id="298" name="Conector angular 297"/>
+          <p:cNvCxnSpPr>
+            <a:stCxn id="72" idx="2"/>
+            <a:endCxn id="157" idx="0"/>
+          </p:cNvCxnSpPr>
+          <p:nvPr/>
+        </p:nvCxnSpPr>
+        <p:spPr>
+          <a:xfrm rot="16200000" flipH="1">
+            <a:off x="1590331" y="4206475"/>
+            <a:ext cx="196337" cy="539109"/>
+          </a:xfrm>
+          <a:prstGeom prst="bentConnector3">
+            <a:avLst>
+              <a:gd name="adj1" fmla="val 50000"/>
+            </a:avLst>
+          </a:prstGeom>
+          <a:ln w="12700">
+            <a:solidFill>
+              <a:schemeClr val="tx1"/>
+            </a:solidFill>
+          </a:ln>
+        </p:spPr>
+        <p:style>
+          <a:lnRef idx="1">
+            <a:schemeClr val="accent1"/>
+          </a:lnRef>
+          <a:fillRef idx="0">
+            <a:schemeClr val="accent1"/>
+          </a:fillRef>
+          <a:effectRef idx="0">
+            <a:schemeClr val="accent1"/>
+          </a:effectRef>
+          <a:fontRef idx="minor">
+            <a:schemeClr val="tx1"/>
+          </a:fontRef>
+        </p:style>
+      </p:cxnSp>
+      <p:cxnSp>
+        <p:nvCxnSpPr>
+          <p:cNvPr id="299" name="Conector angular 298"/>
+          <p:cNvCxnSpPr>
+            <a:stCxn id="72" idx="2"/>
+            <a:endCxn id="75" idx="0"/>
+          </p:cNvCxnSpPr>
+          <p:nvPr/>
+        </p:nvCxnSpPr>
+        <p:spPr>
+          <a:xfrm rot="5400000">
+            <a:off x="994826" y="4149559"/>
+            <a:ext cx="195816" cy="652422"/>
+          </a:xfrm>
+          <a:prstGeom prst="bentConnector3">
+            <a:avLst>
+              <a:gd name="adj1" fmla="val 50000"/>
+            </a:avLst>
+          </a:prstGeom>
+          <a:ln w="12700">
+            <a:solidFill>
+              <a:schemeClr val="tx1"/>
+            </a:solidFill>
+          </a:ln>
+        </p:spPr>
+        <p:style>
+          <a:lnRef idx="1">
+            <a:schemeClr val="accent1"/>
+          </a:lnRef>
+          <a:fillRef idx="0">
+            <a:schemeClr val="accent1"/>
+          </a:fillRef>
+          <a:effectRef idx="0">
+            <a:schemeClr val="accent1"/>
+          </a:effectRef>
+          <a:fontRef idx="minor">
+            <a:schemeClr val="tx1"/>
+          </a:fontRef>
+        </p:style>
+      </p:cxnSp>
+      <p:sp>
+        <p:nvSpPr>
+          <p:cNvPr id="363" name="CuadroTexto 362" descr="Conector entre nodos" title="conector"/>
+          <p:cNvSpPr txBox="1"/>
+          <p:nvPr/>
+        </p:nvSpPr>
+        <p:spPr>
+          <a:xfrm>
+            <a:off x="2676973" y="3390125"/>
+            <a:ext cx="801606" cy="230836"/>
+          </a:xfrm>
+          <a:prstGeom prst="rect">
+            <a:avLst/>
+          </a:prstGeom>
+          <a:noFill/>
+        </p:spPr>
+        <p:txBody>
+          <a:bodyPr wrap="square" rtlCol="0">
+            <a:spAutoFit/>
+          </a:bodyPr>
+          <a:lstStyle/>
+          <a:p>
+            <a:pPr algn="ctr"/>
+            <a:r>
+              <a:rPr lang="es-ES" sz="900" dirty="0">
+                <a:latin typeface="Arial" panose="020B0604020202020204" pitchFamily="34" charset="0"/>
+                <a:cs typeface="Arial" panose="020B0604020202020204" pitchFamily="34" charset="0"/>
+              </a:rPr>
+              <a:t>se definen</a:t>
+            </a:r>
+          </a:p>
+        </p:txBody>
+      </p:sp>
+      <p:sp>
+        <p:nvSpPr>
+          <p:cNvPr id="368" name="Rectángulo 367" descr="Nodo de tercer nivel" title="Nodo03"/>
+          <p:cNvSpPr/>
+          <p:nvPr/>
+        </p:nvSpPr>
+        <p:spPr>
+          <a:xfrm>
+            <a:off x="2544118" y="3747892"/>
+            <a:ext cx="1068724" cy="629970"/>
+          </a:xfrm>
+          <a:prstGeom prst="rect">
+            <a:avLst/>
+          </a:prstGeom>
+          <a:solidFill>
+            <a:schemeClr val="bg2">
+              <a:lumMod val="90000"/>
+            </a:schemeClr>
+          </a:solidFill>
+          <a:ln>
+            <a:solidFill>
+              <a:schemeClr val="tx1"/>
+            </a:solidFill>
+          </a:ln>
+        </p:spPr>
+        <p:style>
+          <a:lnRef idx="2">
+            <a:schemeClr val="accent6"/>
+          </a:lnRef>
+          <a:fillRef idx="1">
+            <a:schemeClr val="lt1"/>
+          </a:fillRef>
+          <a:effectRef idx="0">
+            <a:schemeClr val="accent6"/>
+          </a:effectRef>
+          <a:fontRef idx="minor">
+            <a:schemeClr val="dk1"/>
+          </a:fontRef>
+        </p:style>
+        <p:txBody>
+          <a:bodyPr rtlCol="0" anchor="ctr"/>
+          <a:lstStyle/>
+          <a:p>
+            <a:pPr algn="ctr"/>
+            <a:r>
+              <a:rPr lang="es-ES" sz="900" dirty="0">
+                <a:solidFill>
+                  <a:schemeClr val="tx1"/>
+                </a:solidFill>
+                <a:latin typeface="Arial" panose="020B0604020202020204" pitchFamily="34" charset="0"/>
+                <a:cs typeface="Arial" panose="020B0604020202020204" pitchFamily="34" charset="0"/>
+              </a:rPr>
+              <a:t>propiedades</a:t>
+            </a:r>
+          </a:p>
+        </p:txBody>
+      </p:sp>
+      <p:sp>
+        <p:nvSpPr>
+          <p:cNvPr id="369" name="CuadroTexto 368" descr="Conector entre nodos" title="conector"/>
+          <p:cNvSpPr txBox="1"/>
+          <p:nvPr/>
+        </p:nvSpPr>
+        <p:spPr>
+          <a:xfrm>
+            <a:off x="2775743" y="4550062"/>
+            <a:ext cx="604065" cy="215444"/>
+          </a:xfrm>
+          <a:prstGeom prst="rect">
+            <a:avLst/>
+          </a:prstGeom>
+          <a:noFill/>
+        </p:spPr>
+        <p:txBody>
+          <a:bodyPr wrap="square" rtlCol="0">
+            <a:spAutoFit/>
+          </a:bodyPr>
+          <a:lstStyle/>
+          <a:p>
+            <a:pPr algn="ctr"/>
+            <a:r>
+              <a:rPr lang="es-ES" sz="800" dirty="0">
+                <a:latin typeface="Arial" panose="020B0604020202020204" pitchFamily="34" charset="0"/>
+                <a:cs typeface="Arial" panose="020B0604020202020204" pitchFamily="34" charset="0"/>
+              </a:rPr>
+              <a:t>como</a:t>
+            </a:r>
+          </a:p>
+        </p:txBody>
+      </p:sp>
+      <p:sp>
+        <p:nvSpPr>
+          <p:cNvPr id="370" name="Rectángulo 369" descr="Nodo de quinto nivel" title="Nodo05"/>
+          <p:cNvSpPr/>
+          <p:nvPr/>
+        </p:nvSpPr>
+        <p:spPr>
+          <a:xfrm>
+            <a:off x="2534670" y="4899322"/>
+            <a:ext cx="1085734" cy="953004"/>
+          </a:xfrm>
+          <a:prstGeom prst="rect">
+            <a:avLst/>
+          </a:prstGeom>
+          <a:solidFill>
+            <a:schemeClr val="bg1"/>
+          </a:solidFill>
+          <a:ln>
+            <a:solidFill>
+              <a:schemeClr val="tx1"/>
+            </a:solidFill>
+          </a:ln>
+        </p:spPr>
+        <p:style>
+          <a:lnRef idx="2">
+            <a:schemeClr val="accent6"/>
+          </a:lnRef>
+          <a:fillRef idx="1">
+            <a:schemeClr val="lt1"/>
+          </a:fillRef>
+          <a:effectRef idx="0">
+            <a:schemeClr val="accent6"/>
+          </a:effectRef>
+          <a:fontRef idx="minor">
+            <a:schemeClr val="dk1"/>
+          </a:fontRef>
+        </p:style>
+        <p:txBody>
+          <a:bodyPr rtlCol="0" anchor="ctr"/>
+          <a:lstStyle/>
+          <a:p>
+            <a:pPr algn="ctr"/>
+            <a:endParaRPr lang="es-ES" sz="900" dirty="0">
+              <a:solidFill>
+                <a:schemeClr val="tx1"/>
+              </a:solidFill>
+              <a:latin typeface="Arial" panose="020B0604020202020204" pitchFamily="34" charset="0"/>
+              <a:cs typeface="Arial" panose="020B0604020202020204" pitchFamily="34" charset="0"/>
+            </a:endParaRPr>
+          </a:p>
+          <a:p>
+            <a:pPr algn="ctr"/>
+            <a:endParaRPr lang="es-ES" sz="900" dirty="0">
+              <a:solidFill>
+                <a:schemeClr val="tx1"/>
+              </a:solidFill>
+              <a:latin typeface="Arial" panose="020B0604020202020204" pitchFamily="34" charset="0"/>
+              <a:cs typeface="Arial" panose="020B0604020202020204" pitchFamily="34" charset="0"/>
+            </a:endParaRPr>
+          </a:p>
+          <a:p>
+            <a:pPr marL="171450" indent="-171450">
+              <a:buFont typeface="Arial" panose="020B0604020202020204" pitchFamily="34" charset="0"/>
+              <a:buChar char="•"/>
+            </a:pPr>
+            <a:r>
+              <a:rPr lang="es-ES" sz="900" dirty="0">
+                <a:solidFill>
+                  <a:schemeClr val="tx1"/>
+                </a:solidFill>
+                <a:latin typeface="Arial" panose="020B0604020202020204" pitchFamily="34" charset="0"/>
+                <a:cs typeface="Arial" panose="020B0604020202020204" pitchFamily="34" charset="0"/>
+              </a:rPr>
+              <a:t>monotonía</a:t>
+            </a:r>
+          </a:p>
+          <a:p>
+            <a:pPr marL="171450" indent="-171450">
+              <a:buFont typeface="Arial" panose="020B0604020202020204" pitchFamily="34" charset="0"/>
+              <a:buChar char="•"/>
+            </a:pPr>
+            <a:r>
+              <a:rPr lang="es-ES" sz="900" dirty="0" err="1">
+                <a:solidFill>
+                  <a:schemeClr val="tx1"/>
+                </a:solidFill>
+                <a:latin typeface="Arial" panose="020B0604020202020204" pitchFamily="34" charset="0"/>
+                <a:cs typeface="Arial" panose="020B0604020202020204" pitchFamily="34" charset="0"/>
+              </a:rPr>
+              <a:t>arquimediana</a:t>
+            </a:r>
+            <a:endParaRPr lang="es-ES" sz="900" dirty="0">
+              <a:solidFill>
+                <a:schemeClr val="tx1"/>
+              </a:solidFill>
+              <a:latin typeface="Arial" panose="020B0604020202020204" pitchFamily="34" charset="0"/>
+              <a:cs typeface="Arial" panose="020B0604020202020204" pitchFamily="34" charset="0"/>
+            </a:endParaRPr>
+          </a:p>
+          <a:p>
+            <a:pPr marL="171450" indent="-171450">
+              <a:buFont typeface="Arial" panose="020B0604020202020204" pitchFamily="34" charset="0"/>
+              <a:buChar char="•"/>
+            </a:pPr>
+            <a:r>
+              <a:rPr lang="es-ES" sz="900" dirty="0">
+                <a:solidFill>
+                  <a:schemeClr val="tx1"/>
+                </a:solidFill>
+                <a:latin typeface="Arial" panose="020B0604020202020204" pitchFamily="34" charset="0"/>
+                <a:cs typeface="Arial" panose="020B0604020202020204" pitchFamily="34" charset="0"/>
+              </a:rPr>
+              <a:t>tricotomía</a:t>
+            </a:r>
+          </a:p>
+          <a:p>
+            <a:endParaRPr lang="es-ES" sz="900" dirty="0">
+              <a:solidFill>
+                <a:schemeClr val="tx1"/>
+              </a:solidFill>
+              <a:latin typeface="Arial" panose="020B0604020202020204" pitchFamily="34" charset="0"/>
+              <a:cs typeface="Arial" panose="020B0604020202020204" pitchFamily="34" charset="0"/>
+            </a:endParaRPr>
+          </a:p>
+          <a:p>
+            <a:pPr algn="ctr"/>
+            <a:endParaRPr lang="es-ES" sz="900" dirty="0">
+              <a:solidFill>
+                <a:schemeClr val="tx1"/>
+              </a:solidFill>
+              <a:latin typeface="Arial" panose="020B0604020202020204" pitchFamily="34" charset="0"/>
+              <a:cs typeface="Arial" panose="020B0604020202020204" pitchFamily="34" charset="0"/>
+            </a:endParaRPr>
+          </a:p>
         </p:txBody>
       </p:sp>
       <p:sp>
@@ -3769,8 +3551,8 @@
         </p:nvSpPr>
         <p:spPr>
           <a:xfrm>
-            <a:off x="3339586" y="3412863"/>
-            <a:ext cx="976366" cy="338554"/>
+            <a:off x="3824121" y="3345993"/>
+            <a:ext cx="976366" cy="307776"/>
           </a:xfrm>
           <a:prstGeom prst="rect">
             <a:avLst/>
@@ -3785,16 +3567,12 @@
           <a:p>
             <a:pPr algn="ctr"/>
             <a:r>
-              <a:rPr lang="es-ES" sz="800" dirty="0" smtClean="0">
+              <a:rPr lang="es-ES" sz="800" dirty="0">
                 <a:latin typeface="Arial" panose="020B0604020202020204" pitchFamily="34" charset="0"/>
                 <a:cs typeface="Arial" panose="020B0604020202020204" pitchFamily="34" charset="0"/>
               </a:rPr>
               <a:t>lo que permite definir</a:t>
             </a:r>
-            <a:endParaRPr lang="es-ES" sz="800" dirty="0">
-              <a:latin typeface="Arial" panose="020B0604020202020204" pitchFamily="34" charset="0"/>
-              <a:cs typeface="Arial" panose="020B0604020202020204" pitchFamily="34" charset="0"/>
-            </a:endParaRPr>
           </a:p>
         </p:txBody>
       </p:sp>
@@ -3808,7 +3586,7 @@
         </p:nvSpPr>
         <p:spPr bwMode="auto">
           <a:xfrm>
-            <a:off x="5507304" y="1894224"/>
+            <a:off x="5827456" y="1949088"/>
             <a:ext cx="923467" cy="230187"/>
           </a:xfrm>
           <a:prstGeom prst="rect">
@@ -4206,17 +3984,8 @@
               <a:rPr lang="es-CO" altLang="es-CO" sz="900" dirty="0">
                 <a:cs typeface="Arial" panose="020B0604020202020204" pitchFamily="34" charset="0"/>
               </a:rPr>
-              <a:t>puede </a:t>
-            </a:r>
-            <a:r>
-              <a:rPr lang="es-CO" altLang="es-CO" sz="900" dirty="0" smtClean="0">
-                <a:cs typeface="Arial" panose="020B0604020202020204" pitchFamily="34" charset="0"/>
-              </a:rPr>
-              <a:t>tener</a:t>
-            </a:r>
-            <a:endParaRPr lang="es-CO" altLang="es-CO" sz="900" dirty="0">
-              <a:cs typeface="Arial" panose="020B0604020202020204" pitchFamily="34" charset="0"/>
-            </a:endParaRPr>
+              <a:t>puede tener</a:t>
+            </a:r>
           </a:p>
         </p:txBody>
       </p:sp>
@@ -4225,17 +3994,20 @@
           <p:cNvPr id="386" name="AutoShape 77"/>
           <p:cNvCxnSpPr>
             <a:cxnSpLocks noChangeShapeType="1"/>
+            <a:stCxn id="274" idx="2"/>
             <a:endCxn id="216" idx="0"/>
           </p:cNvCxnSpPr>
           <p:nvPr/>
         </p:nvCxnSpPr>
         <p:spPr bwMode="auto">
-          <a:xfrm rot="10800000" flipV="1">
-            <a:off x="3867762" y="1162705"/>
-            <a:ext cx="2101276" cy="175379"/>
-          </a:xfrm>
-          <a:prstGeom prst="bentConnector2">
-            <a:avLst/>
+          <a:xfrm rot="5400000">
+            <a:off x="4652149" y="728274"/>
+            <a:ext cx="185787" cy="875338"/>
+          </a:xfrm>
+          <a:prstGeom prst="bentConnector3">
+            <a:avLst>
+              <a:gd name="adj1" fmla="val 50000"/>
+            </a:avLst>
           </a:prstGeom>
           <a:noFill/>
           <a:ln w="12700" cap="flat">
@@ -4268,17 +4040,20 @@
       <p:cxnSp>
         <p:nvCxnSpPr>
           <p:cNvPr id="390" name="Conector angular 389"/>
-          <p:cNvCxnSpPr/>
+          <p:cNvCxnSpPr>
+            <a:stCxn id="363" idx="2"/>
+            <a:endCxn id="368" idx="0"/>
+          </p:cNvCxnSpPr>
           <p:nvPr/>
         </p:nvCxnSpPr>
         <p:spPr>
           <a:xfrm rot="16200000" flipH="1">
-            <a:off x="2541507" y="3291607"/>
-            <a:ext cx="124966" cy="877"/>
+            <a:off x="3014663" y="3684074"/>
+            <a:ext cx="126931" cy="704"/>
           </a:xfrm>
           <a:prstGeom prst="bentConnector3">
             <a:avLst>
-              <a:gd name="adj1" fmla="val 159530"/>
+              <a:gd name="adj1" fmla="val 50000"/>
             </a:avLst>
           </a:prstGeom>
           <a:ln w="12700">
@@ -4305,17 +4080,20 @@
       <p:cxnSp>
         <p:nvCxnSpPr>
           <p:cNvPr id="391" name="Conector angular 390"/>
-          <p:cNvCxnSpPr/>
+          <p:cNvCxnSpPr>
+            <a:stCxn id="369" idx="2"/>
+            <a:endCxn id="370" idx="0"/>
+          </p:cNvCxnSpPr>
           <p:nvPr/>
         </p:nvCxnSpPr>
         <p:spPr>
           <a:xfrm rot="5400000">
-            <a:off x="2520430" y="4163825"/>
-            <a:ext cx="159094" cy="1457"/>
+            <a:off x="3010749" y="4832295"/>
+            <a:ext cx="133816" cy="239"/>
           </a:xfrm>
           <a:prstGeom prst="bentConnector3">
             <a:avLst>
-              <a:gd name="adj1" fmla="val 95617"/>
+              <a:gd name="adj1" fmla="val 50000"/>
             </a:avLst>
           </a:prstGeom>
           <a:ln w="12700">
@@ -4344,13 +4122,14 @@
           <p:cNvPr id="392" name="Conector angular 391"/>
           <p:cNvCxnSpPr>
             <a:stCxn id="157" idx="2"/>
+            <a:endCxn id="150" idx="0"/>
           </p:cNvCxnSpPr>
           <p:nvPr/>
         </p:nvCxnSpPr>
         <p:spPr>
           <a:xfrm rot="5400000">
-            <a:off x="1508563" y="4910082"/>
-            <a:ext cx="413294" cy="1"/>
+            <a:off x="1905794" y="4841837"/>
+            <a:ext cx="104455" cy="66"/>
           </a:xfrm>
           <a:prstGeom prst="bentConnector3">
             <a:avLst>
@@ -4381,50 +4160,16 @@
       <p:cxnSp>
         <p:nvCxnSpPr>
           <p:cNvPr id="394" name="Conector angular 393"/>
-          <p:cNvCxnSpPr/>
+          <p:cNvCxnSpPr>
+            <a:stCxn id="4" idx="2"/>
+            <a:endCxn id="274" idx="0"/>
+          </p:cNvCxnSpPr>
           <p:nvPr/>
         </p:nvCxnSpPr>
         <p:spPr>
           <a:xfrm rot="5400000">
-            <a:off x="4911598" y="850716"/>
-            <a:ext cx="136675" cy="876"/>
-          </a:xfrm>
-          <a:prstGeom prst="bentConnector3">
-            <a:avLst>
-              <a:gd name="adj1" fmla="val 50000"/>
-            </a:avLst>
-          </a:prstGeom>
-          <a:ln w="12700">
-            <a:solidFill>
-              <a:schemeClr val="tx1"/>
-            </a:solidFill>
-          </a:ln>
-        </p:spPr>
-        <p:style>
-          <a:lnRef idx="1">
-            <a:schemeClr val="accent1"/>
-          </a:lnRef>
-          <a:fillRef idx="0">
-            <a:schemeClr val="accent1"/>
-          </a:fillRef>
-          <a:effectRef idx="0">
-            <a:schemeClr val="accent1"/>
-          </a:effectRef>
-          <a:fontRef idx="minor">
-            <a:schemeClr val="tx1"/>
-          </a:fontRef>
-        </p:style>
-      </p:cxnSp>
-      <p:cxnSp>
-        <p:nvCxnSpPr>
-          <p:cNvPr id="395" name="Conector angular 394"/>
-          <p:cNvCxnSpPr/>
-          <p:nvPr/>
-        </p:nvCxnSpPr>
-        <p:spPr>
-          <a:xfrm rot="16200000" flipH="1">
-            <a:off x="4900564" y="1095876"/>
-            <a:ext cx="139049" cy="1160"/>
+            <a:off x="5084431" y="743268"/>
+            <a:ext cx="197231" cy="669"/>
           </a:xfrm>
           <a:prstGeom prst="bentConnector3">
             <a:avLst>
@@ -4460,8 +4205,8 @@
         </p:nvSpPr>
         <p:spPr>
           <a:xfrm>
-            <a:off x="4901167" y="2418871"/>
-            <a:ext cx="1128400" cy="575607"/>
+            <a:off x="5129879" y="2418871"/>
+            <a:ext cx="1128400" cy="840078"/>
           </a:xfrm>
           <a:prstGeom prst="rect">
             <a:avLst/>
@@ -4497,7 +4242,7 @@
           <a:p>
             <a:pPr algn="ctr"/>
             <a:r>
-              <a:rPr lang="es-ES" sz="1050" dirty="0" smtClean="0">
+              <a:rPr lang="es-ES" sz="1050" dirty="0">
                 <a:solidFill>
                   <a:schemeClr val="bg1"/>
                 </a:solidFill>
@@ -4506,13 +4251,6 @@
               </a:rPr>
               <a:t>expansión decimal periódica</a:t>
             </a:r>
-            <a:endParaRPr lang="es-ES" sz="1050" dirty="0">
-              <a:solidFill>
-                <a:schemeClr val="bg1"/>
-              </a:solidFill>
-              <a:latin typeface="Arial" panose="020B0604020202020204" pitchFamily="34" charset="0"/>
-              <a:cs typeface="Arial" panose="020B0604020202020204" pitchFamily="34" charset="0"/>
-            </a:endParaRPr>
           </a:p>
         </p:txBody>
       </p:sp>
@@ -4524,8 +4262,8 @@
         </p:nvSpPr>
         <p:spPr>
           <a:xfrm>
-            <a:off x="6185221" y="2421601"/>
-            <a:ext cx="1128400" cy="575607"/>
+            <a:off x="6334685" y="2421601"/>
+            <a:ext cx="1128400" cy="837348"/>
           </a:xfrm>
           <a:prstGeom prst="rect">
             <a:avLst/>
@@ -4561,7 +4299,7 @@
           <a:p>
             <a:pPr algn="ctr"/>
             <a:r>
-              <a:rPr lang="es-ES" sz="1050" dirty="0" smtClean="0">
+              <a:rPr lang="es-ES" sz="1050" dirty="0">
                 <a:solidFill>
                   <a:schemeClr val="bg1"/>
                 </a:solidFill>
@@ -4570,13 +4308,6 @@
               </a:rPr>
               <a:t>expansión decimal no periódica</a:t>
             </a:r>
-            <a:endParaRPr lang="es-ES" sz="1050" dirty="0">
-              <a:solidFill>
-                <a:schemeClr val="bg1"/>
-              </a:solidFill>
-              <a:latin typeface="Arial" panose="020B0604020202020204" pitchFamily="34" charset="0"/>
-              <a:cs typeface="Arial" panose="020B0604020202020204" pitchFamily="34" charset="0"/>
-            </a:endParaRPr>
           </a:p>
         </p:txBody>
       </p:sp>
@@ -4588,7 +4319,7 @@
         </p:nvSpPr>
         <p:spPr>
           <a:xfrm>
-            <a:off x="5053201" y="3165582"/>
+            <a:off x="5207424" y="3409332"/>
             <a:ext cx="976366" cy="215444"/>
           </a:xfrm>
           <a:prstGeom prst="rect">
@@ -4604,16 +4335,12 @@
           <a:p>
             <a:pPr algn="ctr"/>
             <a:r>
-              <a:rPr lang="es-ES" sz="800" dirty="0" smtClean="0">
+              <a:rPr lang="es-ES" sz="800" dirty="0">
                 <a:latin typeface="Arial" panose="020B0604020202020204" pitchFamily="34" charset="0"/>
                 <a:cs typeface="Arial" panose="020B0604020202020204" pitchFamily="34" charset="0"/>
               </a:rPr>
               <a:t>que conforman</a:t>
             </a:r>
-            <a:endParaRPr lang="es-ES" sz="800" dirty="0">
-              <a:latin typeface="Arial" panose="020B0604020202020204" pitchFamily="34" charset="0"/>
-              <a:cs typeface="Arial" panose="020B0604020202020204" pitchFamily="34" charset="0"/>
-            </a:endParaRPr>
           </a:p>
         </p:txBody>
       </p:sp>
@@ -4625,8 +4352,8 @@
         </p:nvSpPr>
         <p:spPr>
           <a:xfrm>
-            <a:off x="5102874" y="3536704"/>
-            <a:ext cx="917289" cy="353519"/>
+            <a:off x="5233956" y="3750014"/>
+            <a:ext cx="917289" cy="635046"/>
           </a:xfrm>
           <a:prstGeom prst="rect">
             <a:avLst/>
@@ -4662,7 +4389,7 @@
           <a:p>
             <a:pPr algn="ctr"/>
             <a:r>
-              <a:rPr lang="es-ES" sz="900" dirty="0" smtClean="0">
+              <a:rPr lang="es-ES" sz="900" dirty="0">
                 <a:solidFill>
                   <a:schemeClr val="tx1"/>
                 </a:solidFill>
@@ -4671,13 +4398,6 @@
               </a:rPr>
               <a:t>los números racionales</a:t>
             </a:r>
-            <a:endParaRPr lang="es-ES" sz="900" dirty="0">
-              <a:solidFill>
-                <a:schemeClr val="tx1"/>
-              </a:solidFill>
-              <a:latin typeface="Arial" panose="020B0604020202020204" pitchFamily="34" charset="0"/>
-              <a:cs typeface="Arial" panose="020B0604020202020204" pitchFamily="34" charset="0"/>
-            </a:endParaRPr>
           </a:p>
         </p:txBody>
       </p:sp>
@@ -4689,7 +4409,7 @@
         </p:nvSpPr>
         <p:spPr>
           <a:xfrm>
-            <a:off x="7727045" y="3337663"/>
+            <a:off x="7788005" y="3337663"/>
             <a:ext cx="976366" cy="338554"/>
           </a:xfrm>
           <a:prstGeom prst="rect">
@@ -4705,16 +4425,12 @@
           <a:p>
             <a:pPr algn="ctr"/>
             <a:r>
-              <a:rPr lang="es-ES" sz="800" dirty="0" smtClean="0">
+              <a:rPr lang="es-ES" sz="800" dirty="0">
                 <a:latin typeface="Arial" panose="020B0604020202020204" pitchFamily="34" charset="0"/>
                 <a:cs typeface="Arial" panose="020B0604020202020204" pitchFamily="34" charset="0"/>
               </a:rPr>
               <a:t>cuyas soluciones son</a:t>
             </a:r>
-            <a:endParaRPr lang="es-ES" sz="800" dirty="0">
-              <a:latin typeface="Arial" panose="020B0604020202020204" pitchFamily="34" charset="0"/>
-              <a:cs typeface="Arial" panose="020B0604020202020204" pitchFamily="34" charset="0"/>
-            </a:endParaRPr>
           </a:p>
         </p:txBody>
       </p:sp>
@@ -4726,8 +4442,8 @@
         </p:nvSpPr>
         <p:spPr>
           <a:xfrm>
-            <a:off x="6281388" y="3513243"/>
-            <a:ext cx="1122431" cy="353519"/>
+            <a:off x="6339799" y="3750014"/>
+            <a:ext cx="1122431" cy="627848"/>
           </a:xfrm>
           <a:prstGeom prst="rect">
             <a:avLst/>
@@ -4763,7 +4479,7 @@
           <a:p>
             <a:pPr algn="ctr"/>
             <a:r>
-              <a:rPr lang="es-ES" sz="900" dirty="0" smtClean="0">
+              <a:rPr lang="es-ES" sz="900" dirty="0">
                 <a:solidFill>
                   <a:schemeClr val="tx1"/>
                 </a:solidFill>
@@ -4772,13 +4488,6 @@
               </a:rPr>
               <a:t>los números irracionales</a:t>
             </a:r>
-            <a:endParaRPr lang="es-ES" sz="900" dirty="0">
-              <a:solidFill>
-                <a:schemeClr val="tx1"/>
-              </a:solidFill>
-              <a:latin typeface="Arial" panose="020B0604020202020204" pitchFamily="34" charset="0"/>
-              <a:cs typeface="Arial" panose="020B0604020202020204" pitchFamily="34" charset="0"/>
-            </a:endParaRPr>
           </a:p>
         </p:txBody>
       </p:sp>
@@ -4790,8 +4499,8 @@
         </p:nvSpPr>
         <p:spPr>
           <a:xfrm>
-            <a:off x="4968506" y="4034458"/>
-            <a:ext cx="1117174" cy="215444"/>
+            <a:off x="5341628" y="4550740"/>
+            <a:ext cx="693677" cy="215444"/>
           </a:xfrm>
           <a:prstGeom prst="rect">
             <a:avLst/>
@@ -4806,16 +4515,12 @@
           <a:p>
             <a:pPr algn="ctr"/>
             <a:r>
-              <a:rPr lang="es-ES" sz="800" dirty="0" smtClean="0">
+              <a:rPr lang="es-ES" sz="800" dirty="0">
                 <a:latin typeface="Arial" panose="020B0604020202020204" pitchFamily="34" charset="0"/>
                 <a:cs typeface="Arial" panose="020B0604020202020204" pitchFamily="34" charset="0"/>
               </a:rPr>
               <a:t>los cuales</a:t>
             </a:r>
-            <a:endParaRPr lang="es-ES" sz="800" dirty="0">
-              <a:latin typeface="Arial" panose="020B0604020202020204" pitchFamily="34" charset="0"/>
-              <a:cs typeface="Arial" panose="020B0604020202020204" pitchFamily="34" charset="0"/>
-            </a:endParaRPr>
           </a:p>
         </p:txBody>
       </p:sp>
@@ -4827,8 +4532,8 @@
         </p:nvSpPr>
         <p:spPr>
           <a:xfrm>
-            <a:off x="4896196" y="4378275"/>
-            <a:ext cx="1139438" cy="497135"/>
+            <a:off x="5219691" y="4894099"/>
+            <a:ext cx="941685" cy="958227"/>
           </a:xfrm>
           <a:prstGeom prst="rect">
             <a:avLst/>
@@ -4862,7 +4567,7 @@
           <a:p>
             <a:pPr algn="ctr"/>
             <a:r>
-              <a:rPr lang="es-ES" sz="900" dirty="0" smtClean="0">
+              <a:rPr lang="es-ES" sz="900" dirty="0">
                 <a:solidFill>
                   <a:schemeClr val="tx1"/>
                 </a:solidFill>
@@ -4871,13 +4576,6 @@
               </a:rPr>
               <a:t>se pueden escribir como fracción de números enteros</a:t>
             </a:r>
-            <a:endParaRPr lang="es-ES" sz="900" dirty="0">
-              <a:solidFill>
-                <a:schemeClr val="tx1"/>
-              </a:solidFill>
-              <a:latin typeface="Arial" panose="020B0604020202020204" pitchFamily="34" charset="0"/>
-              <a:cs typeface="Arial" panose="020B0604020202020204" pitchFamily="34" charset="0"/>
-            </a:endParaRPr>
           </a:p>
         </p:txBody>
       </p:sp>
@@ -4889,7 +4587,7 @@
         </p:nvSpPr>
         <p:spPr>
           <a:xfrm>
-            <a:off x="6200544" y="4022438"/>
+            <a:off x="6345056" y="4546432"/>
             <a:ext cx="1117174" cy="215444"/>
           </a:xfrm>
           <a:prstGeom prst="rect">
@@ -4905,16 +4603,12 @@
           <a:p>
             <a:pPr algn="ctr"/>
             <a:r>
-              <a:rPr lang="es-ES" sz="800" dirty="0" smtClean="0">
+              <a:rPr lang="es-ES" sz="800" dirty="0">
                 <a:latin typeface="Arial" panose="020B0604020202020204" pitchFamily="34" charset="0"/>
                 <a:cs typeface="Arial" panose="020B0604020202020204" pitchFamily="34" charset="0"/>
               </a:rPr>
               <a:t>que</a:t>
             </a:r>
-            <a:endParaRPr lang="es-ES" sz="800" dirty="0">
-              <a:latin typeface="Arial" panose="020B0604020202020204" pitchFamily="34" charset="0"/>
-              <a:cs typeface="Arial" panose="020B0604020202020204" pitchFamily="34" charset="0"/>
-            </a:endParaRPr>
           </a:p>
         </p:txBody>
       </p:sp>
@@ -4926,8 +4620,8 @@
         </p:nvSpPr>
         <p:spPr>
           <a:xfrm>
-            <a:off x="6298112" y="4378275"/>
-            <a:ext cx="1137512" cy="689286"/>
+            <a:off x="6386390" y="4894100"/>
+            <a:ext cx="1034102" cy="958226"/>
           </a:xfrm>
           <a:prstGeom prst="rect">
             <a:avLst/>
@@ -4961,7 +4655,7 @@
           <a:p>
             <a:pPr algn="ctr"/>
             <a:r>
-              <a:rPr lang="es-ES" sz="900" dirty="0" smtClean="0">
+              <a:rPr lang="es-ES" sz="900" dirty="0">
                 <a:solidFill>
                   <a:schemeClr val="tx1"/>
                 </a:solidFill>
@@ -4970,13 +4664,6 @@
               </a:rPr>
               <a:t>no se pueden escribir como fracción de números enteros</a:t>
             </a:r>
-            <a:endParaRPr lang="es-ES" sz="900" dirty="0">
-              <a:solidFill>
-                <a:schemeClr val="tx1"/>
-              </a:solidFill>
-              <a:latin typeface="Arial" panose="020B0604020202020204" pitchFamily="34" charset="0"/>
-              <a:cs typeface="Arial" panose="020B0604020202020204" pitchFamily="34" charset="0"/>
-            </a:endParaRPr>
           </a:p>
         </p:txBody>
       </p:sp>
@@ -4988,8 +4675,8 @@
         </p:nvSpPr>
         <p:spPr>
           <a:xfrm>
-            <a:off x="7686277" y="3890223"/>
-            <a:ext cx="1057902" cy="568551"/>
+            <a:off x="7741141" y="3750015"/>
+            <a:ext cx="1057902" cy="635045"/>
           </a:xfrm>
           <a:prstGeom prst="rect">
             <a:avLst/>
@@ -5025,7 +4712,7 @@
           <a:p>
             <a:pPr algn="ctr"/>
             <a:r>
-              <a:rPr lang="es-ES" sz="900" dirty="0" smtClean="0">
+              <a:rPr lang="es-ES" sz="900" dirty="0">
                 <a:solidFill>
                   <a:schemeClr val="tx1"/>
                 </a:solidFill>
@@ -5034,30 +4721,25 @@
               </a:rPr>
               <a:t>conjuntos de números reales e intervalos</a:t>
             </a:r>
-            <a:endParaRPr lang="es-ES" sz="900" dirty="0">
-              <a:solidFill>
-                <a:schemeClr val="tx1"/>
-              </a:solidFill>
-              <a:latin typeface="Arial" panose="020B0604020202020204" pitchFamily="34" charset="0"/>
-              <a:cs typeface="Arial" panose="020B0604020202020204" pitchFamily="34" charset="0"/>
-            </a:endParaRPr>
           </a:p>
         </p:txBody>
       </p:sp>
       <p:cxnSp>
         <p:nvCxnSpPr>
           <p:cNvPr id="416" name="Conector angular 415"/>
-          <p:cNvCxnSpPr/>
+          <p:cNvCxnSpPr>
+            <a:stCxn id="368" idx="2"/>
+          </p:cNvCxnSpPr>
           <p:nvPr/>
         </p:nvCxnSpPr>
         <p:spPr>
           <a:xfrm rot="5400000">
-            <a:off x="2522092" y="3863732"/>
-            <a:ext cx="159094" cy="1457"/>
+            <a:off x="3034700" y="4420938"/>
+            <a:ext cx="86856" cy="704"/>
           </a:xfrm>
           <a:prstGeom prst="bentConnector3">
             <a:avLst>
-              <a:gd name="adj1" fmla="val 95617"/>
+              <a:gd name="adj1" fmla="val 50000"/>
             </a:avLst>
           </a:prstGeom>
           <a:ln w="12700">
@@ -5084,13 +4766,16 @@
       <p:cxnSp>
         <p:nvCxnSpPr>
           <p:cNvPr id="418" name="Conector angular 417"/>
-          <p:cNvCxnSpPr/>
+          <p:cNvCxnSpPr>
+            <a:stCxn id="220" idx="2"/>
+            <a:endCxn id="371" idx="0"/>
+          </p:cNvCxnSpPr>
           <p:nvPr/>
         </p:nvCxnSpPr>
         <p:spPr>
-          <a:xfrm rot="5400000">
-            <a:off x="3778592" y="3337103"/>
-            <a:ext cx="173290" cy="1"/>
+          <a:xfrm rot="16200000" flipH="1">
+            <a:off x="4267469" y="3301158"/>
+            <a:ext cx="87044" cy="2625"/>
           </a:xfrm>
           <a:prstGeom prst="bentConnector3">
             <a:avLst>
@@ -5121,13 +4806,16 @@
       <p:cxnSp>
         <p:nvCxnSpPr>
           <p:cNvPr id="423" name="Conector angular 422"/>
-          <p:cNvCxnSpPr/>
+          <p:cNvCxnSpPr>
+            <a:stCxn id="371" idx="2"/>
+            <a:endCxn id="257" idx="0"/>
+          </p:cNvCxnSpPr>
           <p:nvPr/>
         </p:nvCxnSpPr>
         <p:spPr>
           <a:xfrm rot="5400000">
-            <a:off x="3768083" y="3816791"/>
-            <a:ext cx="173290" cy="1"/>
+            <a:off x="4264579" y="3700166"/>
+            <a:ext cx="94122" cy="1329"/>
           </a:xfrm>
           <a:prstGeom prst="bentConnector3">
             <a:avLst>
@@ -5161,18 +4849,18 @@
           <p:cNvCxnSpPr>
             <a:cxnSpLocks noChangeShapeType="1"/>
             <a:stCxn id="397" idx="0"/>
+            <a:endCxn id="373" idx="2"/>
           </p:cNvCxnSpPr>
           <p:nvPr/>
         </p:nvCxnSpPr>
         <p:spPr bwMode="auto">
-          <a:xfrm rot="16200000" flipH="1" flipV="1">
-            <a:off x="6066941" y="1740039"/>
-            <a:ext cx="919" cy="1364041"/>
-          </a:xfrm>
-          <a:prstGeom prst="bentConnector4">
+          <a:xfrm rot="16200000" flipV="1">
+            <a:off x="6472875" y="1995590"/>
+            <a:ext cx="242326" cy="609695"/>
+          </a:xfrm>
+          <a:prstGeom prst="bentConnector3">
             <a:avLst>
-              <a:gd name="adj1" fmla="val -16222742"/>
-              <a:gd name="adj2" fmla="val 90792"/>
+              <a:gd name="adj1" fmla="val 50000"/>
             </a:avLst>
           </a:prstGeom>
           <a:noFill/>
@@ -5206,13 +4894,16 @@
       <p:cxnSp>
         <p:nvCxnSpPr>
           <p:cNvPr id="434" name="Conector angular 433"/>
-          <p:cNvCxnSpPr/>
+          <p:cNvCxnSpPr>
+            <a:stCxn id="116" idx="2"/>
+            <a:endCxn id="373" idx="0"/>
+          </p:cNvCxnSpPr>
           <p:nvPr/>
         </p:nvCxnSpPr>
         <p:spPr>
           <a:xfrm rot="5400000">
-            <a:off x="5895755" y="1863419"/>
-            <a:ext cx="173290" cy="1"/>
+            <a:off x="6229872" y="1888600"/>
+            <a:ext cx="119807" cy="1169"/>
           </a:xfrm>
           <a:prstGeom prst="bentConnector3">
             <a:avLst>
@@ -5242,14 +4933,17 @@
       </p:cxnSp>
       <p:cxnSp>
         <p:nvCxnSpPr>
-          <p:cNvPr id="436" name="Conector angular 435"/>
-          <p:cNvCxnSpPr/>
+          <p:cNvPr id="438" name="Conector angular 437"/>
+          <p:cNvCxnSpPr>
+            <a:stCxn id="396" idx="2"/>
+            <a:endCxn id="398" idx="0"/>
+          </p:cNvCxnSpPr>
           <p:nvPr/>
         </p:nvCxnSpPr>
         <p:spPr>
-          <a:xfrm rot="5400000">
-            <a:off x="5898029" y="2182685"/>
-            <a:ext cx="173290" cy="1"/>
+          <a:xfrm rot="16200000" flipH="1">
+            <a:off x="5619652" y="3333376"/>
+            <a:ext cx="150383" cy="1528"/>
           </a:xfrm>
           <a:prstGeom prst="bentConnector3">
             <a:avLst>
@@ -5279,14 +4973,17 @@
       </p:cxnSp>
       <p:cxnSp>
         <p:nvCxnSpPr>
-          <p:cNvPr id="438" name="Conector angular 437"/>
-          <p:cNvCxnSpPr/>
+          <p:cNvPr id="439" name="Conector angular 438"/>
+          <p:cNvCxnSpPr>
+            <a:stCxn id="398" idx="2"/>
+            <a:endCxn id="399" idx="0"/>
+          </p:cNvCxnSpPr>
           <p:nvPr/>
         </p:nvCxnSpPr>
         <p:spPr>
           <a:xfrm rot="5400000">
-            <a:off x="5420658" y="3089248"/>
-            <a:ext cx="173290" cy="1"/>
+            <a:off x="5631485" y="3685892"/>
+            <a:ext cx="125238" cy="3006"/>
           </a:xfrm>
           <a:prstGeom prst="bentConnector3">
             <a:avLst>
@@ -5316,14 +5013,16 @@
       </p:cxnSp>
       <p:cxnSp>
         <p:nvCxnSpPr>
-          <p:cNvPr id="439" name="Conector angular 438"/>
-          <p:cNvCxnSpPr/>
+          <p:cNvPr id="440" name="Conector angular 439"/>
+          <p:cNvCxnSpPr>
+            <a:stCxn id="399" idx="2"/>
+          </p:cNvCxnSpPr>
           <p:nvPr/>
         </p:nvCxnSpPr>
         <p:spPr>
           <a:xfrm rot="5400000">
-            <a:off x="5420656" y="3451012"/>
-            <a:ext cx="173290" cy="1"/>
+            <a:off x="5650366" y="4423161"/>
+            <a:ext cx="80336" cy="4134"/>
           </a:xfrm>
           <a:prstGeom prst="bentConnector3">
             <a:avLst>
@@ -5353,51 +5052,17 @@
       </p:cxnSp>
       <p:cxnSp>
         <p:nvCxnSpPr>
-          <p:cNvPr id="440" name="Conector angular 439"/>
-          <p:cNvCxnSpPr/>
+          <p:cNvPr id="441" name="Conector angular 440"/>
+          <p:cNvCxnSpPr>
+            <a:stCxn id="402" idx="2"/>
+            <a:endCxn id="403" idx="0"/>
+          </p:cNvCxnSpPr>
           <p:nvPr/>
         </p:nvCxnSpPr>
         <p:spPr>
-          <a:xfrm rot="5400000">
-            <a:off x="5411918" y="3987684"/>
-            <a:ext cx="173290" cy="1"/>
-          </a:xfrm>
-          <a:prstGeom prst="bentConnector3">
-            <a:avLst>
-              <a:gd name="adj1" fmla="val 50000"/>
-            </a:avLst>
-          </a:prstGeom>
-          <a:ln w="12700">
-            <a:solidFill>
-              <a:schemeClr val="tx1"/>
-            </a:solidFill>
-          </a:ln>
-        </p:spPr>
-        <p:style>
-          <a:lnRef idx="1">
-            <a:schemeClr val="accent1"/>
-          </a:lnRef>
-          <a:fillRef idx="0">
-            <a:schemeClr val="accent1"/>
-          </a:fillRef>
-          <a:effectRef idx="0">
-            <a:schemeClr val="accent1"/>
-          </a:effectRef>
-          <a:fontRef idx="minor">
-            <a:schemeClr val="tx1"/>
-          </a:fontRef>
-        </p:style>
-      </p:cxnSp>
-      <p:cxnSp>
-        <p:nvCxnSpPr>
-          <p:cNvPr id="441" name="Conector angular 440"/>
-          <p:cNvCxnSpPr/>
-          <p:nvPr/>
-        </p:nvCxnSpPr>
-        <p:spPr>
-          <a:xfrm rot="5400000">
-            <a:off x="5411783" y="4289348"/>
-            <a:ext cx="173290" cy="1"/>
+          <a:xfrm rot="16200000" flipH="1">
+            <a:off x="5625543" y="4829107"/>
+            <a:ext cx="127915" cy="2067"/>
           </a:xfrm>
           <a:prstGeom prst="bentConnector3">
             <a:avLst>
@@ -5433,7 +5098,7 @@
         </p:nvSpPr>
         <p:spPr>
           <a:xfrm>
-            <a:off x="6298111" y="3165582"/>
+            <a:off x="6345895" y="3390241"/>
             <a:ext cx="1105708" cy="215444"/>
           </a:xfrm>
           <a:prstGeom prst="rect">
@@ -5449,29 +5114,28 @@
           <a:p>
             <a:pPr algn="ctr"/>
             <a:r>
-              <a:rPr lang="es-ES" sz="800" dirty="0" smtClean="0">
+              <a:rPr lang="es-ES" sz="800" dirty="0">
                 <a:latin typeface="Arial" panose="020B0604020202020204" pitchFamily="34" charset="0"/>
                 <a:cs typeface="Arial" panose="020B0604020202020204" pitchFamily="34" charset="0"/>
               </a:rPr>
               <a:t>que corresponden a</a:t>
             </a:r>
-            <a:endParaRPr lang="es-ES" sz="800" dirty="0">
-              <a:latin typeface="Arial" panose="020B0604020202020204" pitchFamily="34" charset="0"/>
-              <a:cs typeface="Arial" panose="020B0604020202020204" pitchFamily="34" charset="0"/>
-            </a:endParaRPr>
           </a:p>
         </p:txBody>
       </p:sp>
       <p:cxnSp>
         <p:nvCxnSpPr>
           <p:cNvPr id="443" name="Conector angular 442"/>
-          <p:cNvCxnSpPr/>
+          <p:cNvCxnSpPr>
+            <a:stCxn id="397" idx="2"/>
+            <a:endCxn id="442" idx="0"/>
+          </p:cNvCxnSpPr>
           <p:nvPr/>
         </p:nvCxnSpPr>
         <p:spPr>
           <a:xfrm rot="5400000">
-            <a:off x="6662642" y="3094918"/>
-            <a:ext cx="173290" cy="1"/>
+            <a:off x="6833171" y="3324527"/>
+            <a:ext cx="131292" cy="136"/>
           </a:xfrm>
           <a:prstGeom prst="bentConnector3">
             <a:avLst>
@@ -5502,13 +5166,16 @@
       <p:cxnSp>
         <p:nvCxnSpPr>
           <p:cNvPr id="444" name="Conector angular 443"/>
-          <p:cNvCxnSpPr/>
+          <p:cNvCxnSpPr>
+            <a:stCxn id="442" idx="2"/>
+            <a:endCxn id="401" idx="0"/>
+          </p:cNvCxnSpPr>
           <p:nvPr/>
         </p:nvCxnSpPr>
         <p:spPr>
-          <a:xfrm rot="5400000">
-            <a:off x="6662641" y="3426597"/>
-            <a:ext cx="173290" cy="1"/>
+          <a:xfrm rot="16200000" flipH="1">
+            <a:off x="6827718" y="3676716"/>
+            <a:ext cx="144329" cy="2266"/>
           </a:xfrm>
           <a:prstGeom prst="bentConnector3">
             <a:avLst>
@@ -5539,13 +5206,15 @@
       <p:cxnSp>
         <p:nvCxnSpPr>
           <p:cNvPr id="445" name="Conector angular 444"/>
-          <p:cNvCxnSpPr/>
+          <p:cNvCxnSpPr>
+            <a:stCxn id="401" idx="2"/>
+          </p:cNvCxnSpPr>
           <p:nvPr/>
         </p:nvCxnSpPr>
         <p:spPr>
-          <a:xfrm rot="5400000">
-            <a:off x="6668376" y="3955685"/>
-            <a:ext cx="173290" cy="1"/>
+          <a:xfrm rot="16200000" flipH="1">
+            <a:off x="6860716" y="4418161"/>
+            <a:ext cx="83226" cy="2628"/>
           </a:xfrm>
           <a:prstGeom prst="bentConnector3">
             <a:avLst>
@@ -5576,13 +5245,16 @@
       <p:cxnSp>
         <p:nvCxnSpPr>
           <p:cNvPr id="446" name="Conector angular 445"/>
-          <p:cNvCxnSpPr/>
+          <p:cNvCxnSpPr>
+            <a:stCxn id="404" idx="2"/>
+            <a:endCxn id="405" idx="0"/>
+          </p:cNvCxnSpPr>
           <p:nvPr/>
         </p:nvCxnSpPr>
         <p:spPr>
           <a:xfrm rot="5400000">
-            <a:off x="6666483" y="4282374"/>
-            <a:ext cx="173290" cy="1"/>
+            <a:off x="6837430" y="4827887"/>
+            <a:ext cx="132224" cy="202"/>
           </a:xfrm>
           <a:prstGeom prst="bentConnector3">
             <a:avLst>
@@ -5613,13 +5285,16 @@
       <p:cxnSp>
         <p:nvCxnSpPr>
           <p:cNvPr id="460" name="Conector angular 459"/>
-          <p:cNvCxnSpPr/>
+          <p:cNvCxnSpPr>
+            <a:stCxn id="361" idx="2"/>
+            <a:endCxn id="335" idx="0"/>
+          </p:cNvCxnSpPr>
           <p:nvPr/>
         </p:nvCxnSpPr>
         <p:spPr>
-          <a:xfrm rot="5400000">
-            <a:off x="8181401" y="1179031"/>
-            <a:ext cx="173290" cy="1"/>
+          <a:xfrm rot="16200000" flipH="1">
+            <a:off x="8175150" y="1165400"/>
+            <a:ext cx="191597" cy="4120"/>
           </a:xfrm>
           <a:prstGeom prst="bentConnector3">
             <a:avLst>
@@ -5650,13 +5325,16 @@
       <p:cxnSp>
         <p:nvCxnSpPr>
           <p:cNvPr id="461" name="Conector angular 460"/>
-          <p:cNvCxnSpPr/>
+          <p:cNvCxnSpPr>
+            <a:stCxn id="337" idx="2"/>
+            <a:endCxn id="339" idx="0"/>
+          </p:cNvCxnSpPr>
           <p:nvPr/>
         </p:nvCxnSpPr>
         <p:spPr>
-          <a:xfrm rot="5400000">
-            <a:off x="8141062" y="2251231"/>
-            <a:ext cx="253965" cy="1"/>
+          <a:xfrm rot="16200000" flipH="1">
+            <a:off x="8155635" y="2297144"/>
+            <a:ext cx="242289" cy="1163"/>
           </a:xfrm>
           <a:prstGeom prst="bentConnector3">
             <a:avLst>
@@ -5687,13 +5365,16 @@
       <p:cxnSp>
         <p:nvCxnSpPr>
           <p:cNvPr id="462" name="Conector angular 461"/>
-          <p:cNvCxnSpPr/>
+          <p:cNvCxnSpPr>
+            <a:stCxn id="339" idx="2"/>
+            <a:endCxn id="400" idx="0"/>
+          </p:cNvCxnSpPr>
           <p:nvPr/>
         </p:nvCxnSpPr>
         <p:spPr>
           <a:xfrm rot="5400000">
-            <a:off x="8198487" y="3296216"/>
-            <a:ext cx="173290" cy="1"/>
+            <a:off x="8237417" y="3297719"/>
+            <a:ext cx="78716" cy="1173"/>
           </a:xfrm>
           <a:prstGeom prst="bentConnector3">
             <a:avLst>
@@ -5724,13 +5405,16 @@
       <p:cxnSp>
         <p:nvCxnSpPr>
           <p:cNvPr id="463" name="Conector angular 462"/>
-          <p:cNvCxnSpPr/>
+          <p:cNvCxnSpPr>
+            <a:stCxn id="400" idx="2"/>
+            <a:endCxn id="412" idx="0"/>
+          </p:cNvCxnSpPr>
           <p:nvPr/>
         </p:nvCxnSpPr>
         <p:spPr>
           <a:xfrm rot="5400000">
-            <a:off x="8189262" y="3794761"/>
-            <a:ext cx="173290" cy="1"/>
+            <a:off x="8236241" y="3710068"/>
+            <a:ext cx="73798" cy="6096"/>
           </a:xfrm>
           <a:prstGeom prst="bentConnector3">
             <a:avLst>
@@ -5760,14 +5444,17 @@
       </p:cxnSp>
       <p:cxnSp>
         <p:nvCxnSpPr>
-          <p:cNvPr id="465" name="Conector angular 464"/>
-          <p:cNvCxnSpPr/>
+          <p:cNvPr id="466" name="Conector angular 465"/>
+          <p:cNvCxnSpPr>
+            <a:stCxn id="126" idx="2"/>
+            <a:endCxn id="363" idx="0"/>
+          </p:cNvCxnSpPr>
           <p:nvPr/>
         </p:nvCxnSpPr>
         <p:spPr>
-          <a:xfrm rot="16200000" flipH="1">
-            <a:off x="4909393" y="705400"/>
-            <a:ext cx="139049" cy="1160"/>
+          <a:xfrm rot="5400000">
+            <a:off x="3013817" y="3322908"/>
+            <a:ext cx="131176" cy="3258"/>
           </a:xfrm>
           <a:prstGeom prst="bentConnector3">
             <a:avLst>
@@ -5797,51 +5484,17 @@
       </p:cxnSp>
       <p:cxnSp>
         <p:nvCxnSpPr>
-          <p:cNvPr id="466" name="Conector angular 465"/>
-          <p:cNvCxnSpPr/>
+          <p:cNvPr id="470" name="Conector angular 469"/>
+          <p:cNvCxnSpPr>
+            <a:stCxn id="257" idx="2"/>
+            <a:endCxn id="263" idx="0"/>
+          </p:cNvCxnSpPr>
           <p:nvPr/>
         </p:nvCxnSpPr>
         <p:spPr>
-          <a:xfrm rot="5400000">
-            <a:off x="2537489" y="3005791"/>
-            <a:ext cx="159094" cy="1457"/>
-          </a:xfrm>
-          <a:prstGeom prst="bentConnector3">
-            <a:avLst>
-              <a:gd name="adj1" fmla="val 95617"/>
-            </a:avLst>
-          </a:prstGeom>
-          <a:ln w="12700">
-            <a:solidFill>
-              <a:schemeClr val="tx1"/>
-            </a:solidFill>
-          </a:ln>
-        </p:spPr>
-        <p:style>
-          <a:lnRef idx="1">
-            <a:schemeClr val="accent1"/>
-          </a:lnRef>
-          <a:fillRef idx="0">
-            <a:schemeClr val="accent1"/>
-          </a:fillRef>
-          <a:effectRef idx="0">
-            <a:schemeClr val="accent1"/>
-          </a:effectRef>
-          <a:fontRef idx="minor">
-            <a:schemeClr val="tx1"/>
-          </a:fontRef>
-        </p:style>
-      </p:cxnSp>
-      <p:cxnSp>
-        <p:nvCxnSpPr>
-          <p:cNvPr id="470" name="Conector angular 469"/>
-          <p:cNvCxnSpPr/>
-          <p:nvPr/>
-        </p:nvCxnSpPr>
-        <p:spPr>
-          <a:xfrm rot="5400000">
-            <a:off x="3768081" y="4224499"/>
-            <a:ext cx="173290" cy="1"/>
+          <a:xfrm rot="16200000" flipH="1">
+            <a:off x="4216006" y="4480029"/>
+            <a:ext cx="192152" cy="2214"/>
           </a:xfrm>
           <a:prstGeom prst="bentConnector3">
             <a:avLst>
@@ -5868,6 +5521,54 @@
             <a:schemeClr val="tx1"/>
           </a:fontRef>
         </p:style>
+      </p:cxnSp>
+      <p:cxnSp>
+        <p:nvCxnSpPr>
+          <p:cNvPr id="129" name="AutoShape 77"/>
+          <p:cNvCxnSpPr>
+            <a:cxnSpLocks noChangeShapeType="1"/>
+            <a:stCxn id="396" idx="0"/>
+            <a:endCxn id="373" idx="2"/>
+          </p:cNvCxnSpPr>
+          <p:nvPr/>
+        </p:nvCxnSpPr>
+        <p:spPr bwMode="auto">
+          <a:xfrm rot="5400000" flipH="1" flipV="1">
+            <a:off x="5871836" y="2001518"/>
+            <a:ext cx="239596" cy="595111"/>
+          </a:xfrm>
+          <a:prstGeom prst="bentConnector3">
+            <a:avLst>
+              <a:gd name="adj1" fmla="val 50000"/>
+            </a:avLst>
+          </a:prstGeom>
+          <a:noFill/>
+          <a:ln w="12700" cap="flat">
+            <a:solidFill>
+              <a:schemeClr val="tx1"/>
+            </a:solidFill>
+            <a:round/>
+            <a:headEnd/>
+            <a:tailEnd/>
+          </a:ln>
+          <a:effectLst/>
+          <a:extLst>
+            <a:ext uri="{909E8E84-426E-40DD-AFC4-6F175D3DCCD1}">
+              <a14:hiddenFill xmlns:a14="http://schemas.microsoft.com/office/drawing/2010/main">
+                <a:noFill/>
+              </a14:hiddenFill>
+            </a:ext>
+            <a:ext uri="{AF507438-7753-43E0-B8FC-AC1667EBCBE1}">
+              <a14:hiddenEffects xmlns:a14="http://schemas.microsoft.com/office/drawing/2010/main">
+                <a:effectLst>
+                  <a:outerShdw dist="35921" dir="2700000" algn="ctr" rotWithShape="0">
+                    <a:srgbClr val="808080"/>
+                  </a:outerShdw>
+                </a:effectLst>
+              </a14:hiddenEffects>
+            </a:ext>
+          </a:extLst>
+        </p:spPr>
       </p:cxnSp>
     </p:spTree>
     <p:extLst>
@@ -5879,13 +5580,6 @@
   <p:clrMapOvr>
     <a:masterClrMapping/>
   </p:clrMapOvr>
-  <p:timing>
-    <p:tnLst>
-      <p:par>
-        <p:cTn id="1" dur="indefinite" restart="never" nodeType="tmRoot"/>
-      </p:par>
-    </p:tnLst>
-  </p:timing>
 </p:sld>
 </file>
 
